--- a/Session1_Intro/2022 - Session 1 - Overview and Reproducibility Principles.pptx
+++ b/Session1_Intro/2022 - Session 1 - Overview and Reproducibility Principles.pptx
@@ -5,27 +5,26 @@
     <p:sldMasterId id="2147483654" r:id="rId1"/>
   </p:sldMasterIdLst>
   <p:notesMasterIdLst>
-    <p:notesMasterId r:id="rId20"/>
+    <p:notesMasterId r:id="rId19"/>
   </p:notesMasterIdLst>
   <p:sldIdLst>
     <p:sldId id="256" r:id="rId2"/>
-    <p:sldId id="282" r:id="rId3"/>
-    <p:sldId id="259" r:id="rId4"/>
-    <p:sldId id="261" r:id="rId5"/>
-    <p:sldId id="280" r:id="rId6"/>
-    <p:sldId id="262" r:id="rId7"/>
-    <p:sldId id="281" r:id="rId8"/>
-    <p:sldId id="268" r:id="rId9"/>
-    <p:sldId id="269" r:id="rId10"/>
-    <p:sldId id="263" r:id="rId11"/>
-    <p:sldId id="264" r:id="rId12"/>
-    <p:sldId id="274" r:id="rId13"/>
-    <p:sldId id="266" r:id="rId14"/>
-    <p:sldId id="272" r:id="rId15"/>
-    <p:sldId id="284" r:id="rId16"/>
-    <p:sldId id="276" r:id="rId17"/>
-    <p:sldId id="283" r:id="rId18"/>
-    <p:sldId id="285" r:id="rId19"/>
+    <p:sldId id="259" r:id="rId3"/>
+    <p:sldId id="261" r:id="rId4"/>
+    <p:sldId id="280" r:id="rId5"/>
+    <p:sldId id="262" r:id="rId6"/>
+    <p:sldId id="281" r:id="rId7"/>
+    <p:sldId id="268" r:id="rId8"/>
+    <p:sldId id="269" r:id="rId9"/>
+    <p:sldId id="263" r:id="rId10"/>
+    <p:sldId id="264" r:id="rId11"/>
+    <p:sldId id="274" r:id="rId12"/>
+    <p:sldId id="266" r:id="rId13"/>
+    <p:sldId id="272" r:id="rId14"/>
+    <p:sldId id="284" r:id="rId15"/>
+    <p:sldId id="276" r:id="rId16"/>
+    <p:sldId id="283" r:id="rId17"/>
+    <p:sldId id="285" r:id="rId18"/>
   </p:sldIdLst>
   <p:sldSz cx="9144000" cy="6858000" type="screen4x3"/>
   <p:notesSz cx="7010400" cy="9236075"/>
@@ -282,6 +281,7 @@
   <p1510:revLst>
     <p1510:client id="{2082941D-0433-84DC-1DEA-DD6F7C31F1C7}" v="203" dt="2022-06-10T18:31:19.167"/>
     <p1510:client id="{562DAB7D-436C-1602-E72E-908B982172E0}" v="30" dt="2022-06-28T02:29:01.140"/>
+    <p1510:client id="{98FCA016-B67A-D48A-07BD-195A9608FD0F}" v="2" dt="2022-07-09T03:17:04.356"/>
     <p1510:client id="{A32F9E8B-DABB-46EA-BA82-0D17199FCB6C}" v="204" dt="2019-11-15T02:21:11.744"/>
     <p1510:client id="{ABC40ABF-CC0A-4585-9AB1-0C4661091F47}" v="83" dt="2020-01-17T02:05:53.015"/>
     <p1510:client id="{C0D6B327-BF2E-1EC4-C4D4-83B34B46966D}" v="2335" dt="2022-06-01T13:21:39.492"/>
@@ -1183,6 +1183,30 @@
       </pc:sldChg>
     </pc:docChg>
   </pc:docChgLst>
+  <pc:docChgLst>
+    <pc:chgData name="John Patrick Johnson" userId="S::jpj8711@ads.northwestern.edu::fe18dc51-e5c5-41f0-a67f-64543119935e" providerId="AD" clId="Web-{98FCA016-B67A-D48A-07BD-195A9608FD0F}"/>
+    <pc:docChg chg="modSld">
+      <pc:chgData name="John Patrick Johnson" userId="S::jpj8711@ads.northwestern.edu::fe18dc51-e5c5-41f0-a67f-64543119935e" providerId="AD" clId="Web-{98FCA016-B67A-D48A-07BD-195A9608FD0F}" dt="2022-07-09T03:16:58.496" v="0" actId="20577"/>
+      <pc:docMkLst>
+        <pc:docMk/>
+      </pc:docMkLst>
+      <pc:sldChg chg="modSp">
+        <pc:chgData name="John Patrick Johnson" userId="S::jpj8711@ads.northwestern.edu::fe18dc51-e5c5-41f0-a67f-64543119935e" providerId="AD" clId="Web-{98FCA016-B67A-D48A-07BD-195A9608FD0F}" dt="2022-07-09T03:16:58.496" v="0" actId="20577"/>
+        <pc:sldMkLst>
+          <pc:docMk/>
+          <pc:sldMk cId="0" sldId="256"/>
+        </pc:sldMkLst>
+        <pc:spChg chg="mod">
+          <ac:chgData name="John Patrick Johnson" userId="S::jpj8711@ads.northwestern.edu::fe18dc51-e5c5-41f0-a67f-64543119935e" providerId="AD" clId="Web-{98FCA016-B67A-D48A-07BD-195A9608FD0F}" dt="2022-07-09T03:16:58.496" v="0" actId="20577"/>
+          <ac:spMkLst>
+            <pc:docMk/>
+            <pc:sldMk cId="0" sldId="256"/>
+            <ac:spMk id="49" creationId="{00000000-0000-0000-0000-000000000000}"/>
+          </ac:spMkLst>
+        </pc:spChg>
+      </pc:sldChg>
+    </pc:docChg>
+  </pc:docChgLst>
 </pc:chgInfo>
 </file>
 
@@ -2927,277 +2951,6 @@
   <p:cSld>
     <p:spTree>
       <p:nvGrpSpPr>
-        <p:cNvPr id="1" name="Shape 108"/>
-        <p:cNvGrpSpPr/>
-        <p:nvPr/>
-      </p:nvGrpSpPr>
-      <p:grpSpPr>
-        <a:xfrm>
-          <a:off x="0" y="0"/>
-          <a:ext cx="0" cy="0"/>
-          <a:chOff x="0" y="0"/>
-          <a:chExt cx="0" cy="0"/>
-        </a:xfrm>
-      </p:grpSpPr>
-      <p:sp>
-        <p:nvSpPr>
-          <p:cNvPr id="109" name="Google Shape;109;g524c740e24_0_8:notes"/>
-          <p:cNvSpPr>
-            <a:spLocks noGrp="1" noRot="1" noChangeAspect="1"/>
-          </p:cNvSpPr>
-          <p:nvPr>
-            <p:ph type="sldImg" idx="2"/>
-          </p:nvPr>
-        </p:nvSpPr>
-        <p:spPr>
-          <a:xfrm>
-            <a:off x="1195388" y="692150"/>
-            <a:ext cx="4619625" cy="3463925"/>
-          </a:xfrm>
-          <a:custGeom>
-            <a:avLst/>
-            <a:gdLst/>
-            <a:ahLst/>
-            <a:cxnLst/>
-            <a:rect l="l" t="t" r="r" b="b"/>
-            <a:pathLst>
-              <a:path w="120000" h="120000" extrusionOk="0">
-                <a:moveTo>
-                  <a:pt x="0" y="0"/>
-                </a:moveTo>
-                <a:lnTo>
-                  <a:pt x="120000" y="0"/>
-                </a:lnTo>
-                <a:lnTo>
-                  <a:pt x="120000" y="120000"/>
-                </a:lnTo>
-                <a:lnTo>
-                  <a:pt x="0" y="120000"/>
-                </a:lnTo>
-                <a:close/>
-              </a:path>
-            </a:pathLst>
-          </a:custGeom>
-          <a:noFill/>
-          <a:ln w="12700" cap="flat" cmpd="sng">
-            <a:solidFill>
-              <a:srgbClr val="000000"/>
-            </a:solidFill>
-            <a:prstDash val="solid"/>
-            <a:round/>
-            <a:headEnd type="none" w="sm" len="sm"/>
-            <a:tailEnd type="none" w="sm" len="sm"/>
-          </a:ln>
-        </p:spPr>
-      </p:sp>
-      <p:sp>
-        <p:nvSpPr>
-          <p:cNvPr id="110" name="Google Shape;110;g524c740e24_0_8:notes"/>
-          <p:cNvSpPr txBox="1">
-            <a:spLocks noGrp="1"/>
-          </p:cNvSpPr>
-          <p:nvPr>
-            <p:ph type="body" idx="1"/>
-          </p:nvPr>
-        </p:nvSpPr>
-        <p:spPr>
-          <a:xfrm>
-            <a:off x="701040" y="4387136"/>
-            <a:ext cx="5608200" cy="4156200"/>
-          </a:xfrm>
-          <a:prstGeom prst="rect">
-            <a:avLst/>
-          </a:prstGeom>
-          <a:noFill/>
-          <a:ln>
-            <a:noFill/>
-          </a:ln>
-        </p:spPr>
-        <p:txBody>
-          <a:bodyPr spcFirstLastPara="1" wrap="square" lIns="93175" tIns="46575" rIns="93175" bIns="46575" anchor="t" anchorCtr="0">
-            <a:noAutofit/>
-          </a:bodyPr>
-          <a:lstStyle/>
-          <a:p>
-            <a:pPr marL="0" lvl="0" indent="0" algn="l" rtl="0">
-              <a:lnSpc>
-                <a:spcPct val="100000"/>
-              </a:lnSpc>
-              <a:spcBef>
-                <a:spcPts val="0"/>
-              </a:spcBef>
-              <a:spcAft>
-                <a:spcPts val="0"/>
-              </a:spcAft>
-              <a:buSzPts val="1400"/>
-              <a:buNone/>
-            </a:pPr>
-            <a:r>
-              <a:rPr lang="en-US" dirty="0"/>
-              <a:t>Tell me, does this situation sound familiar to you? Let’s say you go to a directory containing a project that one of your colleagues spent a lot of time on.</a:t>
-            </a:r>
-          </a:p>
-          <a:p>
-            <a:pPr marL="0" lvl="0" indent="0" algn="l" rtl="0">
-              <a:lnSpc>
-                <a:spcPct val="100000"/>
-              </a:lnSpc>
-              <a:spcBef>
-                <a:spcPts val="0"/>
-              </a:spcBef>
-              <a:spcAft>
-                <a:spcPts val="0"/>
-              </a:spcAft>
-              <a:buSzPts val="1400"/>
-              <a:buNone/>
-            </a:pPr>
-            <a:r>
-              <a:rPr lang="en-US" dirty="0"/>
-              <a:t>You just want to find one piece of information, but what you see is confusing to you, and you spend a lot of time opening random files and hoping to get lucky.</a:t>
-            </a:r>
-          </a:p>
-          <a:p>
-            <a:pPr marL="0" lvl="0" indent="0" algn="l" rtl="0">
-              <a:lnSpc>
-                <a:spcPct val="100000"/>
-              </a:lnSpc>
-              <a:spcBef>
-                <a:spcPts val="0"/>
-              </a:spcBef>
-              <a:spcAft>
-                <a:spcPts val="0"/>
-              </a:spcAft>
-              <a:buSzPts val="1400"/>
-              <a:buNone/>
-            </a:pPr>
-            <a:r>
-              <a:rPr lang="en-US" dirty="0"/>
-              <a:t>This is an actual directory created by Research Support for a project to monitor and report the usage load on KLC.</a:t>
-            </a:r>
-          </a:p>
-          <a:p>
-            <a:pPr marL="0" lvl="0" indent="0" algn="l" rtl="0">
-              <a:lnSpc>
-                <a:spcPct val="100000"/>
-              </a:lnSpc>
-              <a:spcBef>
-                <a:spcPts val="0"/>
-              </a:spcBef>
-              <a:spcAft>
-                <a:spcPts val="0"/>
-              </a:spcAft>
-              <a:buSzPts val="1400"/>
-              <a:buNone/>
-            </a:pPr>
-            <a:r>
-              <a:rPr lang="en-US" dirty="0"/>
-              <a:t>Where would you go to find the data showing load by user last week?</a:t>
-            </a:r>
-          </a:p>
-          <a:p>
-            <a:pPr marL="0" lvl="0" indent="0" algn="l" rtl="0">
-              <a:lnSpc>
-                <a:spcPct val="100000"/>
-              </a:lnSpc>
-              <a:spcBef>
-                <a:spcPts val="0"/>
-              </a:spcBef>
-              <a:spcAft>
-                <a:spcPts val="0"/>
-              </a:spcAft>
-              <a:buSzPts val="1400"/>
-              <a:buNone/>
-            </a:pPr>
-            <a:r>
-              <a:rPr lang="en-US" dirty="0"/>
-              <a:t>&lt;Opportunity for interaction… one of these “history” files?&gt;</a:t>
-            </a:r>
-          </a:p>
-          <a:p>
-            <a:pPr marL="0" lvl="0" indent="0" algn="l" rtl="0">
-              <a:lnSpc>
-                <a:spcPct val="100000"/>
-              </a:lnSpc>
-              <a:spcBef>
-                <a:spcPts val="0"/>
-              </a:spcBef>
-              <a:spcAft>
-                <a:spcPts val="0"/>
-              </a:spcAft>
-              <a:buSzPts val="1400"/>
-              <a:buNone/>
-            </a:pPr>
-            <a:r>
-              <a:rPr lang="en-US" dirty="0"/>
-              <a:t>The answer is surprising to me. It is actually underneath the “renice” subdirectory.</a:t>
-            </a:r>
-            <a:endParaRPr dirty="0"/>
-          </a:p>
-        </p:txBody>
-      </p:sp>
-      <p:sp>
-        <p:nvSpPr>
-          <p:cNvPr id="111" name="Google Shape;111;g524c740e24_0_8:notes"/>
-          <p:cNvSpPr txBox="1">
-            <a:spLocks noGrp="1"/>
-          </p:cNvSpPr>
-          <p:nvPr>
-            <p:ph type="sldNum" idx="12"/>
-          </p:nvPr>
-        </p:nvSpPr>
-        <p:spPr>
-          <a:xfrm>
-            <a:off x="3970938" y="8772669"/>
-            <a:ext cx="3037800" cy="461700"/>
-          </a:xfrm>
-          <a:prstGeom prst="rect">
-            <a:avLst/>
-          </a:prstGeom>
-          <a:noFill/>
-          <a:ln>
-            <a:noFill/>
-          </a:ln>
-        </p:spPr>
-        <p:txBody>
-          <a:bodyPr spcFirstLastPara="1" wrap="square" lIns="93175" tIns="46575" rIns="93175" bIns="46575" anchor="b" anchorCtr="0">
-            <a:noAutofit/>
-          </a:bodyPr>
-          <a:lstStyle/>
-          <a:p>
-            <a:pPr marL="0" lvl="0" indent="0" algn="r" rtl="0">
-              <a:lnSpc>
-                <a:spcPct val="100000"/>
-              </a:lnSpc>
-              <a:spcBef>
-                <a:spcPts val="0"/>
-              </a:spcBef>
-              <a:spcAft>
-                <a:spcPts val="0"/>
-              </a:spcAft>
-              <a:buSzPts val="1400"/>
-              <a:buNone/>
-            </a:pPr>
-            <a:fld id="{00000000-1234-1234-1234-123412341234}" type="slidenum">
-              <a:rPr lang="en-US"/>
-              <a:t>10</a:t>
-            </a:fld>
-            <a:endParaRPr/>
-          </a:p>
-        </p:txBody>
-      </p:sp>
-    </p:spTree>
-  </p:cSld>
-  <p:clrMapOvr>
-    <a:masterClrMapping/>
-  </p:clrMapOvr>
-</p:notes>
-</file>
-
-<file path=ppt/notesSlides/notesSlide11.xml><?xml version="1.0" encoding="utf-8"?>
-<p:notes xmlns:a="http://schemas.openxmlformats.org/drawingml/2006/main" xmlns:r="http://schemas.openxmlformats.org/officeDocument/2006/relationships" xmlns:p="http://schemas.openxmlformats.org/presentationml/2006/main" showMasterSp="0" showMasterPhAnim="0">
-  <p:cSld>
-    <p:spTree>
-      <p:nvGrpSpPr>
         <p:cNvPr id="1" name="Shape 120"/>
         <p:cNvGrpSpPr/>
         <p:nvPr/>
@@ -3417,7 +3170,7 @@
             </a:pPr>
             <a:fld id="{00000000-1234-1234-1234-123412341234}" type="slidenum">
               <a:rPr lang="en-US"/>
-              <a:t>11</a:t>
+              <a:t>10</a:t>
             </a:fld>
             <a:endParaRPr/>
           </a:p>
@@ -3431,7 +3184,7 @@
 </p:notes>
 </file>
 
-<file path=ppt/notesSlides/notesSlide12.xml><?xml version="1.0" encoding="utf-8"?>
+<file path=ppt/notesSlides/notesSlide11.xml><?xml version="1.0" encoding="utf-8"?>
 <p:notes xmlns:a="http://schemas.openxmlformats.org/drawingml/2006/main" xmlns:r="http://schemas.openxmlformats.org/officeDocument/2006/relationships" xmlns:p="http://schemas.openxmlformats.org/presentationml/2006/main" showMasterSp="0" showMasterPhAnim="0">
   <p:cSld>
     <p:spTree>
@@ -3722,7 +3475,7 @@
             </a:pPr>
             <a:fld id="{00000000-1234-1234-1234-123412341234}" type="slidenum">
               <a:rPr lang="en-US"/>
-              <a:t>12</a:t>
+              <a:t>11</a:t>
             </a:fld>
             <a:endParaRPr/>
           </a:p>
@@ -3736,7 +3489,7 @@
 </p:notes>
 </file>
 
-<file path=ppt/notesSlides/notesSlide13.xml><?xml version="1.0" encoding="utf-8"?>
+<file path=ppt/notesSlides/notesSlide12.xml><?xml version="1.0" encoding="utf-8"?>
 <p:notes xmlns:a="http://schemas.openxmlformats.org/drawingml/2006/main" xmlns:r="http://schemas.openxmlformats.org/officeDocument/2006/relationships" xmlns:p="http://schemas.openxmlformats.org/presentationml/2006/main" showMasterSp="0" showMasterPhAnim="0">
   <p:cSld>
     <p:spTree>
@@ -4055,7 +3808,7 @@
             </a:pPr>
             <a:fld id="{00000000-1234-1234-1234-123412341234}" type="slidenum">
               <a:rPr lang="en-US"/>
-              <a:t>13</a:t>
+              <a:t>12</a:t>
             </a:fld>
             <a:endParaRPr/>
           </a:p>
@@ -4069,7 +3822,7 @@
 </p:notes>
 </file>
 
-<file path=ppt/notesSlides/notesSlide14.xml><?xml version="1.0" encoding="utf-8"?>
+<file path=ppt/notesSlides/notesSlide13.xml><?xml version="1.0" encoding="utf-8"?>
 <p:notes xmlns:a="http://schemas.openxmlformats.org/drawingml/2006/main" xmlns:r="http://schemas.openxmlformats.org/officeDocument/2006/relationships" xmlns:p="http://schemas.openxmlformats.org/presentationml/2006/main" showMasterSp="0" showMasterPhAnim="0">
   <p:cSld>
     <p:spTree>
@@ -4344,6 +4097,258 @@
             </a:pPr>
             <a:fld id="{00000000-1234-1234-1234-123412341234}" type="slidenum">
               <a:rPr lang="en-US"/>
+              <a:t>13</a:t>
+            </a:fld>
+            <a:endParaRPr/>
+          </a:p>
+        </p:txBody>
+      </p:sp>
+    </p:spTree>
+  </p:cSld>
+  <p:clrMapOvr>
+    <a:masterClrMapping/>
+  </p:clrMapOvr>
+</p:notes>
+</file>
+
+<file path=ppt/notesSlides/notesSlide14.xml><?xml version="1.0" encoding="utf-8"?>
+<p:notes xmlns:a="http://schemas.openxmlformats.org/drawingml/2006/main" xmlns:r="http://schemas.openxmlformats.org/officeDocument/2006/relationships" xmlns:p="http://schemas.openxmlformats.org/presentationml/2006/main" showMasterSp="0" showMasterPhAnim="0">
+  <p:cSld>
+    <p:spTree>
+      <p:nvGrpSpPr>
+        <p:cNvPr id="1" name="Shape 245"/>
+        <p:cNvGrpSpPr/>
+        <p:nvPr/>
+      </p:nvGrpSpPr>
+      <p:grpSpPr>
+        <a:xfrm>
+          <a:off x="0" y="0"/>
+          <a:ext cx="0" cy="0"/>
+          <a:chOff x="0" y="0"/>
+          <a:chExt cx="0" cy="0"/>
+        </a:xfrm>
+      </p:grpSpPr>
+      <p:sp>
+        <p:nvSpPr>
+          <p:cNvPr id="246" name="Google Shape;246;g51d0359061_0_16:notes"/>
+          <p:cNvSpPr>
+            <a:spLocks noGrp="1" noRot="1" noChangeAspect="1"/>
+          </p:cNvSpPr>
+          <p:nvPr>
+            <p:ph type="sldImg" idx="2"/>
+          </p:nvPr>
+        </p:nvSpPr>
+        <p:spPr>
+          <a:xfrm>
+            <a:off x="1195388" y="692150"/>
+            <a:ext cx="4619625" cy="3463925"/>
+          </a:xfrm>
+          <a:custGeom>
+            <a:avLst/>
+            <a:gdLst/>
+            <a:ahLst/>
+            <a:cxnLst/>
+            <a:rect l="l" t="t" r="r" b="b"/>
+            <a:pathLst>
+              <a:path w="120000" h="120000" extrusionOk="0">
+                <a:moveTo>
+                  <a:pt x="0" y="0"/>
+                </a:moveTo>
+                <a:lnTo>
+                  <a:pt x="120000" y="0"/>
+                </a:lnTo>
+                <a:lnTo>
+                  <a:pt x="120000" y="120000"/>
+                </a:lnTo>
+                <a:lnTo>
+                  <a:pt x="0" y="120000"/>
+                </a:lnTo>
+                <a:close/>
+              </a:path>
+            </a:pathLst>
+          </a:custGeom>
+          <a:noFill/>
+          <a:ln w="12700" cap="flat" cmpd="sng">
+            <a:solidFill>
+              <a:srgbClr val="000000"/>
+            </a:solidFill>
+            <a:prstDash val="solid"/>
+            <a:round/>
+            <a:headEnd type="none" w="sm" len="sm"/>
+            <a:tailEnd type="none" w="sm" len="sm"/>
+          </a:ln>
+        </p:spPr>
+      </p:sp>
+      <p:sp>
+        <p:nvSpPr>
+          <p:cNvPr id="247" name="Google Shape;247;g51d0359061_0_16:notes"/>
+          <p:cNvSpPr txBox="1">
+            <a:spLocks noGrp="1"/>
+          </p:cNvSpPr>
+          <p:nvPr>
+            <p:ph type="body" idx="1"/>
+          </p:nvPr>
+        </p:nvSpPr>
+        <p:spPr>
+          <a:xfrm>
+            <a:off x="701040" y="4387136"/>
+            <a:ext cx="5608200" cy="4156200"/>
+          </a:xfrm>
+          <a:prstGeom prst="rect">
+            <a:avLst/>
+          </a:prstGeom>
+          <a:noFill/>
+          <a:ln>
+            <a:noFill/>
+          </a:ln>
+        </p:spPr>
+        <p:txBody>
+          <a:bodyPr spcFirstLastPara="1" wrap="square" lIns="93175" tIns="46575" rIns="93175" bIns="46575" anchor="t" anchorCtr="0">
+            <a:noAutofit/>
+          </a:bodyPr>
+          <a:lstStyle/>
+          <a:p>
+            <a:pPr marL="0" lvl="0" indent="0" algn="l" rtl="0">
+              <a:lnSpc>
+                <a:spcPct val="100000"/>
+              </a:lnSpc>
+              <a:spcBef>
+                <a:spcPts val="0"/>
+              </a:spcBef>
+              <a:spcAft>
+                <a:spcPts val="0"/>
+              </a:spcAft>
+              <a:buSzPts val="1400"/>
+              <a:buNone/>
+            </a:pPr>
+            <a:r>
+              <a:rPr lang="en-US" dirty="0"/>
+              <a:t>One last idea…</a:t>
+            </a:r>
+          </a:p>
+          <a:p>
+            <a:pPr marL="0" lvl="0" indent="0" algn="l" rtl="0">
+              <a:lnSpc>
+                <a:spcPct val="100000"/>
+              </a:lnSpc>
+              <a:spcBef>
+                <a:spcPts val="0"/>
+              </a:spcBef>
+              <a:spcAft>
+                <a:spcPts val="0"/>
+              </a:spcAft>
+              <a:buSzPts val="1400"/>
+              <a:buNone/>
+            </a:pPr>
+            <a:r>
+              <a:rPr lang="en-US" dirty="0"/>
+              <a:t>To reproduce results implies that you were able to produce them correctly in the first place.</a:t>
+            </a:r>
+          </a:p>
+          <a:p>
+            <a:pPr marL="0" lvl="0" indent="0" algn="l" rtl="0">
+              <a:lnSpc>
+                <a:spcPct val="100000"/>
+              </a:lnSpc>
+              <a:spcBef>
+                <a:spcPts val="0"/>
+              </a:spcBef>
+              <a:spcAft>
+                <a:spcPts val="0"/>
+              </a:spcAft>
+              <a:buSzPts val="1400"/>
+              <a:buNone/>
+            </a:pPr>
+            <a:r>
+              <a:rPr lang="en-US" dirty="0"/>
+              <a:t>So throughout the workshops, we will try to emphasize the virtue of breaking your problems into smaller pieces</a:t>
+            </a:r>
+          </a:p>
+          <a:p>
+            <a:pPr marL="0" lvl="0" indent="0" algn="l" rtl="0">
+              <a:lnSpc>
+                <a:spcPct val="100000"/>
+              </a:lnSpc>
+              <a:spcBef>
+                <a:spcPts val="0"/>
+              </a:spcBef>
+              <a:spcAft>
+                <a:spcPts val="0"/>
+              </a:spcAft>
+              <a:buSzPts val="1400"/>
+              <a:buNone/>
+            </a:pPr>
+            <a:r>
+              <a:rPr lang="en-US" dirty="0"/>
+              <a:t>And then testing them relentlessly to convince yourself they are doing what you expect them to do.</a:t>
+            </a:r>
+          </a:p>
+          <a:p>
+            <a:pPr marL="0" lvl="0" indent="0" algn="l" rtl="0">
+              <a:lnSpc>
+                <a:spcPct val="100000"/>
+              </a:lnSpc>
+              <a:spcBef>
+                <a:spcPts val="0"/>
+              </a:spcBef>
+              <a:spcAft>
+                <a:spcPts val="0"/>
+              </a:spcAft>
+              <a:buSzPts val="1400"/>
+              <a:buNone/>
+            </a:pPr>
+            <a:r>
+              <a:rPr lang="en-US" dirty="0"/>
+              <a:t>Near the end of the series, one of our hours will be dedicated to helping you make your code “bulletproof.”</a:t>
+            </a:r>
+            <a:endParaRPr dirty="0"/>
+          </a:p>
+        </p:txBody>
+      </p:sp>
+      <p:sp>
+        <p:nvSpPr>
+          <p:cNvPr id="248" name="Google Shape;248;g51d0359061_0_16:notes"/>
+          <p:cNvSpPr txBox="1">
+            <a:spLocks noGrp="1"/>
+          </p:cNvSpPr>
+          <p:nvPr>
+            <p:ph type="sldNum" idx="12"/>
+          </p:nvPr>
+        </p:nvSpPr>
+        <p:spPr>
+          <a:xfrm>
+            <a:off x="3970938" y="8772669"/>
+            <a:ext cx="3037800" cy="461700"/>
+          </a:xfrm>
+          <a:prstGeom prst="rect">
+            <a:avLst/>
+          </a:prstGeom>
+          <a:noFill/>
+          <a:ln>
+            <a:noFill/>
+          </a:ln>
+        </p:spPr>
+        <p:txBody>
+          <a:bodyPr spcFirstLastPara="1" wrap="square" lIns="93175" tIns="46575" rIns="93175" bIns="46575" anchor="b" anchorCtr="0">
+            <a:noAutofit/>
+          </a:bodyPr>
+          <a:lstStyle/>
+          <a:p>
+            <a:pPr marL="0" lvl="0" indent="0" algn="r" rtl="0">
+              <a:lnSpc>
+                <a:spcPct val="100000"/>
+              </a:lnSpc>
+              <a:spcBef>
+                <a:spcPts val="0"/>
+              </a:spcBef>
+              <a:spcAft>
+                <a:spcPts val="0"/>
+              </a:spcAft>
+              <a:buSzPts val="1400"/>
+              <a:buNone/>
+            </a:pPr>
+            <a:fld id="{00000000-1234-1234-1234-123412341234}" type="slidenum">
+              <a:rPr lang="en-US"/>
               <a:t>14</a:t>
             </a:fld>
             <a:endParaRPr/>
@@ -4351,6 +4356,11 @@
         </p:txBody>
       </p:sp>
     </p:spTree>
+    <p:extLst>
+      <p:ext uri="{BB962C8B-B14F-4D97-AF65-F5344CB8AC3E}">
+        <p14:creationId xmlns:p14="http://schemas.microsoft.com/office/powerpoint/2010/main" val="2057373445"/>
+      </p:ext>
+    </p:extLst>
   </p:cSld>
   <p:clrMapOvr>
     <a:masterClrMapping/>
@@ -4603,11 +4613,6 @@
         </p:txBody>
       </p:sp>
     </p:spTree>
-    <p:extLst>
-      <p:ext uri="{BB962C8B-B14F-4D97-AF65-F5344CB8AC3E}">
-        <p14:creationId xmlns:p14="http://schemas.microsoft.com/office/powerpoint/2010/main" val="2057373445"/>
-      </p:ext>
-    </p:extLst>
   </p:cSld>
   <p:clrMapOvr>
     <a:masterClrMapping/>
@@ -4727,7 +4732,7 @@
             </a:pPr>
             <a:r>
               <a:rPr lang="en-US" dirty="0"/>
-              <a:t>One last idea…</a:t>
+              <a:t>And so, with that…. I will give you a little preview of what to expect in the next 6 ½ hours we will be together.</a:t>
             </a:r>
           </a:p>
           <a:p>
@@ -4746,7 +4751,15 @@
             </a:pPr>
             <a:r>
               <a:rPr lang="en-US" dirty="0"/>
-              <a:t>To reproduce results implies that you were able to produce them correctly in the first place.</a:t>
+              <a:t>In a few moments I will hand it over to my colleague Ambreen, who will lead you through the fundamentals of working on KLC, including working with git and </a:t>
+            </a:r>
+            <a:r>
+              <a:rPr lang="en-US" dirty="0" err="1"/>
+              <a:t>Jupyter</a:t>
+            </a:r>
+            <a:r>
+              <a:rPr lang="en-US" dirty="0"/>
+              <a:t> notebooks on KLC.</a:t>
             </a:r>
           </a:p>
           <a:p>
@@ -4765,7 +4778,7 @@
             </a:pPr>
             <a:r>
               <a:rPr lang="en-US" dirty="0"/>
-              <a:t>So throughout the workshops, we will try to emphasize the virtue of breaking your problems into smaller pieces</a:t>
+              <a:t>This is to make sure you are familiar with these things that we will do repeatedly in future weeks. We assume no prior knowledge of any of those things.</a:t>
             </a:r>
           </a:p>
           <a:p>
@@ -4784,7 +4797,7 @@
             </a:pPr>
             <a:r>
               <a:rPr lang="en-US" dirty="0"/>
-              <a:t>And then testing them relentlessly to convince yourself they are doing what you expect them to do.</a:t>
+              <a:t>Then the next 3 weeks will be deep dives into some powerful tools that we think all of you are probably going to use at one time or another.</a:t>
             </a:r>
           </a:p>
           <a:p>
@@ -4803,9 +4816,31 @@
             </a:pPr>
             <a:r>
               <a:rPr lang="en-US" dirty="0"/>
-              <a:t>Near the end of the series, one of our hours will be dedicated to helping you make your code “bulletproof.”</a:t>
-            </a:r>
-            <a:endParaRPr dirty="0"/>
+              <a:t>Then the final 3 weeks put the pieces together to help you with some very complicated – and very common – applied problems:</a:t>
+            </a:r>
+          </a:p>
+          <a:p>
+            <a:pPr marL="0" lvl="0" indent="0" algn="l" rtl="0">
+              <a:lnSpc>
+                <a:spcPct val="100000"/>
+              </a:lnSpc>
+              <a:spcBef>
+                <a:spcPts val="0"/>
+              </a:spcBef>
+              <a:spcAft>
+                <a:spcPts val="0"/>
+              </a:spcAft>
+              <a:buSzPts val="1400"/>
+              <a:buNone/>
+            </a:pPr>
+            <a:r>
+              <a:rPr lang="en-US" dirty="0"/>
+              <a:t>Checking and cleaning your data, writing bulletproof code, and a final session on how to make your jobs </a:t>
+            </a:r>
+            <a:r>
+              <a:rPr lang="en-US"/>
+              <a:t>run faster.</a:t>
+            </a:r>
           </a:p>
         </p:txBody>
       </p:sp>
@@ -4860,6 +4895,11 @@
         </p:txBody>
       </p:sp>
     </p:spTree>
+    <p:extLst>
+      <p:ext uri="{BB962C8B-B14F-4D97-AF65-F5344CB8AC3E}">
+        <p14:creationId xmlns:p14="http://schemas.microsoft.com/office/powerpoint/2010/main" val="2759264332"/>
+      </p:ext>
+    </p:extLst>
   </p:cSld>
   <p:clrMapOvr>
     <a:masterClrMapping/>
@@ -4979,7 +5019,7 @@
             </a:pPr>
             <a:r>
               <a:rPr lang="en-US" dirty="0"/>
-              <a:t>And so, with that…. I will give you a little preview of what to expect in the next 6 ½ hours we will be together.</a:t>
+              <a:t>One last idea…</a:t>
             </a:r>
           </a:p>
           <a:p>
@@ -4998,15 +5038,26 @@
             </a:pPr>
             <a:r>
               <a:rPr lang="en-US" dirty="0"/>
-              <a:t>In a few moments I will hand it over to my colleague Ambreen, who will lead you through the fundamentals of working on KLC, including working with git and </a:t>
-            </a:r>
-            <a:r>
-              <a:rPr lang="en-US" dirty="0" err="1"/>
-              <a:t>Jupyter</a:t>
-            </a:r>
+              <a:t>To reproduce results implies that you were able to produce them correctly in the first place.</a:t>
+            </a:r>
+          </a:p>
+          <a:p>
+            <a:pPr marL="0" lvl="0" indent="0" algn="l" rtl="0">
+              <a:lnSpc>
+                <a:spcPct val="100000"/>
+              </a:lnSpc>
+              <a:spcBef>
+                <a:spcPts val="0"/>
+              </a:spcBef>
+              <a:spcAft>
+                <a:spcPts val="0"/>
+              </a:spcAft>
+              <a:buSzPts val="1400"/>
+              <a:buNone/>
+            </a:pPr>
             <a:r>
               <a:rPr lang="en-US" dirty="0"/>
-              <a:t> notebooks on KLC.</a:t>
+              <a:t>So throughout the workshops, we will try to emphasize the virtue of breaking your problems into smaller pieces</a:t>
             </a:r>
           </a:p>
           <a:p>
@@ -5025,7 +5076,7 @@
             </a:pPr>
             <a:r>
               <a:rPr lang="en-US" dirty="0"/>
-              <a:t>This is to make sure you are familiar with these things that we will do repeatedly in future weeks. We assume no prior knowledge of any of those things.</a:t>
+              <a:t>And then testing them relentlessly to convince yourself they are doing what you expect them to do.</a:t>
             </a:r>
           </a:p>
           <a:p>
@@ -5044,50 +5095,9 @@
             </a:pPr>
             <a:r>
               <a:rPr lang="en-US" dirty="0"/>
-              <a:t>Then the next 3 weeks will be deep dives into some powerful tools that we think all of you are probably going to use at one time or another.</a:t>
-            </a:r>
-          </a:p>
-          <a:p>
-            <a:pPr marL="0" lvl="0" indent="0" algn="l" rtl="0">
-              <a:lnSpc>
-                <a:spcPct val="100000"/>
-              </a:lnSpc>
-              <a:spcBef>
-                <a:spcPts val="0"/>
-              </a:spcBef>
-              <a:spcAft>
-                <a:spcPts val="0"/>
-              </a:spcAft>
-              <a:buSzPts val="1400"/>
-              <a:buNone/>
-            </a:pPr>
-            <a:r>
-              <a:rPr lang="en-US" dirty="0"/>
-              <a:t>Then the final 3 weeks put the pieces together to help you with some very complicated – and very common – applied problems:</a:t>
-            </a:r>
-          </a:p>
-          <a:p>
-            <a:pPr marL="0" lvl="0" indent="0" algn="l" rtl="0">
-              <a:lnSpc>
-                <a:spcPct val="100000"/>
-              </a:lnSpc>
-              <a:spcBef>
-                <a:spcPts val="0"/>
-              </a:spcBef>
-              <a:spcAft>
-                <a:spcPts val="0"/>
-              </a:spcAft>
-              <a:buSzPts val="1400"/>
-              <a:buNone/>
-            </a:pPr>
-            <a:r>
-              <a:rPr lang="en-US" dirty="0"/>
-              <a:t>Checking and cleaning your data, writing bulletproof code, and a final session on how to make your jobs </a:t>
-            </a:r>
-            <a:r>
-              <a:rPr lang="en-US"/>
-              <a:t>run faster.</a:t>
-            </a:r>
+              <a:t>Near the end of the series, one of our hours will be dedicated to helping you make your code “bulletproof.”</a:t>
+            </a:r>
+            <a:endParaRPr dirty="0"/>
           </a:p>
         </p:txBody>
       </p:sp>
@@ -5144,263 +5154,6 @@
     </p:spTree>
     <p:extLst>
       <p:ext uri="{BB962C8B-B14F-4D97-AF65-F5344CB8AC3E}">
-        <p14:creationId xmlns:p14="http://schemas.microsoft.com/office/powerpoint/2010/main" val="2759264332"/>
-      </p:ext>
-    </p:extLst>
-  </p:cSld>
-  <p:clrMapOvr>
-    <a:masterClrMapping/>
-  </p:clrMapOvr>
-</p:notes>
-</file>
-
-<file path=ppt/notesSlides/notesSlide18.xml><?xml version="1.0" encoding="utf-8"?>
-<p:notes xmlns:a="http://schemas.openxmlformats.org/drawingml/2006/main" xmlns:r="http://schemas.openxmlformats.org/officeDocument/2006/relationships" xmlns:p="http://schemas.openxmlformats.org/presentationml/2006/main" showMasterSp="0" showMasterPhAnim="0">
-  <p:cSld>
-    <p:spTree>
-      <p:nvGrpSpPr>
-        <p:cNvPr id="1" name="Shape 245"/>
-        <p:cNvGrpSpPr/>
-        <p:nvPr/>
-      </p:nvGrpSpPr>
-      <p:grpSpPr>
-        <a:xfrm>
-          <a:off x="0" y="0"/>
-          <a:ext cx="0" cy="0"/>
-          <a:chOff x="0" y="0"/>
-          <a:chExt cx="0" cy="0"/>
-        </a:xfrm>
-      </p:grpSpPr>
-      <p:sp>
-        <p:nvSpPr>
-          <p:cNvPr id="246" name="Google Shape;246;g51d0359061_0_16:notes"/>
-          <p:cNvSpPr>
-            <a:spLocks noGrp="1" noRot="1" noChangeAspect="1"/>
-          </p:cNvSpPr>
-          <p:nvPr>
-            <p:ph type="sldImg" idx="2"/>
-          </p:nvPr>
-        </p:nvSpPr>
-        <p:spPr>
-          <a:xfrm>
-            <a:off x="1195388" y="692150"/>
-            <a:ext cx="4619625" cy="3463925"/>
-          </a:xfrm>
-          <a:custGeom>
-            <a:avLst/>
-            <a:gdLst/>
-            <a:ahLst/>
-            <a:cxnLst/>
-            <a:rect l="l" t="t" r="r" b="b"/>
-            <a:pathLst>
-              <a:path w="120000" h="120000" extrusionOk="0">
-                <a:moveTo>
-                  <a:pt x="0" y="0"/>
-                </a:moveTo>
-                <a:lnTo>
-                  <a:pt x="120000" y="0"/>
-                </a:lnTo>
-                <a:lnTo>
-                  <a:pt x="120000" y="120000"/>
-                </a:lnTo>
-                <a:lnTo>
-                  <a:pt x="0" y="120000"/>
-                </a:lnTo>
-                <a:close/>
-              </a:path>
-            </a:pathLst>
-          </a:custGeom>
-          <a:noFill/>
-          <a:ln w="12700" cap="flat" cmpd="sng">
-            <a:solidFill>
-              <a:srgbClr val="000000"/>
-            </a:solidFill>
-            <a:prstDash val="solid"/>
-            <a:round/>
-            <a:headEnd type="none" w="sm" len="sm"/>
-            <a:tailEnd type="none" w="sm" len="sm"/>
-          </a:ln>
-        </p:spPr>
-      </p:sp>
-      <p:sp>
-        <p:nvSpPr>
-          <p:cNvPr id="247" name="Google Shape;247;g51d0359061_0_16:notes"/>
-          <p:cNvSpPr txBox="1">
-            <a:spLocks noGrp="1"/>
-          </p:cNvSpPr>
-          <p:nvPr>
-            <p:ph type="body" idx="1"/>
-          </p:nvPr>
-        </p:nvSpPr>
-        <p:spPr>
-          <a:xfrm>
-            <a:off x="701040" y="4387136"/>
-            <a:ext cx="5608200" cy="4156200"/>
-          </a:xfrm>
-          <a:prstGeom prst="rect">
-            <a:avLst/>
-          </a:prstGeom>
-          <a:noFill/>
-          <a:ln>
-            <a:noFill/>
-          </a:ln>
-        </p:spPr>
-        <p:txBody>
-          <a:bodyPr spcFirstLastPara="1" wrap="square" lIns="93175" tIns="46575" rIns="93175" bIns="46575" anchor="t" anchorCtr="0">
-            <a:noAutofit/>
-          </a:bodyPr>
-          <a:lstStyle/>
-          <a:p>
-            <a:pPr marL="0" lvl="0" indent="0" algn="l" rtl="0">
-              <a:lnSpc>
-                <a:spcPct val="100000"/>
-              </a:lnSpc>
-              <a:spcBef>
-                <a:spcPts val="0"/>
-              </a:spcBef>
-              <a:spcAft>
-                <a:spcPts val="0"/>
-              </a:spcAft>
-              <a:buSzPts val="1400"/>
-              <a:buNone/>
-            </a:pPr>
-            <a:r>
-              <a:rPr lang="en-US" dirty="0"/>
-              <a:t>One last idea…</a:t>
-            </a:r>
-          </a:p>
-          <a:p>
-            <a:pPr marL="0" lvl="0" indent="0" algn="l" rtl="0">
-              <a:lnSpc>
-                <a:spcPct val="100000"/>
-              </a:lnSpc>
-              <a:spcBef>
-                <a:spcPts val="0"/>
-              </a:spcBef>
-              <a:spcAft>
-                <a:spcPts val="0"/>
-              </a:spcAft>
-              <a:buSzPts val="1400"/>
-              <a:buNone/>
-            </a:pPr>
-            <a:r>
-              <a:rPr lang="en-US" dirty="0"/>
-              <a:t>To reproduce results implies that you were able to produce them correctly in the first place.</a:t>
-            </a:r>
-          </a:p>
-          <a:p>
-            <a:pPr marL="0" lvl="0" indent="0" algn="l" rtl="0">
-              <a:lnSpc>
-                <a:spcPct val="100000"/>
-              </a:lnSpc>
-              <a:spcBef>
-                <a:spcPts val="0"/>
-              </a:spcBef>
-              <a:spcAft>
-                <a:spcPts val="0"/>
-              </a:spcAft>
-              <a:buSzPts val="1400"/>
-              <a:buNone/>
-            </a:pPr>
-            <a:r>
-              <a:rPr lang="en-US" dirty="0"/>
-              <a:t>So throughout the workshops, we will try to emphasize the virtue of breaking your problems into smaller pieces</a:t>
-            </a:r>
-          </a:p>
-          <a:p>
-            <a:pPr marL="0" lvl="0" indent="0" algn="l" rtl="0">
-              <a:lnSpc>
-                <a:spcPct val="100000"/>
-              </a:lnSpc>
-              <a:spcBef>
-                <a:spcPts val="0"/>
-              </a:spcBef>
-              <a:spcAft>
-                <a:spcPts val="0"/>
-              </a:spcAft>
-              <a:buSzPts val="1400"/>
-              <a:buNone/>
-            </a:pPr>
-            <a:r>
-              <a:rPr lang="en-US" dirty="0"/>
-              <a:t>And then testing them relentlessly to convince yourself they are doing what you expect them to do.</a:t>
-            </a:r>
-          </a:p>
-          <a:p>
-            <a:pPr marL="0" lvl="0" indent="0" algn="l" rtl="0">
-              <a:lnSpc>
-                <a:spcPct val="100000"/>
-              </a:lnSpc>
-              <a:spcBef>
-                <a:spcPts val="0"/>
-              </a:spcBef>
-              <a:spcAft>
-                <a:spcPts val="0"/>
-              </a:spcAft>
-              <a:buSzPts val="1400"/>
-              <a:buNone/>
-            </a:pPr>
-            <a:r>
-              <a:rPr lang="en-US" dirty="0"/>
-              <a:t>Near the end of the series, one of our hours will be dedicated to helping you make your code “bulletproof.”</a:t>
-            </a:r>
-            <a:endParaRPr dirty="0"/>
-          </a:p>
-        </p:txBody>
-      </p:sp>
-      <p:sp>
-        <p:nvSpPr>
-          <p:cNvPr id="248" name="Google Shape;248;g51d0359061_0_16:notes"/>
-          <p:cNvSpPr txBox="1">
-            <a:spLocks noGrp="1"/>
-          </p:cNvSpPr>
-          <p:nvPr>
-            <p:ph type="sldNum" idx="12"/>
-          </p:nvPr>
-        </p:nvSpPr>
-        <p:spPr>
-          <a:xfrm>
-            <a:off x="3970938" y="8772669"/>
-            <a:ext cx="3037800" cy="461700"/>
-          </a:xfrm>
-          <a:prstGeom prst="rect">
-            <a:avLst/>
-          </a:prstGeom>
-          <a:noFill/>
-          <a:ln>
-            <a:noFill/>
-          </a:ln>
-        </p:spPr>
-        <p:txBody>
-          <a:bodyPr spcFirstLastPara="1" wrap="square" lIns="93175" tIns="46575" rIns="93175" bIns="46575" anchor="b" anchorCtr="0">
-            <a:noAutofit/>
-          </a:bodyPr>
-          <a:lstStyle/>
-          <a:p>
-            <a:pPr marL="0" lvl="0" indent="0" algn="r" rtl="0">
-              <a:lnSpc>
-                <a:spcPct val="100000"/>
-              </a:lnSpc>
-              <a:spcBef>
-                <a:spcPts val="0"/>
-              </a:spcBef>
-              <a:spcAft>
-                <a:spcPts val="0"/>
-              </a:spcAft>
-              <a:buSzPts val="1400"/>
-              <a:buNone/>
-            </a:pPr>
-            <a:fld id="{00000000-1234-1234-1234-123412341234}" type="slidenum">
-              <a:rPr lang="en-US"/>
-              <a:t>17</a:t>
-            </a:fld>
-            <a:endParaRPr/>
-          </a:p>
-        </p:txBody>
-      </p:sp>
-    </p:spTree>
-    <p:extLst>
-      <p:ext uri="{BB962C8B-B14F-4D97-AF65-F5344CB8AC3E}">
         <p14:creationId xmlns:p14="http://schemas.microsoft.com/office/powerpoint/2010/main" val="3118569051"/>
       </p:ext>
     </p:extLst>
@@ -5412,293 +5165,6 @@
 </file>
 
 <file path=ppt/notesSlides/notesSlide2.xml><?xml version="1.0" encoding="utf-8"?>
-<p:notes xmlns:a="http://schemas.openxmlformats.org/drawingml/2006/main" xmlns:r="http://schemas.openxmlformats.org/officeDocument/2006/relationships" xmlns:p="http://schemas.openxmlformats.org/presentationml/2006/main" showMasterSp="0" showMasterPhAnim="0">
-  <p:cSld>
-    <p:spTree>
-      <p:nvGrpSpPr>
-        <p:cNvPr id="1" name="Shape 245"/>
-        <p:cNvGrpSpPr/>
-        <p:nvPr/>
-      </p:nvGrpSpPr>
-      <p:grpSpPr>
-        <a:xfrm>
-          <a:off x="0" y="0"/>
-          <a:ext cx="0" cy="0"/>
-          <a:chOff x="0" y="0"/>
-          <a:chExt cx="0" cy="0"/>
-        </a:xfrm>
-      </p:grpSpPr>
-      <p:sp>
-        <p:nvSpPr>
-          <p:cNvPr id="246" name="Google Shape;246;g51d0359061_0_16:notes"/>
-          <p:cNvSpPr>
-            <a:spLocks noGrp="1" noRot="1" noChangeAspect="1"/>
-          </p:cNvSpPr>
-          <p:nvPr>
-            <p:ph type="sldImg" idx="2"/>
-          </p:nvPr>
-        </p:nvSpPr>
-        <p:spPr>
-          <a:xfrm>
-            <a:off x="1195388" y="692150"/>
-            <a:ext cx="4619625" cy="3463925"/>
-          </a:xfrm>
-          <a:custGeom>
-            <a:avLst/>
-            <a:gdLst/>
-            <a:ahLst/>
-            <a:cxnLst/>
-            <a:rect l="l" t="t" r="r" b="b"/>
-            <a:pathLst>
-              <a:path w="120000" h="120000" extrusionOk="0">
-                <a:moveTo>
-                  <a:pt x="0" y="0"/>
-                </a:moveTo>
-                <a:lnTo>
-                  <a:pt x="120000" y="0"/>
-                </a:lnTo>
-                <a:lnTo>
-                  <a:pt x="120000" y="120000"/>
-                </a:lnTo>
-                <a:lnTo>
-                  <a:pt x="0" y="120000"/>
-                </a:lnTo>
-                <a:close/>
-              </a:path>
-            </a:pathLst>
-          </a:custGeom>
-          <a:noFill/>
-          <a:ln w="12700" cap="flat" cmpd="sng">
-            <a:solidFill>
-              <a:srgbClr val="000000"/>
-            </a:solidFill>
-            <a:prstDash val="solid"/>
-            <a:round/>
-            <a:headEnd type="none" w="sm" len="sm"/>
-            <a:tailEnd type="none" w="sm" len="sm"/>
-          </a:ln>
-        </p:spPr>
-      </p:sp>
-      <p:sp>
-        <p:nvSpPr>
-          <p:cNvPr id="247" name="Google Shape;247;g51d0359061_0_16:notes"/>
-          <p:cNvSpPr txBox="1">
-            <a:spLocks noGrp="1"/>
-          </p:cNvSpPr>
-          <p:nvPr>
-            <p:ph type="body" idx="1"/>
-          </p:nvPr>
-        </p:nvSpPr>
-        <p:spPr>
-          <a:xfrm>
-            <a:off x="701040" y="4387136"/>
-            <a:ext cx="5608200" cy="4156200"/>
-          </a:xfrm>
-          <a:prstGeom prst="rect">
-            <a:avLst/>
-          </a:prstGeom>
-          <a:noFill/>
-          <a:ln>
-            <a:noFill/>
-          </a:ln>
-        </p:spPr>
-        <p:txBody>
-          <a:bodyPr spcFirstLastPara="1" wrap="square" lIns="93175" tIns="46575" rIns="93175" bIns="46575" anchor="t" anchorCtr="0">
-            <a:noAutofit/>
-          </a:bodyPr>
-          <a:lstStyle/>
-          <a:p>
-            <a:pPr marL="0" lvl="0" indent="0" algn="l" rtl="0">
-              <a:lnSpc>
-                <a:spcPct val="100000"/>
-              </a:lnSpc>
-              <a:spcBef>
-                <a:spcPts val="0"/>
-              </a:spcBef>
-              <a:spcAft>
-                <a:spcPts val="0"/>
-              </a:spcAft>
-              <a:buSzPts val="1400"/>
-              <a:buNone/>
-            </a:pPr>
-            <a:r>
-              <a:rPr lang="en-US" dirty="0"/>
-              <a:t>And so, with that…. I will give you a little preview of what to expect in the next 6 ½ hours we will be together.</a:t>
-            </a:r>
-          </a:p>
-          <a:p>
-            <a:pPr marL="0" lvl="0" indent="0" algn="l" rtl="0">
-              <a:lnSpc>
-                <a:spcPct val="100000"/>
-              </a:lnSpc>
-              <a:spcBef>
-                <a:spcPts val="0"/>
-              </a:spcBef>
-              <a:spcAft>
-                <a:spcPts val="0"/>
-              </a:spcAft>
-              <a:buSzPts val="1400"/>
-              <a:buNone/>
-            </a:pPr>
-            <a:r>
-              <a:rPr lang="en-US" dirty="0"/>
-              <a:t>In a few moments I will hand it over to my colleague Ambreen, who will lead you through the fundamentals of working on KLC, including working with git and </a:t>
-            </a:r>
-            <a:r>
-              <a:rPr lang="en-US" dirty="0" err="1"/>
-              <a:t>Jupyter</a:t>
-            </a:r>
-            <a:r>
-              <a:rPr lang="en-US" dirty="0"/>
-              <a:t> notebooks on KLC.</a:t>
-            </a:r>
-          </a:p>
-          <a:p>
-            <a:pPr marL="0" lvl="0" indent="0" algn="l" rtl="0">
-              <a:lnSpc>
-                <a:spcPct val="100000"/>
-              </a:lnSpc>
-              <a:spcBef>
-                <a:spcPts val="0"/>
-              </a:spcBef>
-              <a:spcAft>
-                <a:spcPts val="0"/>
-              </a:spcAft>
-              <a:buSzPts val="1400"/>
-              <a:buNone/>
-            </a:pPr>
-            <a:r>
-              <a:rPr lang="en-US" dirty="0"/>
-              <a:t>This is to make sure you are familiar with these things that we will do repeatedly in future weeks. We assume no prior knowledge of any of those things.</a:t>
-            </a:r>
-          </a:p>
-          <a:p>
-            <a:pPr marL="0" lvl="0" indent="0" algn="l" rtl="0">
-              <a:lnSpc>
-                <a:spcPct val="100000"/>
-              </a:lnSpc>
-              <a:spcBef>
-                <a:spcPts val="0"/>
-              </a:spcBef>
-              <a:spcAft>
-                <a:spcPts val="0"/>
-              </a:spcAft>
-              <a:buSzPts val="1400"/>
-              <a:buNone/>
-            </a:pPr>
-            <a:r>
-              <a:rPr lang="en-US" dirty="0"/>
-              <a:t>Then the next 3 weeks will be deep dives into some powerful tools that we think all of you are probably going to use at one time or another.</a:t>
-            </a:r>
-          </a:p>
-          <a:p>
-            <a:pPr marL="0" lvl="0" indent="0" algn="l" rtl="0">
-              <a:lnSpc>
-                <a:spcPct val="100000"/>
-              </a:lnSpc>
-              <a:spcBef>
-                <a:spcPts val="0"/>
-              </a:spcBef>
-              <a:spcAft>
-                <a:spcPts val="0"/>
-              </a:spcAft>
-              <a:buSzPts val="1400"/>
-              <a:buNone/>
-            </a:pPr>
-            <a:r>
-              <a:rPr lang="en-US" dirty="0"/>
-              <a:t>Then the final 3 weeks put the pieces together to help you with some very complicated – and very common – applied problems:</a:t>
-            </a:r>
-          </a:p>
-          <a:p>
-            <a:pPr marL="0" lvl="0" indent="0" algn="l" rtl="0">
-              <a:lnSpc>
-                <a:spcPct val="100000"/>
-              </a:lnSpc>
-              <a:spcBef>
-                <a:spcPts val="0"/>
-              </a:spcBef>
-              <a:spcAft>
-                <a:spcPts val="0"/>
-              </a:spcAft>
-              <a:buSzPts val="1400"/>
-              <a:buNone/>
-            </a:pPr>
-            <a:r>
-              <a:rPr lang="en-US" dirty="0"/>
-              <a:t>Checking and cleaning your data, writing bulletproof code, and a final session on how to make your jobs </a:t>
-            </a:r>
-            <a:r>
-              <a:rPr lang="en-US"/>
-              <a:t>run faster.</a:t>
-            </a:r>
-          </a:p>
-        </p:txBody>
-      </p:sp>
-      <p:sp>
-        <p:nvSpPr>
-          <p:cNvPr id="248" name="Google Shape;248;g51d0359061_0_16:notes"/>
-          <p:cNvSpPr txBox="1">
-            <a:spLocks noGrp="1"/>
-          </p:cNvSpPr>
-          <p:nvPr>
-            <p:ph type="sldNum" idx="12"/>
-          </p:nvPr>
-        </p:nvSpPr>
-        <p:spPr>
-          <a:xfrm>
-            <a:off x="3970938" y="8772669"/>
-            <a:ext cx="3037800" cy="461700"/>
-          </a:xfrm>
-          <a:prstGeom prst="rect">
-            <a:avLst/>
-          </a:prstGeom>
-          <a:noFill/>
-          <a:ln>
-            <a:noFill/>
-          </a:ln>
-        </p:spPr>
-        <p:txBody>
-          <a:bodyPr spcFirstLastPara="1" wrap="square" lIns="93175" tIns="46575" rIns="93175" bIns="46575" anchor="b" anchorCtr="0">
-            <a:noAutofit/>
-          </a:bodyPr>
-          <a:lstStyle/>
-          <a:p>
-            <a:pPr marL="0" lvl="0" indent="0" algn="r" rtl="0">
-              <a:lnSpc>
-                <a:spcPct val="100000"/>
-              </a:lnSpc>
-              <a:spcBef>
-                <a:spcPts val="0"/>
-              </a:spcBef>
-              <a:spcAft>
-                <a:spcPts val="0"/>
-              </a:spcAft>
-              <a:buSzPts val="1400"/>
-              <a:buNone/>
-            </a:pPr>
-            <a:fld id="{00000000-1234-1234-1234-123412341234}" type="slidenum">
-              <a:rPr lang="en-US"/>
-              <a:t>2</a:t>
-            </a:fld>
-            <a:endParaRPr/>
-          </a:p>
-        </p:txBody>
-      </p:sp>
-    </p:spTree>
-    <p:extLst>
-      <p:ext uri="{BB962C8B-B14F-4D97-AF65-F5344CB8AC3E}">
-        <p14:creationId xmlns:p14="http://schemas.microsoft.com/office/powerpoint/2010/main" val="1467227990"/>
-      </p:ext>
-    </p:extLst>
-  </p:cSld>
-  <p:clrMapOvr>
-    <a:masterClrMapping/>
-  </p:clrMapOvr>
-</p:notes>
-</file>
-
-<file path=ppt/notesSlides/notesSlide3.xml><?xml version="1.0" encoding="utf-8"?>
 <p:notes xmlns:a="http://schemas.openxmlformats.org/drawingml/2006/main" xmlns:r="http://schemas.openxmlformats.org/officeDocument/2006/relationships" xmlns:p="http://schemas.openxmlformats.org/presentationml/2006/main" showMasterSp="0" showMasterPhAnim="0">
   <p:cSld>
     <p:spTree>
@@ -6008,7 +5474,7 @@
             </a:pPr>
             <a:fld id="{00000000-1234-1234-1234-123412341234}" type="slidenum">
               <a:rPr lang="en-US"/>
-              <a:t>3</a:t>
+              <a:t>2</a:t>
             </a:fld>
             <a:endParaRPr/>
           </a:p>
@@ -6022,7 +5488,7 @@
 </p:notes>
 </file>
 
-<file path=ppt/notesSlides/notesSlide4.xml><?xml version="1.0" encoding="utf-8"?>
+<file path=ppt/notesSlides/notesSlide3.xml><?xml version="1.0" encoding="utf-8"?>
 <p:notes xmlns:a="http://schemas.openxmlformats.org/drawingml/2006/main" xmlns:r="http://schemas.openxmlformats.org/officeDocument/2006/relationships" xmlns:p="http://schemas.openxmlformats.org/presentationml/2006/main" showMasterSp="0" showMasterPhAnim="0">
   <p:cSld>
     <p:spTree>
@@ -6374,7 +5840,7 @@
             </a:pPr>
             <a:fld id="{00000000-1234-1234-1234-123412341234}" type="slidenum">
               <a:rPr lang="en-US"/>
-              <a:t>4</a:t>
+              <a:t>3</a:t>
             </a:fld>
             <a:endParaRPr/>
           </a:p>
@@ -6388,7 +5854,7 @@
 </p:notes>
 </file>
 
-<file path=ppt/notesSlides/notesSlide5.xml><?xml version="1.0" encoding="utf-8"?>
+<file path=ppt/notesSlides/notesSlide4.xml><?xml version="1.0" encoding="utf-8"?>
 <p:notes xmlns:a="http://schemas.openxmlformats.org/drawingml/2006/main" xmlns:r="http://schemas.openxmlformats.org/officeDocument/2006/relationships" xmlns:p="http://schemas.openxmlformats.org/presentationml/2006/main" showMasterSp="0" showMasterPhAnim="0">
   <p:cSld>
     <p:spTree>
@@ -6607,7 +6073,7 @@
             </a:pPr>
             <a:fld id="{00000000-1234-1234-1234-123412341234}" type="slidenum">
               <a:rPr lang="en-US"/>
-              <a:t>5</a:t>
+              <a:t>4</a:t>
             </a:fld>
             <a:endParaRPr/>
           </a:p>
@@ -6621,7 +6087,7 @@
 </p:notes>
 </file>
 
-<file path=ppt/notesSlides/notesSlide6.xml><?xml version="1.0" encoding="utf-8"?>
+<file path=ppt/notesSlides/notesSlide5.xml><?xml version="1.0" encoding="utf-8"?>
 <p:notes xmlns:a="http://schemas.openxmlformats.org/drawingml/2006/main" xmlns:r="http://schemas.openxmlformats.org/officeDocument/2006/relationships" xmlns:p="http://schemas.openxmlformats.org/presentationml/2006/main" showMasterSp="0" showMasterPhAnim="0">
   <p:cSld>
     <p:spTree>
@@ -6874,7 +6340,7 @@
             </a:pPr>
             <a:fld id="{00000000-1234-1234-1234-123412341234}" type="slidenum">
               <a:rPr lang="en-US"/>
-              <a:t>6</a:t>
+              <a:t>5</a:t>
             </a:fld>
             <a:endParaRPr/>
           </a:p>
@@ -6888,7 +6354,7 @@
 </p:notes>
 </file>
 
-<file path=ppt/notesSlides/notesSlide7.xml><?xml version="1.0" encoding="utf-8"?>
+<file path=ppt/notesSlides/notesSlide6.xml><?xml version="1.0" encoding="utf-8"?>
 <p:notes xmlns:a="http://schemas.openxmlformats.org/drawingml/2006/main" xmlns:r="http://schemas.openxmlformats.org/officeDocument/2006/relationships" xmlns:p="http://schemas.openxmlformats.org/presentationml/2006/main" showMasterSp="0" showMasterPhAnim="0">
   <p:cSld>
     <p:spTree>
@@ -7141,7 +6607,7 @@
             </a:pPr>
             <a:fld id="{00000000-1234-1234-1234-123412341234}" type="slidenum">
               <a:rPr lang="en-US"/>
-              <a:t>7</a:t>
+              <a:t>6</a:t>
             </a:fld>
             <a:endParaRPr/>
           </a:p>
@@ -7160,7 +6626,7 @@
 </p:notes>
 </file>
 
-<file path=ppt/notesSlides/notesSlide8.xml><?xml version="1.0" encoding="utf-8"?>
+<file path=ppt/notesSlides/notesSlide7.xml><?xml version="1.0" encoding="utf-8"?>
 <p:notes xmlns:a="http://schemas.openxmlformats.org/drawingml/2006/main" xmlns:r="http://schemas.openxmlformats.org/officeDocument/2006/relationships" xmlns:p="http://schemas.openxmlformats.org/presentationml/2006/main" showMasterSp="0" showMasterPhAnim="0">
   <p:cSld>
     <p:spTree>
@@ -7493,7 +6959,7 @@
             </a:pPr>
             <a:fld id="{00000000-1234-1234-1234-123412341234}" type="slidenum">
               <a:rPr lang="en-US"/>
-              <a:t>8</a:t>
+              <a:t>7</a:t>
             </a:fld>
             <a:endParaRPr/>
           </a:p>
@@ -7507,7 +6973,7 @@
 </p:notes>
 </file>
 
-<file path=ppt/notesSlides/notesSlide9.xml><?xml version="1.0" encoding="utf-8"?>
+<file path=ppt/notesSlides/notesSlide8.xml><?xml version="1.0" encoding="utf-8"?>
 <p:notes xmlns:a="http://schemas.openxmlformats.org/drawingml/2006/main" xmlns:r="http://schemas.openxmlformats.org/officeDocument/2006/relationships" xmlns:p="http://schemas.openxmlformats.org/presentationml/2006/main" showMasterSp="0" showMasterPhAnim="0">
   <p:cSld>
     <p:spTree>
@@ -7742,6 +7208,277 @@
       <p:sp>
         <p:nvSpPr>
           <p:cNvPr id="174" name="Google Shape;174;g51e69dea5c_1_0:notes"/>
+          <p:cNvSpPr txBox="1">
+            <a:spLocks noGrp="1"/>
+          </p:cNvSpPr>
+          <p:nvPr>
+            <p:ph type="sldNum" idx="12"/>
+          </p:nvPr>
+        </p:nvSpPr>
+        <p:spPr>
+          <a:xfrm>
+            <a:off x="3970938" y="8772669"/>
+            <a:ext cx="3037800" cy="461700"/>
+          </a:xfrm>
+          <a:prstGeom prst="rect">
+            <a:avLst/>
+          </a:prstGeom>
+          <a:noFill/>
+          <a:ln>
+            <a:noFill/>
+          </a:ln>
+        </p:spPr>
+        <p:txBody>
+          <a:bodyPr spcFirstLastPara="1" wrap="square" lIns="93175" tIns="46575" rIns="93175" bIns="46575" anchor="b" anchorCtr="0">
+            <a:noAutofit/>
+          </a:bodyPr>
+          <a:lstStyle/>
+          <a:p>
+            <a:pPr marL="0" lvl="0" indent="0" algn="r" rtl="0">
+              <a:lnSpc>
+                <a:spcPct val="100000"/>
+              </a:lnSpc>
+              <a:spcBef>
+                <a:spcPts val="0"/>
+              </a:spcBef>
+              <a:spcAft>
+                <a:spcPts val="0"/>
+              </a:spcAft>
+              <a:buSzPts val="1400"/>
+              <a:buNone/>
+            </a:pPr>
+            <a:fld id="{00000000-1234-1234-1234-123412341234}" type="slidenum">
+              <a:rPr lang="en-US"/>
+              <a:t>8</a:t>
+            </a:fld>
+            <a:endParaRPr/>
+          </a:p>
+        </p:txBody>
+      </p:sp>
+    </p:spTree>
+  </p:cSld>
+  <p:clrMapOvr>
+    <a:masterClrMapping/>
+  </p:clrMapOvr>
+</p:notes>
+</file>
+
+<file path=ppt/notesSlides/notesSlide9.xml><?xml version="1.0" encoding="utf-8"?>
+<p:notes xmlns:a="http://schemas.openxmlformats.org/drawingml/2006/main" xmlns:r="http://schemas.openxmlformats.org/officeDocument/2006/relationships" xmlns:p="http://schemas.openxmlformats.org/presentationml/2006/main" showMasterSp="0" showMasterPhAnim="0">
+  <p:cSld>
+    <p:spTree>
+      <p:nvGrpSpPr>
+        <p:cNvPr id="1" name="Shape 108"/>
+        <p:cNvGrpSpPr/>
+        <p:nvPr/>
+      </p:nvGrpSpPr>
+      <p:grpSpPr>
+        <a:xfrm>
+          <a:off x="0" y="0"/>
+          <a:ext cx="0" cy="0"/>
+          <a:chOff x="0" y="0"/>
+          <a:chExt cx="0" cy="0"/>
+        </a:xfrm>
+      </p:grpSpPr>
+      <p:sp>
+        <p:nvSpPr>
+          <p:cNvPr id="109" name="Google Shape;109;g524c740e24_0_8:notes"/>
+          <p:cNvSpPr>
+            <a:spLocks noGrp="1" noRot="1" noChangeAspect="1"/>
+          </p:cNvSpPr>
+          <p:nvPr>
+            <p:ph type="sldImg" idx="2"/>
+          </p:nvPr>
+        </p:nvSpPr>
+        <p:spPr>
+          <a:xfrm>
+            <a:off x="1195388" y="692150"/>
+            <a:ext cx="4619625" cy="3463925"/>
+          </a:xfrm>
+          <a:custGeom>
+            <a:avLst/>
+            <a:gdLst/>
+            <a:ahLst/>
+            <a:cxnLst/>
+            <a:rect l="l" t="t" r="r" b="b"/>
+            <a:pathLst>
+              <a:path w="120000" h="120000" extrusionOk="0">
+                <a:moveTo>
+                  <a:pt x="0" y="0"/>
+                </a:moveTo>
+                <a:lnTo>
+                  <a:pt x="120000" y="0"/>
+                </a:lnTo>
+                <a:lnTo>
+                  <a:pt x="120000" y="120000"/>
+                </a:lnTo>
+                <a:lnTo>
+                  <a:pt x="0" y="120000"/>
+                </a:lnTo>
+                <a:close/>
+              </a:path>
+            </a:pathLst>
+          </a:custGeom>
+          <a:noFill/>
+          <a:ln w="12700" cap="flat" cmpd="sng">
+            <a:solidFill>
+              <a:srgbClr val="000000"/>
+            </a:solidFill>
+            <a:prstDash val="solid"/>
+            <a:round/>
+            <a:headEnd type="none" w="sm" len="sm"/>
+            <a:tailEnd type="none" w="sm" len="sm"/>
+          </a:ln>
+        </p:spPr>
+      </p:sp>
+      <p:sp>
+        <p:nvSpPr>
+          <p:cNvPr id="110" name="Google Shape;110;g524c740e24_0_8:notes"/>
+          <p:cNvSpPr txBox="1">
+            <a:spLocks noGrp="1"/>
+          </p:cNvSpPr>
+          <p:nvPr>
+            <p:ph type="body" idx="1"/>
+          </p:nvPr>
+        </p:nvSpPr>
+        <p:spPr>
+          <a:xfrm>
+            <a:off x="701040" y="4387136"/>
+            <a:ext cx="5608200" cy="4156200"/>
+          </a:xfrm>
+          <a:prstGeom prst="rect">
+            <a:avLst/>
+          </a:prstGeom>
+          <a:noFill/>
+          <a:ln>
+            <a:noFill/>
+          </a:ln>
+        </p:spPr>
+        <p:txBody>
+          <a:bodyPr spcFirstLastPara="1" wrap="square" lIns="93175" tIns="46575" rIns="93175" bIns="46575" anchor="t" anchorCtr="0">
+            <a:noAutofit/>
+          </a:bodyPr>
+          <a:lstStyle/>
+          <a:p>
+            <a:pPr marL="0" lvl="0" indent="0" algn="l" rtl="0">
+              <a:lnSpc>
+                <a:spcPct val="100000"/>
+              </a:lnSpc>
+              <a:spcBef>
+                <a:spcPts val="0"/>
+              </a:spcBef>
+              <a:spcAft>
+                <a:spcPts val="0"/>
+              </a:spcAft>
+              <a:buSzPts val="1400"/>
+              <a:buNone/>
+            </a:pPr>
+            <a:r>
+              <a:rPr lang="en-US" dirty="0"/>
+              <a:t>Tell me, does this situation sound familiar to you? Let’s say you go to a directory containing a project that one of your colleagues spent a lot of time on.</a:t>
+            </a:r>
+          </a:p>
+          <a:p>
+            <a:pPr marL="0" lvl="0" indent="0" algn="l" rtl="0">
+              <a:lnSpc>
+                <a:spcPct val="100000"/>
+              </a:lnSpc>
+              <a:spcBef>
+                <a:spcPts val="0"/>
+              </a:spcBef>
+              <a:spcAft>
+                <a:spcPts val="0"/>
+              </a:spcAft>
+              <a:buSzPts val="1400"/>
+              <a:buNone/>
+            </a:pPr>
+            <a:r>
+              <a:rPr lang="en-US" dirty="0"/>
+              <a:t>You just want to find one piece of information, but what you see is confusing to you, and you spend a lot of time opening random files and hoping to get lucky.</a:t>
+            </a:r>
+          </a:p>
+          <a:p>
+            <a:pPr marL="0" lvl="0" indent="0" algn="l" rtl="0">
+              <a:lnSpc>
+                <a:spcPct val="100000"/>
+              </a:lnSpc>
+              <a:spcBef>
+                <a:spcPts val="0"/>
+              </a:spcBef>
+              <a:spcAft>
+                <a:spcPts val="0"/>
+              </a:spcAft>
+              <a:buSzPts val="1400"/>
+              <a:buNone/>
+            </a:pPr>
+            <a:r>
+              <a:rPr lang="en-US" dirty="0"/>
+              <a:t>This is an actual directory created by Research Support for a project to monitor and report the usage load on KLC.</a:t>
+            </a:r>
+          </a:p>
+          <a:p>
+            <a:pPr marL="0" lvl="0" indent="0" algn="l" rtl="0">
+              <a:lnSpc>
+                <a:spcPct val="100000"/>
+              </a:lnSpc>
+              <a:spcBef>
+                <a:spcPts val="0"/>
+              </a:spcBef>
+              <a:spcAft>
+                <a:spcPts val="0"/>
+              </a:spcAft>
+              <a:buSzPts val="1400"/>
+              <a:buNone/>
+            </a:pPr>
+            <a:r>
+              <a:rPr lang="en-US" dirty="0"/>
+              <a:t>Where would you go to find the data showing load by user last week?</a:t>
+            </a:r>
+          </a:p>
+          <a:p>
+            <a:pPr marL="0" lvl="0" indent="0" algn="l" rtl="0">
+              <a:lnSpc>
+                <a:spcPct val="100000"/>
+              </a:lnSpc>
+              <a:spcBef>
+                <a:spcPts val="0"/>
+              </a:spcBef>
+              <a:spcAft>
+                <a:spcPts val="0"/>
+              </a:spcAft>
+              <a:buSzPts val="1400"/>
+              <a:buNone/>
+            </a:pPr>
+            <a:r>
+              <a:rPr lang="en-US" dirty="0"/>
+              <a:t>&lt;Opportunity for interaction… one of these “history” files?&gt;</a:t>
+            </a:r>
+          </a:p>
+          <a:p>
+            <a:pPr marL="0" lvl="0" indent="0" algn="l" rtl="0">
+              <a:lnSpc>
+                <a:spcPct val="100000"/>
+              </a:lnSpc>
+              <a:spcBef>
+                <a:spcPts val="0"/>
+              </a:spcBef>
+              <a:spcAft>
+                <a:spcPts val="0"/>
+              </a:spcAft>
+              <a:buSzPts val="1400"/>
+              <a:buNone/>
+            </a:pPr>
+            <a:r>
+              <a:rPr lang="en-US" dirty="0"/>
+              <a:t>The answer is surprising to me. It is actually underneath the “renice” subdirectory.</a:t>
+            </a:r>
+            <a:endParaRPr dirty="0"/>
+          </a:p>
+        </p:txBody>
+      </p:sp>
+      <p:sp>
+        <p:nvSpPr>
+          <p:cNvPr id="111" name="Google Shape;111;g524c740e24_0_8:notes"/>
           <p:cNvSpPr txBox="1">
             <a:spLocks noGrp="1"/>
           </p:cNvSpPr>
@@ -14170,7 +13907,7 @@
             </a:br>
             <a:r>
               <a:rPr lang="en-US" sz="2400" dirty="0"/>
-              <a:t>Data Skills for Empirical Research, </a:t>
+              <a:t>Data Skills for Research, </a:t>
             </a:r>
             <a:br>
               <a:rPr lang="en-US" sz="2400" dirty="0"/>
@@ -14249,2028 +13986,6 @@
 </file>
 
 <file path=ppt/slides/slide10.xml><?xml version="1.0" encoding="utf-8"?>
-<p:sld xmlns:a="http://schemas.openxmlformats.org/drawingml/2006/main" xmlns:r="http://schemas.openxmlformats.org/officeDocument/2006/relationships" xmlns:p="http://schemas.openxmlformats.org/presentationml/2006/main">
-  <p:cSld>
-    <p:spTree>
-      <p:nvGrpSpPr>
-        <p:cNvPr id="1" name="Shape 112"/>
-        <p:cNvGrpSpPr/>
-        <p:nvPr/>
-      </p:nvGrpSpPr>
-      <p:grpSpPr>
-        <a:xfrm>
-          <a:off x="0" y="0"/>
-          <a:ext cx="0" cy="0"/>
-          <a:chOff x="0" y="0"/>
-          <a:chExt cx="0" cy="0"/>
-        </a:xfrm>
-      </p:grpSpPr>
-      <p:sp>
-        <p:nvSpPr>
-          <p:cNvPr id="113" name="Google Shape;113;p15"/>
-          <p:cNvSpPr txBox="1">
-            <a:spLocks noGrp="1"/>
-          </p:cNvSpPr>
-          <p:nvPr>
-            <p:ph type="title"/>
-          </p:nvPr>
-        </p:nvSpPr>
-        <p:spPr>
-          <a:xfrm>
-            <a:off x="457200" y="0"/>
-            <a:ext cx="8686800" cy="1143000"/>
-          </a:xfrm>
-          <a:prstGeom prst="rect">
-            <a:avLst/>
-          </a:prstGeom>
-          <a:noFill/>
-          <a:ln>
-            <a:noFill/>
-          </a:ln>
-        </p:spPr>
-        <p:txBody>
-          <a:bodyPr spcFirstLastPara="1" wrap="square" lIns="91425" tIns="45700" rIns="91425" bIns="45700" anchor="ctr" anchorCtr="0">
-            <a:noAutofit/>
-          </a:bodyPr>
-          <a:lstStyle/>
-          <a:p>
-            <a:pPr marL="0" lvl="0" indent="0" algn="l" rtl="0">
-              <a:lnSpc>
-                <a:spcPct val="100000"/>
-              </a:lnSpc>
-              <a:spcBef>
-                <a:spcPts val="0"/>
-              </a:spcBef>
-              <a:spcAft>
-                <a:spcPts val="0"/>
-              </a:spcAft>
-              <a:buClr>
-                <a:srgbClr val="3D146F"/>
-              </a:buClr>
-              <a:buSzPts val="3200"/>
-              <a:buFont typeface="Arial"/>
-              <a:buNone/>
-            </a:pPr>
-            <a:r>
-              <a:rPr lang="en-US" dirty="0"/>
-              <a:t>Organize Directories</a:t>
-            </a:r>
-          </a:p>
-        </p:txBody>
-      </p:sp>
-      <p:sp>
-        <p:nvSpPr>
-          <p:cNvPr id="114" name="Google Shape;114;p15"/>
-          <p:cNvSpPr txBox="1">
-            <a:spLocks noGrp="1"/>
-          </p:cNvSpPr>
-          <p:nvPr>
-            <p:ph type="ftr" idx="11"/>
-          </p:nvPr>
-        </p:nvSpPr>
-        <p:spPr>
-          <a:xfrm>
-            <a:off x="4572000" y="6506896"/>
-            <a:ext cx="4114800" cy="365100"/>
-          </a:xfrm>
-          <a:prstGeom prst="rect">
-            <a:avLst/>
-          </a:prstGeom>
-          <a:noFill/>
-          <a:ln>
-            <a:noFill/>
-          </a:ln>
-        </p:spPr>
-        <p:txBody>
-          <a:bodyPr spcFirstLastPara="1" wrap="square" lIns="91425" tIns="45700" rIns="91425" bIns="45700" anchor="ctr" anchorCtr="0">
-            <a:noAutofit/>
-          </a:bodyPr>
-          <a:lstStyle/>
-          <a:p>
-            <a:pPr marL="0" lvl="0" indent="0" algn="r" rtl="0">
-              <a:lnSpc>
-                <a:spcPct val="100000"/>
-              </a:lnSpc>
-              <a:spcBef>
-                <a:spcPts val="0"/>
-              </a:spcBef>
-              <a:spcAft>
-                <a:spcPts val="0"/>
-              </a:spcAft>
-              <a:buSzPts val="1400"/>
-              <a:buNone/>
-            </a:pPr>
-            <a:r>
-              <a:rPr lang="en-US"/>
-              <a:t>Reproducibility Principles</a:t>
-            </a:r>
-            <a:endParaRPr/>
-          </a:p>
-        </p:txBody>
-      </p:sp>
-      <p:sp>
-        <p:nvSpPr>
-          <p:cNvPr id="116" name="Google Shape;116;p15"/>
-          <p:cNvSpPr txBox="1"/>
-          <p:nvPr/>
-        </p:nvSpPr>
-        <p:spPr>
-          <a:xfrm>
-            <a:off x="457200" y="1220752"/>
-            <a:ext cx="8299800" cy="561000"/>
-          </a:xfrm>
-          <a:prstGeom prst="rect">
-            <a:avLst/>
-          </a:prstGeom>
-          <a:noFill/>
-          <a:ln>
-            <a:noFill/>
-          </a:ln>
-        </p:spPr>
-        <p:txBody>
-          <a:bodyPr spcFirstLastPara="1" wrap="square" lIns="91425" tIns="45700" rIns="91425" bIns="45700" anchor="t" anchorCtr="0">
-            <a:noAutofit/>
-          </a:bodyPr>
-          <a:lstStyle/>
-          <a:p>
-            <a:pPr marL="0" marR="0" lvl="0" indent="0" algn="l" rtl="0">
-              <a:lnSpc>
-                <a:spcPct val="100000"/>
-              </a:lnSpc>
-              <a:spcBef>
-                <a:spcPts val="0"/>
-              </a:spcBef>
-              <a:spcAft>
-                <a:spcPts val="0"/>
-              </a:spcAft>
-              <a:buClr>
-                <a:srgbClr val="000000"/>
-              </a:buClr>
-              <a:buSzPts val="1800"/>
-              <a:buFont typeface="Arial"/>
-              <a:buNone/>
-            </a:pPr>
-            <a:r>
-              <a:rPr lang="en-US" sz="1800" dirty="0">
-                <a:solidFill>
-                  <a:schemeClr val="dk1"/>
-                </a:solidFill>
-              </a:rPr>
-              <a:t>This is a real directory with code &amp; data that monitors load on KLC.</a:t>
-            </a:r>
-            <a:endParaRPr sz="1800" dirty="0">
-              <a:solidFill>
-                <a:schemeClr val="dk1"/>
-              </a:solidFill>
-            </a:endParaRPr>
-          </a:p>
-          <a:p>
-            <a:pPr marL="0" marR="0" lvl="0" indent="0" algn="l" rtl="0">
-              <a:lnSpc>
-                <a:spcPct val="100000"/>
-              </a:lnSpc>
-              <a:spcBef>
-                <a:spcPts val="0"/>
-              </a:spcBef>
-              <a:spcAft>
-                <a:spcPts val="0"/>
-              </a:spcAft>
-              <a:buClr>
-                <a:srgbClr val="000000"/>
-              </a:buClr>
-              <a:buSzPts val="1800"/>
-              <a:buFont typeface="Arial"/>
-              <a:buNone/>
-            </a:pPr>
-            <a:endParaRPr sz="1800" dirty="0">
-              <a:solidFill>
-                <a:schemeClr val="dk1"/>
-              </a:solidFill>
-            </a:endParaRPr>
-          </a:p>
-          <a:p>
-            <a:pPr marL="0" marR="0" lvl="0" indent="0" algn="l" rtl="0">
-              <a:lnSpc>
-                <a:spcPct val="100000"/>
-              </a:lnSpc>
-              <a:spcBef>
-                <a:spcPts val="0"/>
-              </a:spcBef>
-              <a:spcAft>
-                <a:spcPts val="0"/>
-              </a:spcAft>
-              <a:buClr>
-                <a:srgbClr val="000000"/>
-              </a:buClr>
-              <a:buSzPts val="1800"/>
-              <a:buFont typeface="Arial"/>
-              <a:buNone/>
-            </a:pPr>
-            <a:endParaRPr sz="1800" dirty="0">
-              <a:solidFill>
-                <a:schemeClr val="dk1"/>
-              </a:solidFill>
-            </a:endParaRPr>
-          </a:p>
-          <a:p>
-            <a:pPr marL="0" marR="0" lvl="0" indent="0" algn="l" rtl="0">
-              <a:lnSpc>
-                <a:spcPct val="100000"/>
-              </a:lnSpc>
-              <a:spcBef>
-                <a:spcPts val="0"/>
-              </a:spcBef>
-              <a:spcAft>
-                <a:spcPts val="0"/>
-              </a:spcAft>
-              <a:buClr>
-                <a:srgbClr val="000000"/>
-              </a:buClr>
-              <a:buSzPts val="1800"/>
-              <a:buFont typeface="Arial"/>
-              <a:buNone/>
-            </a:pPr>
-            <a:endParaRPr sz="1800" dirty="0">
-              <a:solidFill>
-                <a:schemeClr val="dk1"/>
-              </a:solidFill>
-            </a:endParaRPr>
-          </a:p>
-          <a:p>
-            <a:pPr marL="0" marR="0" lvl="0" indent="0" algn="l" rtl="0">
-              <a:lnSpc>
-                <a:spcPct val="100000"/>
-              </a:lnSpc>
-              <a:spcBef>
-                <a:spcPts val="0"/>
-              </a:spcBef>
-              <a:spcAft>
-                <a:spcPts val="0"/>
-              </a:spcAft>
-              <a:buClr>
-                <a:srgbClr val="000000"/>
-              </a:buClr>
-              <a:buSzPts val="1800"/>
-              <a:buFont typeface="Arial"/>
-              <a:buNone/>
-            </a:pPr>
-            <a:endParaRPr sz="1800" dirty="0">
-              <a:solidFill>
-                <a:schemeClr val="dk1"/>
-              </a:solidFill>
-            </a:endParaRPr>
-          </a:p>
-          <a:p>
-            <a:pPr marL="0" marR="0" lvl="0" indent="0" algn="l" rtl="0">
-              <a:lnSpc>
-                <a:spcPct val="100000"/>
-              </a:lnSpc>
-              <a:spcBef>
-                <a:spcPts val="0"/>
-              </a:spcBef>
-              <a:spcAft>
-                <a:spcPts val="0"/>
-              </a:spcAft>
-              <a:buClr>
-                <a:srgbClr val="000000"/>
-              </a:buClr>
-              <a:buSzPts val="1800"/>
-              <a:buFont typeface="Arial"/>
-              <a:buNone/>
-            </a:pPr>
-            <a:endParaRPr sz="1800" dirty="0">
-              <a:solidFill>
-                <a:schemeClr val="dk1"/>
-              </a:solidFill>
-            </a:endParaRPr>
-          </a:p>
-          <a:p>
-            <a:pPr marL="0" marR="0" lvl="0" indent="0" algn="l" rtl="0">
-              <a:lnSpc>
-                <a:spcPct val="100000"/>
-              </a:lnSpc>
-              <a:spcBef>
-                <a:spcPts val="0"/>
-              </a:spcBef>
-              <a:spcAft>
-                <a:spcPts val="0"/>
-              </a:spcAft>
-              <a:buClr>
-                <a:srgbClr val="000000"/>
-              </a:buClr>
-              <a:buSzPts val="1800"/>
-              <a:buFont typeface="Arial"/>
-              <a:buNone/>
-            </a:pPr>
-            <a:endParaRPr sz="1800" dirty="0">
-              <a:solidFill>
-                <a:schemeClr val="dk1"/>
-              </a:solidFill>
-            </a:endParaRPr>
-          </a:p>
-          <a:p>
-            <a:pPr marL="0" marR="0" lvl="0" indent="0" algn="l" rtl="0">
-              <a:lnSpc>
-                <a:spcPct val="100000"/>
-              </a:lnSpc>
-              <a:spcBef>
-                <a:spcPts val="0"/>
-              </a:spcBef>
-              <a:spcAft>
-                <a:spcPts val="0"/>
-              </a:spcAft>
-              <a:buClr>
-                <a:srgbClr val="000000"/>
-              </a:buClr>
-              <a:buSzPts val="1800"/>
-              <a:buFont typeface="Arial"/>
-              <a:buNone/>
-            </a:pPr>
-            <a:endParaRPr sz="1800" dirty="0">
-              <a:solidFill>
-                <a:schemeClr val="dk1"/>
-              </a:solidFill>
-            </a:endParaRPr>
-          </a:p>
-          <a:p>
-            <a:pPr marL="0" marR="0" lvl="0" indent="0" algn="l" rtl="0">
-              <a:lnSpc>
-                <a:spcPct val="100000"/>
-              </a:lnSpc>
-              <a:spcBef>
-                <a:spcPts val="0"/>
-              </a:spcBef>
-              <a:spcAft>
-                <a:spcPts val="0"/>
-              </a:spcAft>
-              <a:buClr>
-                <a:srgbClr val="000000"/>
-              </a:buClr>
-              <a:buSzPts val="1800"/>
-              <a:buFont typeface="Arial"/>
-              <a:buNone/>
-            </a:pPr>
-            <a:endParaRPr sz="1800" dirty="0">
-              <a:solidFill>
-                <a:schemeClr val="dk1"/>
-              </a:solidFill>
-            </a:endParaRPr>
-          </a:p>
-          <a:p>
-            <a:pPr marL="0" marR="0" lvl="0" indent="0" algn="l" rtl="0">
-              <a:lnSpc>
-                <a:spcPct val="100000"/>
-              </a:lnSpc>
-              <a:spcBef>
-                <a:spcPts val="0"/>
-              </a:spcBef>
-              <a:spcAft>
-                <a:spcPts val="0"/>
-              </a:spcAft>
-              <a:buClr>
-                <a:srgbClr val="000000"/>
-              </a:buClr>
-              <a:buSzPts val="1800"/>
-              <a:buFont typeface="Arial"/>
-              <a:buNone/>
-            </a:pPr>
-            <a:endParaRPr sz="1800" dirty="0">
-              <a:solidFill>
-                <a:schemeClr val="dk1"/>
-              </a:solidFill>
-            </a:endParaRPr>
-          </a:p>
-          <a:p>
-            <a:pPr marL="0" marR="0" lvl="0" indent="0" algn="l" rtl="0">
-              <a:lnSpc>
-                <a:spcPct val="100000"/>
-              </a:lnSpc>
-              <a:spcBef>
-                <a:spcPts val="0"/>
-              </a:spcBef>
-              <a:spcAft>
-                <a:spcPts val="0"/>
-              </a:spcAft>
-              <a:buClr>
-                <a:srgbClr val="000000"/>
-              </a:buClr>
-              <a:buSzPts val="1800"/>
-              <a:buFont typeface="Arial"/>
-              <a:buNone/>
-            </a:pPr>
-            <a:endParaRPr sz="1800" dirty="0">
-              <a:solidFill>
-                <a:schemeClr val="dk1"/>
-              </a:solidFill>
-            </a:endParaRPr>
-          </a:p>
-          <a:p>
-            <a:pPr marL="0" marR="0" lvl="0" indent="0" algn="l" rtl="0">
-              <a:lnSpc>
-                <a:spcPct val="100000"/>
-              </a:lnSpc>
-              <a:spcBef>
-                <a:spcPts val="0"/>
-              </a:spcBef>
-              <a:spcAft>
-                <a:spcPts val="0"/>
-              </a:spcAft>
-              <a:buClr>
-                <a:srgbClr val="000000"/>
-              </a:buClr>
-              <a:buSzPts val="1800"/>
-              <a:buFont typeface="Arial"/>
-              <a:buNone/>
-            </a:pPr>
-            <a:endParaRPr sz="1800" dirty="0">
-              <a:solidFill>
-                <a:schemeClr val="dk1"/>
-              </a:solidFill>
-            </a:endParaRPr>
-          </a:p>
-          <a:p>
-            <a:pPr marL="0" marR="0" lvl="0" indent="0" algn="l" rtl="0">
-              <a:lnSpc>
-                <a:spcPct val="100000"/>
-              </a:lnSpc>
-              <a:spcBef>
-                <a:spcPts val="0"/>
-              </a:spcBef>
-              <a:spcAft>
-                <a:spcPts val="0"/>
-              </a:spcAft>
-              <a:buClr>
-                <a:srgbClr val="000000"/>
-              </a:buClr>
-              <a:buSzPts val="1800"/>
-              <a:buFont typeface="Arial"/>
-              <a:buNone/>
-            </a:pPr>
-            <a:endParaRPr sz="1800" dirty="0">
-              <a:solidFill>
-                <a:schemeClr val="dk1"/>
-              </a:solidFill>
-            </a:endParaRPr>
-          </a:p>
-          <a:p>
-            <a:pPr marL="0" marR="0" lvl="0" indent="0" algn="l" rtl="0">
-              <a:lnSpc>
-                <a:spcPct val="100000"/>
-              </a:lnSpc>
-              <a:spcBef>
-                <a:spcPts val="0"/>
-              </a:spcBef>
-              <a:spcAft>
-                <a:spcPts val="0"/>
-              </a:spcAft>
-              <a:buClr>
-                <a:srgbClr val="000000"/>
-              </a:buClr>
-              <a:buSzPts val="1800"/>
-              <a:buFont typeface="Arial"/>
-              <a:buNone/>
-            </a:pPr>
-            <a:endParaRPr sz="1800" dirty="0">
-              <a:solidFill>
-                <a:schemeClr val="dk1"/>
-              </a:solidFill>
-            </a:endParaRPr>
-          </a:p>
-          <a:p>
-            <a:pPr>
-              <a:buSzPts val="1800"/>
-            </a:pPr>
-            <a:r>
-              <a:rPr lang="en-US" sz="1800" dirty="0">
-                <a:solidFill>
-                  <a:schemeClr val="dk1"/>
-                </a:solidFill>
-              </a:rPr>
-              <a:t>Is it clear where you would go to find load by user on a given date?</a:t>
-            </a:r>
-            <a:endParaRPr sz="1800" dirty="0">
-              <a:solidFill>
-                <a:schemeClr val="dk1"/>
-              </a:solidFill>
-            </a:endParaRPr>
-          </a:p>
-          <a:p>
-            <a:pPr marL="0" marR="0" lvl="0" indent="0" algn="l" rtl="0">
-              <a:lnSpc>
-                <a:spcPct val="100000"/>
-              </a:lnSpc>
-              <a:spcBef>
-                <a:spcPts val="0"/>
-              </a:spcBef>
-              <a:spcAft>
-                <a:spcPts val="0"/>
-              </a:spcAft>
-              <a:buClr>
-                <a:srgbClr val="000000"/>
-              </a:buClr>
-              <a:buSzPts val="1800"/>
-              <a:buFont typeface="Arial"/>
-              <a:buNone/>
-            </a:pPr>
-            <a:endParaRPr sz="1800" dirty="0">
-              <a:solidFill>
-                <a:schemeClr val="dk1"/>
-              </a:solidFill>
-            </a:endParaRPr>
-          </a:p>
-          <a:p>
-            <a:pPr marL="0" marR="0" lvl="0" indent="0" algn="l" rtl="0">
-              <a:lnSpc>
-                <a:spcPct val="100000"/>
-              </a:lnSpc>
-              <a:spcBef>
-                <a:spcPts val="0"/>
-              </a:spcBef>
-              <a:spcAft>
-                <a:spcPts val="0"/>
-              </a:spcAft>
-              <a:buNone/>
-            </a:pPr>
-            <a:endParaRPr sz="1400" b="0" i="0" u="none" strike="noStrike" cap="none" dirty="0">
-              <a:solidFill>
-                <a:srgbClr val="000000"/>
-              </a:solidFill>
-              <a:latin typeface="Arial"/>
-              <a:ea typeface="Arial"/>
-              <a:cs typeface="Arial"/>
-              <a:sym typeface="Arial"/>
-            </a:endParaRPr>
-          </a:p>
-          <a:p>
-            <a:pPr marL="457200" marR="0" lvl="1" indent="0" algn="l" rtl="0">
-              <a:lnSpc>
-                <a:spcPct val="100000"/>
-              </a:lnSpc>
-              <a:spcBef>
-                <a:spcPts val="0"/>
-              </a:spcBef>
-              <a:spcAft>
-                <a:spcPts val="0"/>
-              </a:spcAft>
-              <a:buClr>
-                <a:srgbClr val="000000"/>
-              </a:buClr>
-              <a:buSzPts val="1800"/>
-              <a:buFont typeface="Arial"/>
-              <a:buNone/>
-            </a:pPr>
-            <a:endParaRPr sz="1800" b="0" i="0" u="none" strike="noStrike" cap="none" dirty="0">
-              <a:solidFill>
-                <a:schemeClr val="dk1"/>
-              </a:solidFill>
-              <a:latin typeface="Arial"/>
-              <a:ea typeface="Arial"/>
-              <a:cs typeface="Arial"/>
-              <a:sym typeface="Arial"/>
-            </a:endParaRPr>
-          </a:p>
-          <a:p>
-            <a:pPr marL="0" marR="0" lvl="0" indent="0" algn="l" rtl="0">
-              <a:lnSpc>
-                <a:spcPct val="100000"/>
-              </a:lnSpc>
-              <a:spcBef>
-                <a:spcPts val="0"/>
-              </a:spcBef>
-              <a:spcAft>
-                <a:spcPts val="0"/>
-              </a:spcAft>
-              <a:buClr>
-                <a:srgbClr val="000000"/>
-              </a:buClr>
-              <a:buSzPts val="1800"/>
-              <a:buFont typeface="Arial"/>
-              <a:buNone/>
-            </a:pPr>
-            <a:endParaRPr sz="1800" b="0" i="0" u="none" strike="noStrike" cap="none" dirty="0">
-              <a:solidFill>
-                <a:schemeClr val="dk1"/>
-              </a:solidFill>
-              <a:latin typeface="Arial"/>
-              <a:ea typeface="Arial"/>
-              <a:cs typeface="Arial"/>
-              <a:sym typeface="Arial"/>
-            </a:endParaRPr>
-          </a:p>
-          <a:p>
-            <a:pPr marL="0" marR="0" lvl="0" indent="0" algn="l" rtl="0">
-              <a:lnSpc>
-                <a:spcPct val="100000"/>
-              </a:lnSpc>
-              <a:spcBef>
-                <a:spcPts val="0"/>
-              </a:spcBef>
-              <a:spcAft>
-                <a:spcPts val="0"/>
-              </a:spcAft>
-              <a:buClr>
-                <a:srgbClr val="000000"/>
-              </a:buClr>
-              <a:buSzPts val="1800"/>
-              <a:buFont typeface="Arial"/>
-              <a:buNone/>
-            </a:pPr>
-            <a:endParaRPr sz="1800" b="0" i="0" u="none" strike="noStrike" cap="none" dirty="0">
-              <a:solidFill>
-                <a:schemeClr val="dk1"/>
-              </a:solidFill>
-              <a:latin typeface="Arial"/>
-              <a:ea typeface="Arial"/>
-              <a:cs typeface="Arial"/>
-              <a:sym typeface="Arial"/>
-            </a:endParaRPr>
-          </a:p>
-          <a:p>
-            <a:pPr marL="0" marR="0" lvl="0" indent="0" algn="l" rtl="0">
-              <a:lnSpc>
-                <a:spcPct val="100000"/>
-              </a:lnSpc>
-              <a:spcBef>
-                <a:spcPts val="0"/>
-              </a:spcBef>
-              <a:spcAft>
-                <a:spcPts val="0"/>
-              </a:spcAft>
-              <a:buClr>
-                <a:srgbClr val="000000"/>
-              </a:buClr>
-              <a:buSzPts val="1800"/>
-              <a:buFont typeface="Arial"/>
-              <a:buNone/>
-            </a:pPr>
-            <a:endParaRPr sz="1800" b="0" i="0" u="none" strike="noStrike" cap="none" dirty="0">
-              <a:solidFill>
-                <a:schemeClr val="dk1"/>
-              </a:solidFill>
-              <a:latin typeface="Arial"/>
-              <a:ea typeface="Arial"/>
-              <a:cs typeface="Arial"/>
-              <a:sym typeface="Arial"/>
-            </a:endParaRPr>
-          </a:p>
-          <a:p>
-            <a:pPr marL="0" marR="0" lvl="0" indent="0" algn="l" rtl="0">
-              <a:lnSpc>
-                <a:spcPct val="100000"/>
-              </a:lnSpc>
-              <a:spcBef>
-                <a:spcPts val="0"/>
-              </a:spcBef>
-              <a:spcAft>
-                <a:spcPts val="0"/>
-              </a:spcAft>
-              <a:buClr>
-                <a:srgbClr val="000000"/>
-              </a:buClr>
-              <a:buSzPts val="1800"/>
-              <a:buFont typeface="Arial"/>
-              <a:buNone/>
-            </a:pPr>
-            <a:endParaRPr sz="1800" b="0" i="0" u="none" strike="noStrike" cap="none" dirty="0">
-              <a:solidFill>
-                <a:schemeClr val="dk1"/>
-              </a:solidFill>
-              <a:latin typeface="Arial"/>
-              <a:ea typeface="Arial"/>
-              <a:cs typeface="Arial"/>
-              <a:sym typeface="Arial"/>
-            </a:endParaRPr>
-          </a:p>
-          <a:p>
-            <a:pPr marL="0" marR="0" lvl="0" indent="0" algn="l" rtl="0">
-              <a:lnSpc>
-                <a:spcPct val="100000"/>
-              </a:lnSpc>
-              <a:spcBef>
-                <a:spcPts val="0"/>
-              </a:spcBef>
-              <a:spcAft>
-                <a:spcPts val="0"/>
-              </a:spcAft>
-              <a:buClr>
-                <a:srgbClr val="000000"/>
-              </a:buClr>
-              <a:buSzPts val="1800"/>
-              <a:buFont typeface="Arial"/>
-              <a:buNone/>
-            </a:pPr>
-            <a:endParaRPr sz="1800" b="0" i="0" u="none" strike="noStrike" cap="none" dirty="0">
-              <a:solidFill>
-                <a:schemeClr val="dk1"/>
-              </a:solidFill>
-              <a:latin typeface="Arial"/>
-              <a:ea typeface="Arial"/>
-              <a:cs typeface="Arial"/>
-              <a:sym typeface="Arial"/>
-            </a:endParaRPr>
-          </a:p>
-          <a:p>
-            <a:pPr marL="0" marR="0" lvl="0" indent="0" algn="l" rtl="0">
-              <a:lnSpc>
-                <a:spcPct val="100000"/>
-              </a:lnSpc>
-              <a:spcBef>
-                <a:spcPts val="0"/>
-              </a:spcBef>
-              <a:spcAft>
-                <a:spcPts val="0"/>
-              </a:spcAft>
-              <a:buClr>
-                <a:srgbClr val="000000"/>
-              </a:buClr>
-              <a:buSzPts val="1800"/>
-              <a:buFont typeface="Arial"/>
-              <a:buNone/>
-            </a:pPr>
-            <a:endParaRPr sz="1800" b="0" i="0" u="none" strike="noStrike" cap="none" dirty="0">
-              <a:solidFill>
-                <a:schemeClr val="dk1"/>
-              </a:solidFill>
-              <a:latin typeface="Arial"/>
-              <a:ea typeface="Arial"/>
-              <a:cs typeface="Arial"/>
-              <a:sym typeface="Arial"/>
-            </a:endParaRPr>
-          </a:p>
-          <a:p>
-            <a:pPr marL="0" marR="0" lvl="0" indent="0" algn="l" rtl="0">
-              <a:lnSpc>
-                <a:spcPct val="100000"/>
-              </a:lnSpc>
-              <a:spcBef>
-                <a:spcPts val="0"/>
-              </a:spcBef>
-              <a:spcAft>
-                <a:spcPts val="0"/>
-              </a:spcAft>
-              <a:buClr>
-                <a:srgbClr val="000000"/>
-              </a:buClr>
-              <a:buSzPts val="1800"/>
-              <a:buFont typeface="Arial"/>
-              <a:buNone/>
-            </a:pPr>
-            <a:endParaRPr sz="1800" b="0" i="0" u="none" strike="noStrike" cap="none" dirty="0">
-              <a:solidFill>
-                <a:schemeClr val="dk1"/>
-              </a:solidFill>
-              <a:latin typeface="Arial"/>
-              <a:ea typeface="Arial"/>
-              <a:cs typeface="Arial"/>
-              <a:sym typeface="Arial"/>
-            </a:endParaRPr>
-          </a:p>
-          <a:p>
-            <a:pPr marL="0" marR="0" lvl="0" indent="0" algn="l" rtl="0">
-              <a:lnSpc>
-                <a:spcPct val="100000"/>
-              </a:lnSpc>
-              <a:spcBef>
-                <a:spcPts val="0"/>
-              </a:spcBef>
-              <a:spcAft>
-                <a:spcPts val="0"/>
-              </a:spcAft>
-              <a:buClr>
-                <a:srgbClr val="000000"/>
-              </a:buClr>
-              <a:buSzPts val="1800"/>
-              <a:buFont typeface="Arial"/>
-              <a:buNone/>
-            </a:pPr>
-            <a:endParaRPr sz="1800" b="0" i="0" u="none" strike="noStrike" cap="none" dirty="0">
-              <a:solidFill>
-                <a:schemeClr val="dk1"/>
-              </a:solidFill>
-              <a:latin typeface="Arial"/>
-              <a:ea typeface="Arial"/>
-              <a:cs typeface="Arial"/>
-              <a:sym typeface="Arial"/>
-            </a:endParaRPr>
-          </a:p>
-        </p:txBody>
-      </p:sp>
-      <p:sp>
-        <p:nvSpPr>
-          <p:cNvPr id="117" name="Google Shape;117;p15"/>
-          <p:cNvSpPr txBox="1"/>
-          <p:nvPr/>
-        </p:nvSpPr>
-        <p:spPr>
-          <a:xfrm>
-            <a:off x="328775" y="2193525"/>
-            <a:ext cx="2899500" cy="2239500"/>
-          </a:xfrm>
-          <a:prstGeom prst="rect">
-            <a:avLst/>
-          </a:prstGeom>
-          <a:solidFill>
-            <a:srgbClr val="000000"/>
-          </a:solidFill>
-          <a:ln>
-            <a:noFill/>
-          </a:ln>
-        </p:spPr>
-        <p:txBody>
-          <a:bodyPr spcFirstLastPara="1" wrap="square" lIns="91425" tIns="91425" rIns="91425" bIns="91425" anchor="t" anchorCtr="0">
-            <a:noAutofit/>
-          </a:bodyPr>
-          <a:lstStyle/>
-          <a:p>
-            <a:pPr marL="0" lvl="0" indent="0" algn="l" rtl="0">
-              <a:spcBef>
-                <a:spcPts val="0"/>
-              </a:spcBef>
-              <a:spcAft>
-                <a:spcPts val="0"/>
-              </a:spcAft>
-              <a:buClr>
-                <a:schemeClr val="dk1"/>
-              </a:buClr>
-              <a:buSzPts val="1100"/>
-              <a:buFont typeface="Arial"/>
-              <a:buNone/>
-            </a:pPr>
-            <a:r>
-              <a:rPr lang="en-US">
-                <a:solidFill>
-                  <a:srgbClr val="00FF00"/>
-                </a:solidFill>
-                <a:highlight>
-                  <a:srgbClr val="000000"/>
-                </a:highlight>
-                <a:latin typeface="Courier New"/>
-                <a:ea typeface="Courier New"/>
-                <a:cs typeface="Courier New"/>
-                <a:sym typeface="Courier New"/>
-              </a:rPr>
-              <a:t>active_netids.txt</a:t>
-            </a:r>
-            <a:endParaRPr>
-              <a:solidFill>
-                <a:srgbClr val="00FF00"/>
-              </a:solidFill>
-              <a:highlight>
-                <a:srgbClr val="000000"/>
-              </a:highlight>
-              <a:latin typeface="Courier New"/>
-              <a:ea typeface="Courier New"/>
-              <a:cs typeface="Courier New"/>
-              <a:sym typeface="Courier New"/>
-            </a:endParaRPr>
-          </a:p>
-          <a:p>
-            <a:pPr marL="0" lvl="0" indent="0" algn="l" rtl="0">
-              <a:spcBef>
-                <a:spcPts val="0"/>
-              </a:spcBef>
-              <a:spcAft>
-                <a:spcPts val="0"/>
-              </a:spcAft>
-              <a:buClr>
-                <a:schemeClr val="dk1"/>
-              </a:buClr>
-              <a:buSzPts val="1100"/>
-              <a:buFont typeface="Arial"/>
-              <a:buNone/>
-            </a:pPr>
-            <a:r>
-              <a:rPr lang="en-US">
-                <a:solidFill>
-                  <a:srgbClr val="00FF00"/>
-                </a:solidFill>
-                <a:highlight>
-                  <a:srgbClr val="000000"/>
-                </a:highlight>
-                <a:latin typeface="Courier New"/>
-                <a:ea typeface="Courier New"/>
-                <a:cs typeface="Courier New"/>
-                <a:sym typeface="Courier New"/>
-              </a:rPr>
-              <a:t>active_usernames.txt</a:t>
-            </a:r>
-            <a:endParaRPr>
-              <a:solidFill>
-                <a:srgbClr val="00FF00"/>
-              </a:solidFill>
-              <a:highlight>
-                <a:srgbClr val="000000"/>
-              </a:highlight>
-              <a:latin typeface="Courier New"/>
-              <a:ea typeface="Courier New"/>
-              <a:cs typeface="Courier New"/>
-              <a:sym typeface="Courier New"/>
-            </a:endParaRPr>
-          </a:p>
-          <a:p>
-            <a:pPr marL="0" lvl="0" indent="0" algn="l" rtl="0">
-              <a:spcBef>
-                <a:spcPts val="0"/>
-              </a:spcBef>
-              <a:spcAft>
-                <a:spcPts val="0"/>
-              </a:spcAft>
-              <a:buClr>
-                <a:schemeClr val="dk1"/>
-              </a:buClr>
-              <a:buSzPts val="1100"/>
-              <a:buFont typeface="Arial"/>
-              <a:buNone/>
-            </a:pPr>
-            <a:r>
-              <a:rPr lang="en-US">
-                <a:solidFill>
-                  <a:srgbClr val="00FF00"/>
-                </a:solidFill>
-                <a:highlight>
-                  <a:srgbClr val="000000"/>
-                </a:highlight>
-                <a:latin typeface="Courier New"/>
-                <a:ea typeface="Courier New"/>
-                <a:cs typeface="Courier New"/>
-                <a:sym typeface="Courier New"/>
-              </a:rPr>
-              <a:t>daily_email.sh</a:t>
-            </a:r>
-            <a:endParaRPr>
-              <a:solidFill>
-                <a:srgbClr val="00FF00"/>
-              </a:solidFill>
-              <a:highlight>
-                <a:srgbClr val="000000"/>
-              </a:highlight>
-              <a:latin typeface="Courier New"/>
-              <a:ea typeface="Courier New"/>
-              <a:cs typeface="Courier New"/>
-              <a:sym typeface="Courier New"/>
-            </a:endParaRPr>
-          </a:p>
-          <a:p>
-            <a:pPr marL="0" lvl="0" indent="0" algn="l" rtl="0">
-              <a:spcBef>
-                <a:spcPts val="0"/>
-              </a:spcBef>
-              <a:spcAft>
-                <a:spcPts val="0"/>
-              </a:spcAft>
-              <a:buClr>
-                <a:schemeClr val="dk1"/>
-              </a:buClr>
-              <a:buSzPts val="1100"/>
-              <a:buFont typeface="Arial"/>
-              <a:buNone/>
-            </a:pPr>
-            <a:r>
-              <a:rPr lang="en-US">
-                <a:solidFill>
-                  <a:srgbClr val="00FF00"/>
-                </a:solidFill>
-                <a:highlight>
-                  <a:srgbClr val="000000"/>
-                </a:highlight>
-                <a:latin typeface="Courier New"/>
-                <a:ea typeface="Courier New"/>
-                <a:cs typeface="Courier New"/>
-                <a:sym typeface="Courier New"/>
-              </a:rPr>
-              <a:t>email_lookup.py</a:t>
-            </a:r>
-            <a:endParaRPr>
-              <a:solidFill>
-                <a:srgbClr val="00FF00"/>
-              </a:solidFill>
-              <a:highlight>
-                <a:srgbClr val="000000"/>
-              </a:highlight>
-              <a:latin typeface="Courier New"/>
-              <a:ea typeface="Courier New"/>
-              <a:cs typeface="Courier New"/>
-              <a:sym typeface="Courier New"/>
-            </a:endParaRPr>
-          </a:p>
-          <a:p>
-            <a:pPr marL="0" lvl="0" indent="0" algn="l" rtl="0">
-              <a:spcBef>
-                <a:spcPts val="0"/>
-              </a:spcBef>
-              <a:spcAft>
-                <a:spcPts val="0"/>
-              </a:spcAft>
-              <a:buClr>
-                <a:schemeClr val="dk1"/>
-              </a:buClr>
-              <a:buSzPts val="1100"/>
-              <a:buFont typeface="Arial"/>
-              <a:buNone/>
-            </a:pPr>
-            <a:r>
-              <a:rPr lang="en-US">
-                <a:solidFill>
-                  <a:srgbClr val="00FF00"/>
-                </a:solidFill>
-                <a:highlight>
-                  <a:srgbClr val="000000"/>
-                </a:highlight>
-                <a:latin typeface="Courier New"/>
-                <a:ea typeface="Courier New"/>
-                <a:cs typeface="Courier New"/>
-                <a:sym typeface="Courier New"/>
-              </a:rPr>
-              <a:t>emails_of_active_users.sh</a:t>
-            </a:r>
-            <a:endParaRPr>
-              <a:solidFill>
-                <a:srgbClr val="00FF00"/>
-              </a:solidFill>
-              <a:highlight>
-                <a:srgbClr val="000000"/>
-              </a:highlight>
-              <a:latin typeface="Courier New"/>
-              <a:ea typeface="Courier New"/>
-              <a:cs typeface="Courier New"/>
-              <a:sym typeface="Courier New"/>
-            </a:endParaRPr>
-          </a:p>
-          <a:p>
-            <a:pPr marL="0" lvl="0" indent="0" algn="l" rtl="0">
-              <a:spcBef>
-                <a:spcPts val="0"/>
-              </a:spcBef>
-              <a:spcAft>
-                <a:spcPts val="0"/>
-              </a:spcAft>
-              <a:buClr>
-                <a:schemeClr val="dk1"/>
-              </a:buClr>
-              <a:buSzPts val="1100"/>
-              <a:buFont typeface="Arial"/>
-              <a:buNone/>
-            </a:pPr>
-            <a:r>
-              <a:rPr lang="en-US">
-                <a:solidFill>
-                  <a:srgbClr val="00FF00"/>
-                </a:solidFill>
-                <a:highlight>
-                  <a:srgbClr val="000000"/>
-                </a:highlight>
-                <a:latin typeface="Courier New"/>
-                <a:ea typeface="Courier New"/>
-                <a:cs typeface="Courier New"/>
-                <a:sym typeface="Courier New"/>
-              </a:rPr>
-              <a:t>loadavg.gnuplot</a:t>
-            </a:r>
-            <a:endParaRPr>
-              <a:solidFill>
-                <a:srgbClr val="00FF00"/>
-              </a:solidFill>
-              <a:highlight>
-                <a:srgbClr val="000000"/>
-              </a:highlight>
-              <a:latin typeface="Courier New"/>
-              <a:ea typeface="Courier New"/>
-              <a:cs typeface="Courier New"/>
-              <a:sym typeface="Courier New"/>
-            </a:endParaRPr>
-          </a:p>
-          <a:p>
-            <a:pPr marL="0" lvl="0" indent="0" algn="l" rtl="0">
-              <a:spcBef>
-                <a:spcPts val="0"/>
-              </a:spcBef>
-              <a:spcAft>
-                <a:spcPts val="0"/>
-              </a:spcAft>
-              <a:buClr>
-                <a:schemeClr val="dk1"/>
-              </a:buClr>
-              <a:buSzPts val="1100"/>
-              <a:buFont typeface="Arial"/>
-              <a:buNone/>
-            </a:pPr>
-            <a:r>
-              <a:rPr lang="en-US">
-                <a:solidFill>
-                  <a:srgbClr val="00FF00"/>
-                </a:solidFill>
-                <a:highlight>
-                  <a:srgbClr val="000000"/>
-                </a:highlight>
-                <a:latin typeface="Courier New"/>
-                <a:ea typeface="Courier New"/>
-                <a:cs typeface="Courier New"/>
-                <a:sym typeface="Courier New"/>
-              </a:rPr>
-              <a:t>loadavg_history.klc01.txt</a:t>
-            </a:r>
-            <a:endParaRPr>
-              <a:solidFill>
-                <a:srgbClr val="00FF00"/>
-              </a:solidFill>
-              <a:highlight>
-                <a:srgbClr val="000000"/>
-              </a:highlight>
-              <a:latin typeface="Courier New"/>
-              <a:ea typeface="Courier New"/>
-              <a:cs typeface="Courier New"/>
-              <a:sym typeface="Courier New"/>
-            </a:endParaRPr>
-          </a:p>
-          <a:p>
-            <a:pPr marL="0" lvl="0" indent="0" algn="l" rtl="0">
-              <a:spcBef>
-                <a:spcPts val="0"/>
-              </a:spcBef>
-              <a:spcAft>
-                <a:spcPts val="0"/>
-              </a:spcAft>
-              <a:buClr>
-                <a:schemeClr val="dk1"/>
-              </a:buClr>
-              <a:buSzPts val="1100"/>
-              <a:buFont typeface="Arial"/>
-              <a:buNone/>
-            </a:pPr>
-            <a:r>
-              <a:rPr lang="en-US">
-                <a:solidFill>
-                  <a:srgbClr val="00FF00"/>
-                </a:solidFill>
-                <a:highlight>
-                  <a:srgbClr val="000000"/>
-                </a:highlight>
-                <a:latin typeface="Courier New"/>
-                <a:ea typeface="Courier New"/>
-                <a:cs typeface="Courier New"/>
-                <a:sym typeface="Courier New"/>
-              </a:rPr>
-              <a:t>loadavg_history.klc02.txt</a:t>
-            </a:r>
-            <a:endParaRPr>
-              <a:solidFill>
-                <a:srgbClr val="00FF00"/>
-              </a:solidFill>
-              <a:highlight>
-                <a:srgbClr val="000000"/>
-              </a:highlight>
-              <a:latin typeface="Courier New"/>
-              <a:ea typeface="Courier New"/>
-              <a:cs typeface="Courier New"/>
-              <a:sym typeface="Courier New"/>
-            </a:endParaRPr>
-          </a:p>
-          <a:p>
-            <a:pPr marL="0" lvl="0" indent="0" algn="l" rtl="0">
-              <a:spcBef>
-                <a:spcPts val="0"/>
-              </a:spcBef>
-              <a:spcAft>
-                <a:spcPts val="0"/>
-              </a:spcAft>
-              <a:buClr>
-                <a:schemeClr val="dk1"/>
-              </a:buClr>
-              <a:buSzPts val="1100"/>
-              <a:buFont typeface="Arial"/>
-              <a:buNone/>
-            </a:pPr>
-            <a:r>
-              <a:rPr lang="en-US">
-                <a:solidFill>
-                  <a:srgbClr val="00FF00"/>
-                </a:solidFill>
-                <a:highlight>
-                  <a:srgbClr val="000000"/>
-                </a:highlight>
-                <a:latin typeface="Courier New"/>
-                <a:ea typeface="Courier New"/>
-                <a:cs typeface="Courier New"/>
-                <a:sym typeface="Courier New"/>
-              </a:rPr>
-              <a:t>loadavg_history.klc03.txt</a:t>
-            </a:r>
-            <a:endParaRPr>
-              <a:solidFill>
-                <a:srgbClr val="00FF00"/>
-              </a:solidFill>
-              <a:highlight>
-                <a:srgbClr val="000000"/>
-              </a:highlight>
-              <a:latin typeface="Courier New"/>
-              <a:ea typeface="Courier New"/>
-              <a:cs typeface="Courier New"/>
-              <a:sym typeface="Courier New"/>
-            </a:endParaRPr>
-          </a:p>
-          <a:p>
-            <a:pPr marL="0" lvl="0" indent="0" algn="l" rtl="0">
-              <a:spcBef>
-                <a:spcPts val="0"/>
-              </a:spcBef>
-              <a:spcAft>
-                <a:spcPts val="0"/>
-              </a:spcAft>
-              <a:buClr>
-                <a:schemeClr val="dk1"/>
-              </a:buClr>
-              <a:buSzPts val="1100"/>
-              <a:buFont typeface="Arial"/>
-              <a:buNone/>
-            </a:pPr>
-            <a:endParaRPr>
-              <a:solidFill>
-                <a:srgbClr val="00FF00"/>
-              </a:solidFill>
-              <a:highlight>
-                <a:srgbClr val="000000"/>
-              </a:highlight>
-              <a:latin typeface="Courier New"/>
-              <a:ea typeface="Courier New"/>
-              <a:cs typeface="Courier New"/>
-              <a:sym typeface="Courier New"/>
-            </a:endParaRPr>
-          </a:p>
-          <a:p>
-            <a:pPr marL="0" lvl="0" indent="0" algn="l" rtl="0">
-              <a:spcBef>
-                <a:spcPts val="0"/>
-              </a:spcBef>
-              <a:spcAft>
-                <a:spcPts val="0"/>
-              </a:spcAft>
-              <a:buClr>
-                <a:schemeClr val="dk1"/>
-              </a:buClr>
-              <a:buSzPts val="1100"/>
-              <a:buFont typeface="Arial"/>
-              <a:buNone/>
-            </a:pPr>
-            <a:endParaRPr>
-              <a:latin typeface="Courier New"/>
-              <a:ea typeface="Courier New"/>
-              <a:cs typeface="Courier New"/>
-              <a:sym typeface="Courier New"/>
-            </a:endParaRPr>
-          </a:p>
-          <a:p>
-            <a:pPr marL="0" lvl="0" indent="0" algn="l" rtl="0">
-              <a:spcBef>
-                <a:spcPts val="0"/>
-              </a:spcBef>
-              <a:spcAft>
-                <a:spcPts val="0"/>
-              </a:spcAft>
-              <a:buNone/>
-            </a:pPr>
-            <a:endParaRPr>
-              <a:latin typeface="Courier New"/>
-              <a:ea typeface="Courier New"/>
-              <a:cs typeface="Courier New"/>
-              <a:sym typeface="Courier New"/>
-            </a:endParaRPr>
-          </a:p>
-        </p:txBody>
-      </p:sp>
-      <p:sp>
-        <p:nvSpPr>
-          <p:cNvPr id="118" name="Google Shape;118;p15"/>
-          <p:cNvSpPr txBox="1"/>
-          <p:nvPr/>
-        </p:nvSpPr>
-        <p:spPr>
-          <a:xfrm>
-            <a:off x="3168750" y="2193525"/>
-            <a:ext cx="2899500" cy="2239500"/>
-          </a:xfrm>
-          <a:prstGeom prst="rect">
-            <a:avLst/>
-          </a:prstGeom>
-          <a:solidFill>
-            <a:srgbClr val="000000"/>
-          </a:solidFill>
-          <a:ln>
-            <a:noFill/>
-          </a:ln>
-        </p:spPr>
-        <p:txBody>
-          <a:bodyPr spcFirstLastPara="1" wrap="square" lIns="91425" tIns="91425" rIns="91425" bIns="91425" anchor="t" anchorCtr="0">
-            <a:noAutofit/>
-          </a:bodyPr>
-          <a:lstStyle/>
-          <a:p>
-            <a:pPr marL="0" lvl="0" indent="0" algn="l" rtl="0">
-              <a:spcBef>
-                <a:spcPts val="0"/>
-              </a:spcBef>
-              <a:spcAft>
-                <a:spcPts val="0"/>
-              </a:spcAft>
-              <a:buClr>
-                <a:schemeClr val="dk1"/>
-              </a:buClr>
-              <a:buSzPts val="1100"/>
-              <a:buFont typeface="Arial"/>
-              <a:buNone/>
-            </a:pPr>
-            <a:r>
-              <a:rPr lang="en-US">
-                <a:solidFill>
-                  <a:srgbClr val="00FF00"/>
-                </a:solidFill>
-                <a:latin typeface="Courier New"/>
-                <a:ea typeface="Courier New"/>
-                <a:cs typeface="Courier New"/>
-                <a:sym typeface="Courier New"/>
-              </a:rPr>
-              <a:t>loadavg_history.klc04.txt</a:t>
-            </a:r>
-            <a:endParaRPr>
-              <a:solidFill>
-                <a:srgbClr val="00FF00"/>
-              </a:solidFill>
-              <a:latin typeface="Courier New"/>
-              <a:ea typeface="Courier New"/>
-              <a:cs typeface="Courier New"/>
-              <a:sym typeface="Courier New"/>
-            </a:endParaRPr>
-          </a:p>
-          <a:p>
-            <a:pPr marL="0" lvl="0" indent="0" algn="l" rtl="0">
-              <a:spcBef>
-                <a:spcPts val="0"/>
-              </a:spcBef>
-              <a:spcAft>
-                <a:spcPts val="0"/>
-              </a:spcAft>
-              <a:buClr>
-                <a:schemeClr val="dk1"/>
-              </a:buClr>
-              <a:buSzPts val="1100"/>
-              <a:buFont typeface="Arial"/>
-              <a:buNone/>
-            </a:pPr>
-            <a:r>
-              <a:rPr lang="en-US">
-                <a:solidFill>
-                  <a:srgbClr val="00FF00"/>
-                </a:solidFill>
-                <a:latin typeface="Courier New"/>
-                <a:ea typeface="Courier New"/>
-                <a:cs typeface="Courier New"/>
-                <a:sym typeface="Courier New"/>
-              </a:rPr>
-              <a:t>loadavg_history.klc05.txt</a:t>
-            </a:r>
-            <a:endParaRPr>
-              <a:solidFill>
-                <a:srgbClr val="00FF00"/>
-              </a:solidFill>
-              <a:latin typeface="Courier New"/>
-              <a:ea typeface="Courier New"/>
-              <a:cs typeface="Courier New"/>
-              <a:sym typeface="Courier New"/>
-            </a:endParaRPr>
-          </a:p>
-          <a:p>
-            <a:pPr marL="0" lvl="0" indent="0" algn="l" rtl="0">
-              <a:spcBef>
-                <a:spcPts val="0"/>
-              </a:spcBef>
-              <a:spcAft>
-                <a:spcPts val="0"/>
-              </a:spcAft>
-              <a:buClr>
-                <a:schemeClr val="dk1"/>
-              </a:buClr>
-              <a:buSzPts val="1100"/>
-              <a:buFont typeface="Arial"/>
-              <a:buNone/>
-            </a:pPr>
-            <a:r>
-              <a:rPr lang="en-US">
-                <a:solidFill>
-                  <a:srgbClr val="00FF00"/>
-                </a:solidFill>
-                <a:latin typeface="Courier New"/>
-                <a:ea typeface="Courier New"/>
-                <a:cs typeface="Courier New"/>
-                <a:sym typeface="Courier New"/>
-              </a:rPr>
-              <a:t>loadavg.png</a:t>
-            </a:r>
-            <a:endParaRPr>
-              <a:solidFill>
-                <a:srgbClr val="00FF00"/>
-              </a:solidFill>
-              <a:latin typeface="Courier New"/>
-              <a:ea typeface="Courier New"/>
-              <a:cs typeface="Courier New"/>
-              <a:sym typeface="Courier New"/>
-            </a:endParaRPr>
-          </a:p>
-          <a:p>
-            <a:pPr marL="0" lvl="0" indent="0" algn="l" rtl="0">
-              <a:spcBef>
-                <a:spcPts val="0"/>
-              </a:spcBef>
-              <a:spcAft>
-                <a:spcPts val="0"/>
-              </a:spcAft>
-              <a:buClr>
-                <a:schemeClr val="dk1"/>
-              </a:buClr>
-              <a:buSzPts val="1100"/>
-              <a:buFont typeface="Arial"/>
-              <a:buNone/>
-            </a:pPr>
-            <a:r>
-              <a:rPr lang="en-US">
-                <a:solidFill>
-                  <a:srgbClr val="00FF00"/>
-                </a:solidFill>
-                <a:latin typeface="Courier New"/>
-                <a:ea typeface="Courier New"/>
-                <a:cs typeface="Courier New"/>
-                <a:sym typeface="Courier New"/>
-              </a:rPr>
-              <a:t>monitor_load.sh</a:t>
-            </a:r>
-            <a:endParaRPr>
-              <a:solidFill>
-                <a:srgbClr val="00FF00"/>
-              </a:solidFill>
-              <a:latin typeface="Courier New"/>
-              <a:ea typeface="Courier New"/>
-              <a:cs typeface="Courier New"/>
-              <a:sym typeface="Courier New"/>
-            </a:endParaRPr>
-          </a:p>
-          <a:p>
-            <a:pPr marL="0" lvl="0" indent="0" algn="l" rtl="0">
-              <a:spcBef>
-                <a:spcPts val="0"/>
-              </a:spcBef>
-              <a:spcAft>
-                <a:spcPts val="0"/>
-              </a:spcAft>
-              <a:buClr>
-                <a:schemeClr val="dk1"/>
-              </a:buClr>
-              <a:buSzPts val="1100"/>
-              <a:buFont typeface="Arial"/>
-              <a:buNone/>
-            </a:pPr>
-            <a:r>
-              <a:rPr lang="en-US">
-                <a:solidFill>
-                  <a:srgbClr val="00FF00"/>
-                </a:solidFill>
-                <a:latin typeface="Courier New"/>
-                <a:ea typeface="Courier New"/>
-                <a:cs typeface="Courier New"/>
-                <a:sym typeface="Courier New"/>
-              </a:rPr>
-              <a:t>netids_of_active_users.sh</a:t>
-            </a:r>
-            <a:endParaRPr>
-              <a:solidFill>
-                <a:srgbClr val="00FF00"/>
-              </a:solidFill>
-              <a:latin typeface="Courier New"/>
-              <a:ea typeface="Courier New"/>
-              <a:cs typeface="Courier New"/>
-              <a:sym typeface="Courier New"/>
-            </a:endParaRPr>
-          </a:p>
-          <a:p>
-            <a:pPr marL="0" lvl="0" indent="0" algn="l" rtl="0">
-              <a:spcBef>
-                <a:spcPts val="0"/>
-              </a:spcBef>
-              <a:spcAft>
-                <a:spcPts val="0"/>
-              </a:spcAft>
-              <a:buClr>
-                <a:schemeClr val="dk1"/>
-              </a:buClr>
-              <a:buSzPts val="1100"/>
-              <a:buFont typeface="Arial"/>
-              <a:buNone/>
-            </a:pPr>
-            <a:r>
-              <a:rPr lang="en-US">
-                <a:solidFill>
-                  <a:srgbClr val="00FF00"/>
-                </a:solidFill>
-                <a:latin typeface="Courier New"/>
-                <a:ea typeface="Courier New"/>
-                <a:cs typeface="Courier New"/>
-                <a:sym typeface="Courier New"/>
-              </a:rPr>
-              <a:t>renice/</a:t>
-            </a:r>
-            <a:endParaRPr>
-              <a:solidFill>
-                <a:srgbClr val="00FF00"/>
-              </a:solidFill>
-              <a:latin typeface="Courier New"/>
-              <a:ea typeface="Courier New"/>
-              <a:cs typeface="Courier New"/>
-              <a:sym typeface="Courier New"/>
-            </a:endParaRPr>
-          </a:p>
-          <a:p>
-            <a:pPr marL="0" lvl="0" indent="0" algn="l" rtl="0">
-              <a:spcBef>
-                <a:spcPts val="0"/>
-              </a:spcBef>
-              <a:spcAft>
-                <a:spcPts val="0"/>
-              </a:spcAft>
-              <a:buClr>
-                <a:schemeClr val="dk1"/>
-              </a:buClr>
-              <a:buSzPts val="1100"/>
-              <a:buFont typeface="Arial"/>
-              <a:buNone/>
-            </a:pPr>
-            <a:r>
-              <a:rPr lang="en-US">
-                <a:solidFill>
-                  <a:srgbClr val="00FF00"/>
-                </a:solidFill>
-                <a:latin typeface="Courier New"/>
-                <a:ea typeface="Courier New"/>
-                <a:cs typeface="Courier New"/>
-                <a:sym typeface="Courier New"/>
-              </a:rPr>
-              <a:t>users_history.klc01.txt</a:t>
-            </a:r>
-            <a:endParaRPr>
-              <a:solidFill>
-                <a:srgbClr val="00FF00"/>
-              </a:solidFill>
-              <a:latin typeface="Courier New"/>
-              <a:ea typeface="Courier New"/>
-              <a:cs typeface="Courier New"/>
-              <a:sym typeface="Courier New"/>
-            </a:endParaRPr>
-          </a:p>
-          <a:p>
-            <a:pPr marL="0" lvl="0" indent="0" algn="l" rtl="0">
-              <a:spcBef>
-                <a:spcPts val="0"/>
-              </a:spcBef>
-              <a:spcAft>
-                <a:spcPts val="0"/>
-              </a:spcAft>
-              <a:buClr>
-                <a:schemeClr val="dk1"/>
-              </a:buClr>
-              <a:buSzPts val="1100"/>
-              <a:buFont typeface="Arial"/>
-              <a:buNone/>
-            </a:pPr>
-            <a:r>
-              <a:rPr lang="en-US">
-                <a:solidFill>
-                  <a:srgbClr val="00FF00"/>
-                </a:solidFill>
-                <a:latin typeface="Courier New"/>
-                <a:ea typeface="Courier New"/>
-                <a:cs typeface="Courier New"/>
-                <a:sym typeface="Courier New"/>
-              </a:rPr>
-              <a:t>users_history.klc02.txt</a:t>
-            </a:r>
-            <a:endParaRPr>
-              <a:solidFill>
-                <a:srgbClr val="00FF00"/>
-              </a:solidFill>
-              <a:latin typeface="Courier New"/>
-              <a:ea typeface="Courier New"/>
-              <a:cs typeface="Courier New"/>
-              <a:sym typeface="Courier New"/>
-            </a:endParaRPr>
-          </a:p>
-          <a:p>
-            <a:pPr marL="0" lvl="0" indent="0" algn="l" rtl="0">
-              <a:spcBef>
-                <a:spcPts val="0"/>
-              </a:spcBef>
-              <a:spcAft>
-                <a:spcPts val="0"/>
-              </a:spcAft>
-              <a:buClr>
-                <a:schemeClr val="dk1"/>
-              </a:buClr>
-              <a:buSzPts val="1100"/>
-              <a:buFont typeface="Arial"/>
-              <a:buNone/>
-            </a:pPr>
-            <a:r>
-              <a:rPr lang="en-US">
-                <a:solidFill>
-                  <a:srgbClr val="00FF00"/>
-                </a:solidFill>
-                <a:latin typeface="Courier New"/>
-                <a:ea typeface="Courier New"/>
-                <a:cs typeface="Courier New"/>
-                <a:sym typeface="Courier New"/>
-              </a:rPr>
-              <a:t>users_history.klc03.txt</a:t>
-            </a:r>
-            <a:endParaRPr>
-              <a:solidFill>
-                <a:srgbClr val="00FF00"/>
-              </a:solidFill>
-            </a:endParaRPr>
-          </a:p>
-        </p:txBody>
-      </p:sp>
-      <p:sp>
-        <p:nvSpPr>
-          <p:cNvPr id="119" name="Google Shape;119;p15"/>
-          <p:cNvSpPr txBox="1"/>
-          <p:nvPr/>
-        </p:nvSpPr>
-        <p:spPr>
-          <a:xfrm>
-            <a:off x="6003325" y="2193525"/>
-            <a:ext cx="2811900" cy="2239500"/>
-          </a:xfrm>
-          <a:prstGeom prst="rect">
-            <a:avLst/>
-          </a:prstGeom>
-          <a:solidFill>
-            <a:srgbClr val="000000"/>
-          </a:solidFill>
-          <a:ln>
-            <a:noFill/>
-          </a:ln>
-        </p:spPr>
-        <p:txBody>
-          <a:bodyPr spcFirstLastPara="1" wrap="square" lIns="91425" tIns="91425" rIns="91425" bIns="91425" anchor="t" anchorCtr="0">
-            <a:noAutofit/>
-          </a:bodyPr>
-          <a:lstStyle/>
-          <a:p>
-            <a:pPr marL="0" lvl="0" indent="0" algn="l" rtl="0">
-              <a:spcBef>
-                <a:spcPts val="0"/>
-              </a:spcBef>
-              <a:spcAft>
-                <a:spcPts val="0"/>
-              </a:spcAft>
-              <a:buNone/>
-            </a:pPr>
-            <a:r>
-              <a:rPr lang="en-US">
-                <a:solidFill>
-                  <a:srgbClr val="00FF00"/>
-                </a:solidFill>
-                <a:latin typeface="Courier New"/>
-                <a:ea typeface="Courier New"/>
-                <a:cs typeface="Courier New"/>
-                <a:sym typeface="Courier New"/>
-              </a:rPr>
-              <a:t>users_history.klc04.txt</a:t>
-            </a:r>
-            <a:endParaRPr>
-              <a:solidFill>
-                <a:srgbClr val="00FF00"/>
-              </a:solidFill>
-              <a:latin typeface="Courier New"/>
-              <a:ea typeface="Courier New"/>
-              <a:cs typeface="Courier New"/>
-              <a:sym typeface="Courier New"/>
-            </a:endParaRPr>
-          </a:p>
-          <a:p>
-            <a:pPr marL="0" lvl="0" indent="0" algn="l" rtl="0">
-              <a:spcBef>
-                <a:spcPts val="0"/>
-              </a:spcBef>
-              <a:spcAft>
-                <a:spcPts val="0"/>
-              </a:spcAft>
-              <a:buNone/>
-            </a:pPr>
-            <a:r>
-              <a:rPr lang="en-US">
-                <a:solidFill>
-                  <a:srgbClr val="00FF00"/>
-                </a:solidFill>
-                <a:latin typeface="Courier New"/>
-                <a:ea typeface="Courier New"/>
-                <a:cs typeface="Courier New"/>
-                <a:sym typeface="Courier New"/>
-              </a:rPr>
-              <a:t>users_history.klc05.txt</a:t>
-            </a:r>
-            <a:endParaRPr>
-              <a:solidFill>
-                <a:srgbClr val="00FF00"/>
-              </a:solidFill>
-              <a:latin typeface="Courier New"/>
-              <a:ea typeface="Courier New"/>
-              <a:cs typeface="Courier New"/>
-              <a:sym typeface="Courier New"/>
-            </a:endParaRPr>
-          </a:p>
-          <a:p>
-            <a:pPr marL="0" lvl="0" indent="0" algn="l" rtl="0">
-              <a:spcBef>
-                <a:spcPts val="0"/>
-              </a:spcBef>
-              <a:spcAft>
-                <a:spcPts val="0"/>
-              </a:spcAft>
-              <a:buNone/>
-            </a:pPr>
-            <a:r>
-              <a:rPr lang="en-US">
-                <a:solidFill>
-                  <a:srgbClr val="00FF00"/>
-                </a:solidFill>
-                <a:latin typeface="Courier New"/>
-                <a:ea typeface="Courier New"/>
-                <a:cs typeface="Courier New"/>
-                <a:sym typeface="Courier New"/>
-              </a:rPr>
-              <a:t>vmstat.gnuplot</a:t>
-            </a:r>
-            <a:endParaRPr>
-              <a:solidFill>
-                <a:srgbClr val="00FF00"/>
-              </a:solidFill>
-              <a:latin typeface="Courier New"/>
-              <a:ea typeface="Courier New"/>
-              <a:cs typeface="Courier New"/>
-              <a:sym typeface="Courier New"/>
-            </a:endParaRPr>
-          </a:p>
-          <a:p>
-            <a:pPr marL="0" lvl="0" indent="0" algn="l" rtl="0">
-              <a:spcBef>
-                <a:spcPts val="0"/>
-              </a:spcBef>
-              <a:spcAft>
-                <a:spcPts val="0"/>
-              </a:spcAft>
-              <a:buNone/>
-            </a:pPr>
-            <a:r>
-              <a:rPr lang="en-US">
-                <a:solidFill>
-                  <a:srgbClr val="00FF00"/>
-                </a:solidFill>
-                <a:latin typeface="Courier New"/>
-                <a:ea typeface="Courier New"/>
-                <a:cs typeface="Courier New"/>
-                <a:sym typeface="Courier New"/>
-              </a:rPr>
-              <a:t>vmstat_history.klc01.txt</a:t>
-            </a:r>
-            <a:endParaRPr>
-              <a:solidFill>
-                <a:srgbClr val="00FF00"/>
-              </a:solidFill>
-              <a:latin typeface="Courier New"/>
-              <a:ea typeface="Courier New"/>
-              <a:cs typeface="Courier New"/>
-              <a:sym typeface="Courier New"/>
-            </a:endParaRPr>
-          </a:p>
-          <a:p>
-            <a:pPr marL="0" lvl="0" indent="0" algn="l" rtl="0">
-              <a:spcBef>
-                <a:spcPts val="0"/>
-              </a:spcBef>
-              <a:spcAft>
-                <a:spcPts val="0"/>
-              </a:spcAft>
-              <a:buNone/>
-            </a:pPr>
-            <a:r>
-              <a:rPr lang="en-US">
-                <a:solidFill>
-                  <a:srgbClr val="00FF00"/>
-                </a:solidFill>
-                <a:latin typeface="Courier New"/>
-                <a:ea typeface="Courier New"/>
-                <a:cs typeface="Courier New"/>
-                <a:sym typeface="Courier New"/>
-              </a:rPr>
-              <a:t>vmstat_history.klc02.txt</a:t>
-            </a:r>
-            <a:endParaRPr>
-              <a:solidFill>
-                <a:srgbClr val="00FF00"/>
-              </a:solidFill>
-              <a:latin typeface="Courier New"/>
-              <a:ea typeface="Courier New"/>
-              <a:cs typeface="Courier New"/>
-              <a:sym typeface="Courier New"/>
-            </a:endParaRPr>
-          </a:p>
-          <a:p>
-            <a:pPr marL="0" lvl="0" indent="0" algn="l" rtl="0">
-              <a:spcBef>
-                <a:spcPts val="0"/>
-              </a:spcBef>
-              <a:spcAft>
-                <a:spcPts val="0"/>
-              </a:spcAft>
-              <a:buNone/>
-            </a:pPr>
-            <a:r>
-              <a:rPr lang="en-US">
-                <a:solidFill>
-                  <a:srgbClr val="00FF00"/>
-                </a:solidFill>
-                <a:latin typeface="Courier New"/>
-                <a:ea typeface="Courier New"/>
-                <a:cs typeface="Courier New"/>
-                <a:sym typeface="Courier New"/>
-              </a:rPr>
-              <a:t>vmstat_history.klc03.txt</a:t>
-            </a:r>
-            <a:endParaRPr>
-              <a:solidFill>
-                <a:srgbClr val="00FF00"/>
-              </a:solidFill>
-              <a:latin typeface="Courier New"/>
-              <a:ea typeface="Courier New"/>
-              <a:cs typeface="Courier New"/>
-              <a:sym typeface="Courier New"/>
-            </a:endParaRPr>
-          </a:p>
-          <a:p>
-            <a:pPr marL="0" lvl="0" indent="0" algn="l" rtl="0">
-              <a:spcBef>
-                <a:spcPts val="0"/>
-              </a:spcBef>
-              <a:spcAft>
-                <a:spcPts val="0"/>
-              </a:spcAft>
-              <a:buNone/>
-            </a:pPr>
-            <a:r>
-              <a:rPr lang="en-US">
-                <a:solidFill>
-                  <a:srgbClr val="00FF00"/>
-                </a:solidFill>
-                <a:latin typeface="Courier New"/>
-                <a:ea typeface="Courier New"/>
-                <a:cs typeface="Courier New"/>
-                <a:sym typeface="Courier New"/>
-              </a:rPr>
-              <a:t>vmstat_history.klc04.txt</a:t>
-            </a:r>
-            <a:endParaRPr>
-              <a:solidFill>
-                <a:srgbClr val="00FF00"/>
-              </a:solidFill>
-              <a:latin typeface="Courier New"/>
-              <a:ea typeface="Courier New"/>
-              <a:cs typeface="Courier New"/>
-              <a:sym typeface="Courier New"/>
-            </a:endParaRPr>
-          </a:p>
-          <a:p>
-            <a:pPr marL="0" lvl="0" indent="0" algn="l" rtl="0">
-              <a:spcBef>
-                <a:spcPts val="0"/>
-              </a:spcBef>
-              <a:spcAft>
-                <a:spcPts val="0"/>
-              </a:spcAft>
-              <a:buNone/>
-            </a:pPr>
-            <a:r>
-              <a:rPr lang="en-US">
-                <a:solidFill>
-                  <a:srgbClr val="00FF00"/>
-                </a:solidFill>
-                <a:latin typeface="Courier New"/>
-                <a:ea typeface="Courier New"/>
-                <a:cs typeface="Courier New"/>
-                <a:sym typeface="Courier New"/>
-              </a:rPr>
-              <a:t>vmstat_history.klc05.txt</a:t>
-            </a:r>
-            <a:endParaRPr>
-              <a:solidFill>
-                <a:srgbClr val="00FF00"/>
-              </a:solidFill>
-              <a:latin typeface="Courier New"/>
-              <a:ea typeface="Courier New"/>
-              <a:cs typeface="Courier New"/>
-              <a:sym typeface="Courier New"/>
-            </a:endParaRPr>
-          </a:p>
-          <a:p>
-            <a:pPr marL="0" lvl="0" indent="0" algn="l" rtl="0">
-              <a:spcBef>
-                <a:spcPts val="0"/>
-              </a:spcBef>
-              <a:spcAft>
-                <a:spcPts val="0"/>
-              </a:spcAft>
-              <a:buNone/>
-            </a:pPr>
-            <a:r>
-              <a:rPr lang="en-US">
-                <a:solidFill>
-                  <a:srgbClr val="00FF00"/>
-                </a:solidFill>
-                <a:latin typeface="Courier New"/>
-                <a:ea typeface="Courier New"/>
-                <a:cs typeface="Courier New"/>
-                <a:sym typeface="Courier New"/>
-              </a:rPr>
-              <a:t>vmstat.png</a:t>
-            </a:r>
-            <a:endParaRPr>
-              <a:solidFill>
-                <a:srgbClr val="00FF00"/>
-              </a:solidFill>
-              <a:latin typeface="Courier New"/>
-              <a:ea typeface="Courier New"/>
-              <a:cs typeface="Courier New"/>
-              <a:sym typeface="Courier New"/>
-            </a:endParaRPr>
-          </a:p>
-          <a:p>
-            <a:pPr marL="0" lvl="0" indent="0" algn="l" rtl="0">
-              <a:spcBef>
-                <a:spcPts val="0"/>
-              </a:spcBef>
-              <a:spcAft>
-                <a:spcPts val="0"/>
-              </a:spcAft>
-              <a:buNone/>
-            </a:pPr>
-            <a:endParaRPr>
-              <a:solidFill>
-                <a:schemeClr val="dk1"/>
-              </a:solidFill>
-              <a:latin typeface="Courier New"/>
-              <a:ea typeface="Courier New"/>
-              <a:cs typeface="Courier New"/>
-              <a:sym typeface="Courier New"/>
-            </a:endParaRPr>
-          </a:p>
-        </p:txBody>
-      </p:sp>
-      <p:sp>
-        <p:nvSpPr>
-          <p:cNvPr id="2" name="Slide Number Placeholder 1"/>
-          <p:cNvSpPr>
-            <a:spLocks noGrp="1"/>
-          </p:cNvSpPr>
-          <p:nvPr>
-            <p:ph type="sldNum" idx="12"/>
-          </p:nvPr>
-        </p:nvSpPr>
-        <p:spPr/>
-        <p:txBody>
-          <a:bodyPr/>
-          <a:lstStyle/>
-          <a:p>
-            <a:pPr marL="0" lvl="0" indent="0" algn="r" rtl="0">
-              <a:spcBef>
-                <a:spcPts val="0"/>
-              </a:spcBef>
-              <a:spcAft>
-                <a:spcPts val="0"/>
-              </a:spcAft>
-              <a:buNone/>
-            </a:pPr>
-            <a:fld id="{00000000-1234-1234-1234-123412341234}" type="slidenum">
-              <a:rPr lang="en-US" smtClean="0"/>
-              <a:t>10</a:t>
-            </a:fld>
-            <a:endParaRPr lang="en-US"/>
-          </a:p>
-        </p:txBody>
-      </p:sp>
-    </p:spTree>
-  </p:cSld>
-  <p:clrMapOvr>
-    <a:masterClrMapping/>
-  </p:clrMapOvr>
-</p:sld>
-</file>
-
-<file path=ppt/slides/slide11.xml><?xml version="1.0" encoding="utf-8"?>
 <p:sld xmlns:a="http://schemas.openxmlformats.org/drawingml/2006/main" xmlns:r="http://schemas.openxmlformats.org/officeDocument/2006/relationships" xmlns:p="http://schemas.openxmlformats.org/presentationml/2006/main">
   <p:cSld>
     <p:spTree>
@@ -17767,7 +15482,7 @@
             </a:pPr>
             <a:fld id="{00000000-1234-1234-1234-123412341234}" type="slidenum">
               <a:rPr lang="en-US" smtClean="0"/>
-              <a:t>11</a:t>
+              <a:t>10</a:t>
             </a:fld>
             <a:endParaRPr lang="en-US"/>
           </a:p>
@@ -17781,7 +15496,7 @@
 </p:sld>
 </file>
 
-<file path=ppt/slides/slide12.xml><?xml version="1.0" encoding="utf-8"?>
+<file path=ppt/slides/slide11.xml><?xml version="1.0" encoding="utf-8"?>
 <p:sld xmlns:a="http://schemas.openxmlformats.org/drawingml/2006/main" xmlns:r="http://schemas.openxmlformats.org/officeDocument/2006/relationships" xmlns:p="http://schemas.openxmlformats.org/presentationml/2006/main">
   <p:cSld>
     <p:spTree>
@@ -18437,7 +16152,7 @@
             </a:pPr>
             <a:fld id="{00000000-1234-1234-1234-123412341234}" type="slidenum">
               <a:rPr lang="en-US" dirty="0" smtClean="0"/>
-              <a:t>12</a:t>
+              <a:t>11</a:t>
             </a:fld>
             <a:endParaRPr lang="en-US" dirty="0"/>
           </a:p>
@@ -18695,7 +16410,7 @@
 </p:sld>
 </file>
 
-<file path=ppt/slides/slide13.xml><?xml version="1.0" encoding="utf-8"?>
+<file path=ppt/slides/slide12.xml><?xml version="1.0" encoding="utf-8"?>
 <p:sld xmlns:a="http://schemas.openxmlformats.org/drawingml/2006/main" xmlns:r="http://schemas.openxmlformats.org/officeDocument/2006/relationships" xmlns:p="http://schemas.openxmlformats.org/presentationml/2006/main">
   <p:cSld>
     <p:spTree>
@@ -19523,7 +17238,7 @@
             </a:pPr>
             <a:fld id="{00000000-1234-1234-1234-123412341234}" type="slidenum">
               <a:rPr lang="en-US" smtClean="0"/>
-              <a:t>13</a:t>
+              <a:t>12</a:t>
             </a:fld>
             <a:endParaRPr lang="en-US"/>
           </a:p>
@@ -19537,7 +17252,7 @@
 </p:sld>
 </file>
 
-<file path=ppt/slides/slide14.xml><?xml version="1.0" encoding="utf-8"?>
+<file path=ppt/slides/slide13.xml><?xml version="1.0" encoding="utf-8"?>
 <p:sld xmlns:a="http://schemas.openxmlformats.org/drawingml/2006/main" xmlns:r="http://schemas.openxmlformats.org/officeDocument/2006/relationships" xmlns:p="http://schemas.openxmlformats.org/presentationml/2006/main">
   <p:cSld>
     <p:spTree>
@@ -19684,7 +17399,7 @@
             </a:pPr>
             <a:fld id="{00000000-1234-1234-1234-123412341234}" type="slidenum">
               <a:rPr lang="en-US" smtClean="0"/>
-              <a:t>14</a:t>
+              <a:t>13</a:t>
             </a:fld>
             <a:endParaRPr lang="en-US"/>
           </a:p>
@@ -19796,6 +17511,586 @@
         </p:txBody>
       </p:sp>
     </p:spTree>
+  </p:cSld>
+  <p:clrMapOvr>
+    <a:masterClrMapping/>
+  </p:clrMapOvr>
+</p:sld>
+</file>
+
+<file path=ppt/slides/slide14.xml><?xml version="1.0" encoding="utf-8"?>
+<p:sld xmlns:a="http://schemas.openxmlformats.org/drawingml/2006/main" xmlns:r="http://schemas.openxmlformats.org/officeDocument/2006/relationships" xmlns:p="http://schemas.openxmlformats.org/presentationml/2006/main">
+  <p:cSld>
+    <p:spTree>
+      <p:nvGrpSpPr>
+        <p:cNvPr id="1" name="Shape 249"/>
+        <p:cNvGrpSpPr/>
+        <p:nvPr/>
+      </p:nvGrpSpPr>
+      <p:grpSpPr>
+        <a:xfrm>
+          <a:off x="0" y="0"/>
+          <a:ext cx="0" cy="0"/>
+          <a:chOff x="0" y="0"/>
+          <a:chExt cx="0" cy="0"/>
+        </a:xfrm>
+      </p:grpSpPr>
+      <p:sp>
+        <p:nvSpPr>
+          <p:cNvPr id="250" name="Google Shape;250;p28"/>
+          <p:cNvSpPr txBox="1">
+            <a:spLocks noGrp="1"/>
+          </p:cNvSpPr>
+          <p:nvPr>
+            <p:ph type="title"/>
+          </p:nvPr>
+        </p:nvSpPr>
+        <p:spPr>
+          <a:xfrm>
+            <a:off x="457200" y="0"/>
+            <a:ext cx="8645844" cy="1143000"/>
+          </a:xfrm>
+          <a:prstGeom prst="rect">
+            <a:avLst/>
+          </a:prstGeom>
+          <a:noFill/>
+          <a:ln>
+            <a:noFill/>
+          </a:ln>
+        </p:spPr>
+        <p:txBody>
+          <a:bodyPr spcFirstLastPara="1" wrap="square" lIns="91425" tIns="45700" rIns="91425" bIns="45700" anchor="ctr" anchorCtr="0">
+            <a:noAutofit/>
+          </a:bodyPr>
+          <a:lstStyle/>
+          <a:p>
+            <a:r>
+              <a:rPr lang="en-US" dirty="0"/>
+              <a:t>One Way People Repeat Themselves</a:t>
+            </a:r>
+          </a:p>
+        </p:txBody>
+      </p:sp>
+      <p:sp>
+        <p:nvSpPr>
+          <p:cNvPr id="251" name="Google Shape;251;p28"/>
+          <p:cNvSpPr txBox="1">
+            <a:spLocks noGrp="1"/>
+          </p:cNvSpPr>
+          <p:nvPr>
+            <p:ph type="ftr" idx="11"/>
+          </p:nvPr>
+        </p:nvSpPr>
+        <p:spPr>
+          <a:xfrm>
+            <a:off x="4572000" y="6506896"/>
+            <a:ext cx="4114800" cy="365100"/>
+          </a:xfrm>
+          <a:prstGeom prst="rect">
+            <a:avLst/>
+          </a:prstGeom>
+          <a:noFill/>
+          <a:ln>
+            <a:noFill/>
+          </a:ln>
+        </p:spPr>
+        <p:txBody>
+          <a:bodyPr spcFirstLastPara="1" wrap="square" lIns="91425" tIns="45700" rIns="91425" bIns="45700" anchor="ctr" anchorCtr="0">
+            <a:noAutofit/>
+          </a:bodyPr>
+          <a:lstStyle/>
+          <a:p>
+            <a:pPr marL="0" lvl="0" indent="0" algn="r" rtl="0">
+              <a:lnSpc>
+                <a:spcPct val="100000"/>
+              </a:lnSpc>
+              <a:spcBef>
+                <a:spcPts val="0"/>
+              </a:spcBef>
+              <a:spcAft>
+                <a:spcPts val="0"/>
+              </a:spcAft>
+              <a:buSzPts val="1400"/>
+              <a:buNone/>
+            </a:pPr>
+            <a:r>
+              <a:rPr lang="en-US"/>
+              <a:t>Reproducibility Principles</a:t>
+            </a:r>
+            <a:endParaRPr/>
+          </a:p>
+        </p:txBody>
+      </p:sp>
+      <p:sp>
+        <p:nvSpPr>
+          <p:cNvPr id="253" name="Google Shape;253;p28"/>
+          <p:cNvSpPr txBox="1"/>
+          <p:nvPr/>
+        </p:nvSpPr>
+        <p:spPr>
+          <a:xfrm>
+            <a:off x="390525" y="1104900"/>
+            <a:ext cx="8020050" cy="3651975"/>
+          </a:xfrm>
+          <a:prstGeom prst="rect">
+            <a:avLst/>
+          </a:prstGeom>
+          <a:solidFill>
+            <a:schemeClr val="tx1"/>
+          </a:solidFill>
+          <a:ln>
+            <a:noFill/>
+          </a:ln>
+        </p:spPr>
+        <p:txBody>
+          <a:bodyPr spcFirstLastPara="1" wrap="square" lIns="91425" tIns="91425" rIns="91425" bIns="91425" anchor="t" anchorCtr="0">
+            <a:noAutofit/>
+          </a:bodyPr>
+          <a:lstStyle/>
+          <a:p>
+            <a:pPr marL="114300">
+              <a:buSzPts val="1800"/>
+            </a:pPr>
+            <a:r>
+              <a:rPr lang="en-US" sz="1600" dirty="0">
+                <a:solidFill>
+                  <a:srgbClr val="14C764"/>
+                </a:solidFill>
+                <a:latin typeface="Consolas"/>
+              </a:rPr>
+              <a:t>use "/</a:t>
+            </a:r>
+            <a:r>
+              <a:rPr lang="en-US" sz="1600" dirty="0" err="1">
+                <a:solidFill>
+                  <a:srgbClr val="14C764"/>
+                </a:solidFill>
+                <a:latin typeface="Consolas"/>
+              </a:rPr>
+              <a:t>rawdata</a:t>
+            </a:r>
+            <a:r>
+              <a:rPr lang="en-US" sz="1600" dirty="0">
+                <a:solidFill>
+                  <a:srgbClr val="14C764"/>
+                </a:solidFill>
+                <a:latin typeface="Consolas"/>
+              </a:rPr>
+              <a:t>/</a:t>
+            </a:r>
+            <a:r>
+              <a:rPr lang="en-US" sz="1600" b="1" dirty="0">
+                <a:solidFill>
+                  <a:srgbClr val="FFFF00"/>
+                </a:solidFill>
+                <a:latin typeface="Consolas"/>
+              </a:rPr>
+              <a:t>2018</a:t>
+            </a:r>
+            <a:r>
+              <a:rPr lang="en-US" sz="1600" dirty="0">
+                <a:solidFill>
+                  <a:srgbClr val="14C764"/>
+                </a:solidFill>
+                <a:latin typeface="Consolas"/>
+              </a:rPr>
+              <a:t>/</a:t>
+            </a:r>
+            <a:r>
+              <a:rPr lang="en-US" sz="1600" dirty="0" err="1">
+                <a:solidFill>
+                  <a:srgbClr val="14C764"/>
+                </a:solidFill>
+                <a:latin typeface="Consolas"/>
+              </a:rPr>
+              <a:t>wages.dta</a:t>
+            </a:r>
+            <a:r>
+              <a:rPr lang="en-US" sz="1600" dirty="0">
+                <a:solidFill>
+                  <a:srgbClr val="14C764"/>
+                </a:solidFill>
+                <a:latin typeface="Consolas"/>
+              </a:rPr>
+              <a:t>, clear</a:t>
+            </a:r>
+          </a:p>
+          <a:p>
+            <a:pPr marL="114300">
+              <a:buSzPts val="1800"/>
+            </a:pPr>
+            <a:r>
+              <a:rPr lang="en-US" sz="1600" dirty="0">
+                <a:solidFill>
+                  <a:srgbClr val="14C764"/>
+                </a:solidFill>
+                <a:latin typeface="Consolas"/>
+              </a:rPr>
+              <a:t>keep if </a:t>
+            </a:r>
+            <a:r>
+              <a:rPr lang="en-US" sz="1600" dirty="0" err="1">
+                <a:solidFill>
+                  <a:srgbClr val="14C764"/>
+                </a:solidFill>
+                <a:latin typeface="Consolas"/>
+              </a:rPr>
+              <a:t>taxyear</a:t>
+            </a:r>
+            <a:r>
+              <a:rPr lang="en-US" sz="1600" dirty="0">
+                <a:solidFill>
+                  <a:srgbClr val="14C764"/>
+                </a:solidFill>
+                <a:latin typeface="Consolas"/>
+              </a:rPr>
+              <a:t> == </a:t>
+            </a:r>
+            <a:r>
+              <a:rPr lang="en-US" sz="1600" dirty="0">
+                <a:solidFill>
+                  <a:srgbClr val="FFFF00"/>
+                </a:solidFill>
+                <a:latin typeface="Consolas"/>
+              </a:rPr>
+              <a:t>2018</a:t>
+            </a:r>
+          </a:p>
+          <a:p>
+            <a:pPr marL="114300">
+              <a:buSzPts val="1800"/>
+            </a:pPr>
+            <a:r>
+              <a:rPr lang="en-US" sz="1600" dirty="0">
+                <a:solidFill>
+                  <a:srgbClr val="14C764"/>
+                </a:solidFill>
+                <a:latin typeface="Consolas"/>
+              </a:rPr>
+              <a:t>generate </a:t>
+            </a:r>
+            <a:r>
+              <a:rPr lang="en-US" sz="1600" dirty="0" err="1">
+                <a:solidFill>
+                  <a:srgbClr val="14C764"/>
+                </a:solidFill>
+                <a:latin typeface="Consolas"/>
+              </a:rPr>
+              <a:t>lnwage</a:t>
+            </a:r>
+            <a:r>
+              <a:rPr lang="en-US" sz="1600" dirty="0">
+                <a:solidFill>
+                  <a:srgbClr val="14C764"/>
+                </a:solidFill>
+                <a:latin typeface="Consolas"/>
+              </a:rPr>
+              <a:t> = ln(wage)</a:t>
+            </a:r>
+          </a:p>
+          <a:p>
+            <a:pPr marL="114300">
+              <a:buSzPts val="1800"/>
+            </a:pPr>
+            <a:endParaRPr lang="en-US" sz="1600" dirty="0">
+              <a:solidFill>
+                <a:srgbClr val="14C764"/>
+              </a:solidFill>
+              <a:latin typeface="Consolas"/>
+            </a:endParaRPr>
+          </a:p>
+          <a:p>
+            <a:pPr marL="114300">
+              <a:buSzPts val="1800"/>
+            </a:pPr>
+            <a:r>
+              <a:rPr lang="en-US" sz="1600" dirty="0">
+                <a:solidFill>
+                  <a:srgbClr val="14C764"/>
+                </a:solidFill>
+                <a:latin typeface="Consolas"/>
+              </a:rPr>
+              <a:t>Scatter </a:t>
+            </a:r>
+            <a:r>
+              <a:rPr lang="en-US" sz="1600" err="1">
+                <a:solidFill>
+                  <a:srgbClr val="14C764"/>
+                </a:solidFill>
+                <a:latin typeface="Consolas"/>
+              </a:rPr>
+              <a:t>lnwage</a:t>
+            </a:r>
+            <a:r>
+              <a:rPr lang="en-US" sz="1600">
+                <a:solidFill>
+                  <a:srgbClr val="14C764"/>
+                </a:solidFill>
+                <a:latin typeface="Consolas"/>
+              </a:rPr>
+              <a:t> tenure, title("ln(wages) versus Tenure, </a:t>
+            </a:r>
+            <a:r>
+              <a:rPr lang="en-US" sz="1600" dirty="0">
+                <a:solidFill>
+                  <a:srgbClr val="FFFF00"/>
+                </a:solidFill>
+                <a:latin typeface="Consolas"/>
+              </a:rPr>
+              <a:t>2018</a:t>
+            </a:r>
+            <a:r>
+              <a:rPr lang="en-US" sz="1600" dirty="0">
+                <a:solidFill>
+                  <a:srgbClr val="14C764"/>
+                </a:solidFill>
+                <a:latin typeface="Consolas"/>
+              </a:rPr>
+              <a:t>")</a:t>
+            </a:r>
+          </a:p>
+          <a:p>
+            <a:pPr marL="114300">
+              <a:buSzPts val="1800"/>
+            </a:pPr>
+            <a:endParaRPr lang="en-US" sz="1600" dirty="0">
+              <a:solidFill>
+                <a:srgbClr val="14C764"/>
+              </a:solidFill>
+              <a:latin typeface="Consolas"/>
+            </a:endParaRPr>
+          </a:p>
+          <a:p>
+            <a:pPr marL="114300">
+              <a:buSzPts val="1800"/>
+            </a:pPr>
+            <a:r>
+              <a:rPr lang="en-US" sz="1600" dirty="0">
+                <a:solidFill>
+                  <a:srgbClr val="14C764"/>
+                </a:solidFill>
+                <a:latin typeface="Consolas"/>
+              </a:rPr>
+              <a:t>regress </a:t>
+            </a:r>
+            <a:r>
+              <a:rPr lang="en-US" sz="1600" dirty="0" err="1">
+                <a:solidFill>
+                  <a:srgbClr val="14C764"/>
+                </a:solidFill>
+                <a:latin typeface="Consolas"/>
+              </a:rPr>
+              <a:t>lnwage</a:t>
+            </a:r>
+            <a:r>
+              <a:rPr lang="en-US" sz="1600" dirty="0">
+                <a:solidFill>
+                  <a:srgbClr val="14C764"/>
+                </a:solidFill>
+                <a:latin typeface="Consolas"/>
+              </a:rPr>
+              <a:t> educ gender tenure</a:t>
+            </a:r>
+          </a:p>
+          <a:p>
+            <a:pPr marL="114300">
+              <a:buSzPts val="1800"/>
+            </a:pPr>
+            <a:r>
+              <a:rPr lang="en-US" sz="1600" dirty="0" err="1">
+                <a:solidFill>
+                  <a:srgbClr val="14C764"/>
+                </a:solidFill>
+                <a:latin typeface="Consolas"/>
+              </a:rPr>
+              <a:t>regsave</a:t>
+            </a:r>
+            <a:r>
+              <a:rPr lang="en-US" sz="1600" dirty="0">
+                <a:solidFill>
+                  <a:srgbClr val="14C764"/>
+                </a:solidFill>
+                <a:latin typeface="Consolas"/>
+              </a:rPr>
+              <a:t> educ gender tenure using results, </a:t>
+            </a:r>
+          </a:p>
+          <a:p>
+            <a:pPr marL="114300">
+              <a:buSzPts val="1800"/>
+            </a:pPr>
+            <a:r>
+              <a:rPr lang="en-US" sz="1600" dirty="0">
+                <a:solidFill>
+                  <a:srgbClr val="14C764"/>
+                </a:solidFill>
+                <a:latin typeface="Consolas"/>
+              </a:rPr>
+              <a:t>  table(</a:t>
+            </a:r>
+            <a:r>
+              <a:rPr lang="en-US" sz="1600" dirty="0" err="1">
+                <a:solidFill>
+                  <a:srgbClr val="14C764"/>
+                </a:solidFill>
+                <a:latin typeface="Consolas"/>
+              </a:rPr>
+              <a:t>OLS_stderr</a:t>
+            </a:r>
+            <a:r>
+              <a:rPr lang="en-US" sz="1600" dirty="0">
+                <a:solidFill>
+                  <a:srgbClr val="14C764"/>
+                </a:solidFill>
+                <a:latin typeface="Consolas"/>
+              </a:rPr>
+              <a:t>, order(</a:t>
+            </a:r>
+            <a:r>
+              <a:rPr lang="en-US" sz="1600" dirty="0" err="1">
+                <a:solidFill>
+                  <a:srgbClr val="14C764"/>
+                </a:solidFill>
+                <a:latin typeface="Consolas"/>
+              </a:rPr>
+              <a:t>regvars</a:t>
+            </a:r>
+            <a:r>
+              <a:rPr lang="en-US" sz="1600" dirty="0">
+                <a:solidFill>
+                  <a:srgbClr val="14C764"/>
+                </a:solidFill>
+                <a:latin typeface="Consolas"/>
+              </a:rPr>
+              <a:t> r2))</a:t>
+            </a:r>
+            <a:endParaRPr lang="en-US"/>
+          </a:p>
+          <a:p>
+            <a:pPr marL="114300">
+              <a:buSzPts val="1800"/>
+            </a:pPr>
+            <a:r>
+              <a:rPr lang="en-US" sz="1600" dirty="0">
+                <a:solidFill>
+                  <a:srgbClr val="14C764"/>
+                </a:solidFill>
+                <a:latin typeface="Consolas"/>
+              </a:rPr>
+              <a:t>replace</a:t>
+            </a:r>
+          </a:p>
+          <a:p>
+            <a:pPr marL="114300">
+              <a:buSzPts val="1800"/>
+            </a:pPr>
+            <a:r>
+              <a:rPr lang="en-US" sz="1600" dirty="0">
+                <a:solidFill>
+                  <a:srgbClr val="14C764"/>
+                </a:solidFill>
+                <a:latin typeface="Consolas"/>
+              </a:rPr>
+              <a:t>use results, clear</a:t>
+            </a:r>
+          </a:p>
+          <a:p>
+            <a:pPr marL="114300">
+              <a:buSzPts val="1800"/>
+            </a:pPr>
+            <a:r>
+              <a:rPr lang="en-US" sz="1600" dirty="0" err="1">
+                <a:solidFill>
+                  <a:srgbClr val="14C764"/>
+                </a:solidFill>
+                <a:latin typeface="Consolas"/>
+              </a:rPr>
+              <a:t>outsheet</a:t>
+            </a:r>
+            <a:r>
+              <a:rPr lang="en-US" sz="1600" dirty="0">
+                <a:solidFill>
+                  <a:srgbClr val="14C764"/>
+                </a:solidFill>
+                <a:latin typeface="Consolas"/>
+              </a:rPr>
+              <a:t> using results_</a:t>
+            </a:r>
+            <a:r>
+              <a:rPr lang="en-US" sz="1600" dirty="0">
+                <a:solidFill>
+                  <a:srgbClr val="FFFF00"/>
+                </a:solidFill>
+                <a:latin typeface="Consolas"/>
+              </a:rPr>
+              <a:t>2018</a:t>
+            </a:r>
+            <a:r>
+              <a:rPr lang="en-US" sz="1600" dirty="0">
+                <a:solidFill>
+                  <a:srgbClr val="14C764"/>
+                </a:solidFill>
+                <a:latin typeface="Consolas"/>
+              </a:rPr>
+              <a:t>.txt, replace</a:t>
+            </a:r>
+          </a:p>
+          <a:p>
+            <a:pPr marL="114300">
+              <a:buSzPts val="1800"/>
+            </a:pPr>
+            <a:endParaRPr lang="en-US" sz="1800" dirty="0">
+              <a:solidFill>
+                <a:srgbClr val="14C764"/>
+              </a:solidFill>
+            </a:endParaRPr>
+          </a:p>
+          <a:p>
+            <a:pPr marL="114300">
+              <a:buSzPts val="1800"/>
+            </a:pPr>
+            <a:endParaRPr lang="en-US"/>
+          </a:p>
+        </p:txBody>
+      </p:sp>
+      <p:sp>
+        <p:nvSpPr>
+          <p:cNvPr id="2" name="Slide Number Placeholder 1"/>
+          <p:cNvSpPr>
+            <a:spLocks noGrp="1"/>
+          </p:cNvSpPr>
+          <p:nvPr>
+            <p:ph type="sldNum" idx="12"/>
+          </p:nvPr>
+        </p:nvSpPr>
+        <p:spPr/>
+        <p:txBody>
+          <a:bodyPr/>
+          <a:lstStyle/>
+          <a:p>
+            <a:pPr marL="0" lvl="0" indent="0" algn="r" rtl="0">
+              <a:spcBef>
+                <a:spcPts val="0"/>
+              </a:spcBef>
+              <a:spcAft>
+                <a:spcPts val="0"/>
+              </a:spcAft>
+              <a:buNone/>
+            </a:pPr>
+            <a:fld id="{00000000-1234-1234-1234-123412341234}" type="slidenum">
+              <a:rPr lang="en-US" smtClean="0"/>
+              <a:t>14</a:t>
+            </a:fld>
+            <a:endParaRPr lang="en-US"/>
+          </a:p>
+        </p:txBody>
+      </p:sp>
+    </p:spTree>
+    <p:extLst>
+      <p:ext uri="{BB962C8B-B14F-4D97-AF65-F5344CB8AC3E}">
+        <p14:creationId xmlns:p14="http://schemas.microsoft.com/office/powerpoint/2010/main" val="679406833"/>
+      </p:ext>
+    </p:extLst>
   </p:cSld>
   <p:clrMapOvr>
     <a:masterClrMapping/>
@@ -19849,9 +18144,12 @@
           </a:bodyPr>
           <a:lstStyle/>
           <a:p>
+            <a:pPr>
+              <a:buSzPts val="3200"/>
+            </a:pPr>
             <a:r>
               <a:rPr lang="en-US" dirty="0"/>
-              <a:t>One Way People Repeat Themselves</a:t>
+              <a:t>Get It Right The First Time</a:t>
             </a:r>
           </a:p>
         </p:txBody>
@@ -19914,15 +18212,13 @@
         </p:nvSpPr>
         <p:spPr>
           <a:xfrm>
-            <a:off x="390525" y="1104900"/>
-            <a:ext cx="8020050" cy="3651975"/>
+            <a:off x="457200" y="1143000"/>
+            <a:ext cx="8229600" cy="4956900"/>
           </a:xfrm>
           <a:prstGeom prst="rect">
             <a:avLst/>
           </a:prstGeom>
-          <a:solidFill>
-            <a:schemeClr val="tx1"/>
-          </a:solidFill>
+          <a:noFill/>
           <a:ln>
             <a:noFill/>
           </a:ln>
@@ -19933,408 +18229,131 @@
           </a:bodyPr>
           <a:lstStyle/>
           <a:p>
+            <a:pPr marL="114300" lvl="0" algn="l" rtl="0">
+              <a:spcBef>
+                <a:spcPts val="0"/>
+              </a:spcBef>
+              <a:spcAft>
+                <a:spcPts val="0"/>
+              </a:spcAft>
+              <a:buSzPts val="1800"/>
+            </a:pPr>
+            <a:endParaRPr lang="en-US" sz="1800" dirty="0"/>
+          </a:p>
+          <a:p>
+            <a:pPr marL="114300" lvl="0" algn="l" rtl="0">
+              <a:spcBef>
+                <a:spcPts val="0"/>
+              </a:spcBef>
+              <a:spcAft>
+                <a:spcPts val="0"/>
+              </a:spcAft>
+              <a:buSzPts val="1800"/>
+            </a:pPr>
+            <a:endParaRPr lang="en-US" sz="1800" dirty="0"/>
+          </a:p>
+          <a:p>
             <a:pPr marL="114300">
               <a:buSzPts val="1800"/>
             </a:pPr>
             <a:r>
-              <a:rPr lang="en-US" sz="1600" dirty="0">
-                <a:solidFill>
-                  <a:srgbClr val="14C764"/>
-                </a:solidFill>
-                <a:latin typeface="Consolas"/>
-              </a:rPr>
-              <a:t>use "/</a:t>
-            </a:r>
-            <a:r>
-              <a:rPr lang="en-US" sz="1600" dirty="0" err="1">
-                <a:solidFill>
-                  <a:srgbClr val="14C764"/>
-                </a:solidFill>
-                <a:latin typeface="Consolas"/>
-              </a:rPr>
-              <a:t>rawdata</a:t>
-            </a:r>
-            <a:r>
-              <a:rPr lang="en-US" sz="1600" dirty="0">
-                <a:solidFill>
-                  <a:srgbClr val="14C764"/>
-                </a:solidFill>
-                <a:latin typeface="Consolas"/>
-              </a:rPr>
-              <a:t>/</a:t>
-            </a:r>
-            <a:r>
-              <a:rPr lang="en-US" sz="1600" b="1" dirty="0">
-                <a:solidFill>
-                  <a:srgbClr val="FFFF00"/>
-                </a:solidFill>
-                <a:latin typeface="Consolas"/>
-              </a:rPr>
-              <a:t>2018</a:t>
-            </a:r>
-            <a:r>
-              <a:rPr lang="en-US" sz="1600" dirty="0">
-                <a:solidFill>
-                  <a:srgbClr val="14C764"/>
-                </a:solidFill>
-                <a:latin typeface="Consolas"/>
-              </a:rPr>
-              <a:t>/</a:t>
-            </a:r>
-            <a:r>
-              <a:rPr lang="en-US" sz="1600" dirty="0" err="1">
-                <a:solidFill>
-                  <a:srgbClr val="14C764"/>
-                </a:solidFill>
-                <a:latin typeface="Consolas"/>
-              </a:rPr>
-              <a:t>wages.dta</a:t>
-            </a:r>
-            <a:r>
-              <a:rPr lang="en-US" sz="1600" dirty="0">
-                <a:solidFill>
-                  <a:srgbClr val="14C764"/>
-                </a:solidFill>
-                <a:latin typeface="Consolas"/>
-              </a:rPr>
-              <a:t>, clear</a:t>
+              <a:rPr lang="en-US" sz="1800" dirty="0"/>
+              <a:t>Make sure what you replicate is correct!</a:t>
             </a:r>
           </a:p>
           <a:p>
             <a:pPr marL="114300">
               <a:buSzPts val="1800"/>
             </a:pPr>
-            <a:r>
-              <a:rPr lang="en-US" sz="1600" dirty="0">
-                <a:solidFill>
-                  <a:srgbClr val="14C764"/>
-                </a:solidFill>
-                <a:latin typeface="Consolas"/>
-              </a:rPr>
-              <a:t>keep if </a:t>
-            </a:r>
-            <a:r>
-              <a:rPr lang="en-US" sz="1600" dirty="0" err="1">
-                <a:solidFill>
-                  <a:srgbClr val="14C764"/>
-                </a:solidFill>
-                <a:latin typeface="Consolas"/>
-              </a:rPr>
-              <a:t>taxyear</a:t>
-            </a:r>
-            <a:r>
-              <a:rPr lang="en-US" sz="1600" dirty="0">
-                <a:solidFill>
-                  <a:srgbClr val="14C764"/>
-                </a:solidFill>
-                <a:latin typeface="Consolas"/>
-              </a:rPr>
-              <a:t> == </a:t>
-            </a:r>
-            <a:r>
-              <a:rPr lang="en-US" sz="1600" dirty="0">
-                <a:solidFill>
-                  <a:srgbClr val="FFFF00"/>
-                </a:solidFill>
-                <a:latin typeface="Consolas"/>
-              </a:rPr>
-              <a:t>2018</a:t>
-            </a:r>
-          </a:p>
-          <a:p>
-            <a:pPr marL="114300">
+            <a:endParaRPr lang="en-US" sz="1800" dirty="0"/>
+          </a:p>
+          <a:p>
+            <a:pPr marL="742950" indent="-285750">
+              <a:buChar char="•"/>
+            </a:pPr>
+            <a:r>
+              <a:rPr lang="en-US" sz="1800" dirty="0"/>
+              <a:t>Break big problems into discrete pieces</a:t>
+            </a:r>
+          </a:p>
+          <a:p>
+            <a:pPr marL="742950" indent="-285750">
+              <a:buChar char="•"/>
+            </a:pPr>
+            <a:r>
+              <a:rPr lang="en-US" sz="1800" dirty="0"/>
+              <a:t>Don't repeat yourself (abstraction)</a:t>
+            </a:r>
+          </a:p>
+          <a:p>
+            <a:pPr marL="742950" indent="-285750">
+              <a:buChar char="•"/>
+            </a:pPr>
+            <a:r>
+              <a:rPr lang="en-US" sz="1800" dirty="0"/>
+              <a:t>Test liberally</a:t>
+            </a:r>
+          </a:p>
+          <a:p>
+            <a:pPr marL="114300" lvl="0" indent="0" algn="l" rtl="0">
+              <a:spcBef>
+                <a:spcPts val="0"/>
+              </a:spcBef>
+              <a:spcAft>
+                <a:spcPts val="0"/>
+              </a:spcAft>
               <a:buSzPts val="1800"/>
-            </a:pPr>
-            <a:r>
-              <a:rPr lang="en-US" sz="1600" dirty="0">
-                <a:solidFill>
-                  <a:srgbClr val="14C764"/>
-                </a:solidFill>
-                <a:latin typeface="Consolas"/>
-              </a:rPr>
-              <a:t>generate </a:t>
-            </a:r>
-            <a:r>
-              <a:rPr lang="en-US" sz="1600" dirty="0" err="1">
-                <a:solidFill>
-                  <a:srgbClr val="14C764"/>
-                </a:solidFill>
-                <a:latin typeface="Consolas"/>
-              </a:rPr>
-              <a:t>lnwage</a:t>
-            </a:r>
-            <a:r>
-              <a:rPr lang="en-US" sz="1600" dirty="0">
-                <a:solidFill>
-                  <a:srgbClr val="14C764"/>
-                </a:solidFill>
-                <a:latin typeface="Consolas"/>
-              </a:rPr>
-              <a:t> = ln(wage)</a:t>
-            </a:r>
-          </a:p>
-          <a:p>
-            <a:pPr marL="114300">
+              <a:buNone/>
+            </a:pPr>
+            <a:endParaRPr lang="en-US" sz="1800" dirty="0"/>
+          </a:p>
+          <a:p>
+            <a:pPr marL="114300" lvl="0" indent="0" algn="l" rtl="0">
+              <a:spcBef>
+                <a:spcPts val="0"/>
+              </a:spcBef>
+              <a:spcAft>
+                <a:spcPts val="0"/>
+              </a:spcAft>
               <a:buSzPts val="1800"/>
-            </a:pPr>
-            <a:endParaRPr lang="en-US" sz="1600" dirty="0">
-              <a:solidFill>
-                <a:srgbClr val="14C764"/>
-              </a:solidFill>
-              <a:latin typeface="Consolas"/>
-            </a:endParaRPr>
-          </a:p>
-          <a:p>
-            <a:pPr marL="114300">
+              <a:buNone/>
+            </a:pPr>
+            <a:endParaRPr lang="en-US" sz="1800" dirty="0"/>
+          </a:p>
+          <a:p>
+            <a:pPr marL="114300" lvl="0" algn="l" rtl="0">
+              <a:spcBef>
+                <a:spcPts val="0"/>
+              </a:spcBef>
+              <a:spcAft>
+                <a:spcPts val="0"/>
+              </a:spcAft>
               <a:buSzPts val="1800"/>
             </a:pPr>
-            <a:r>
-              <a:rPr lang="en-US" sz="1600" dirty="0">
-                <a:solidFill>
-                  <a:srgbClr val="14C764"/>
-                </a:solidFill>
-                <a:latin typeface="Consolas"/>
-              </a:rPr>
-              <a:t>Scatter </a:t>
-            </a:r>
-            <a:r>
-              <a:rPr lang="en-US" sz="1600" err="1">
-                <a:solidFill>
-                  <a:srgbClr val="14C764"/>
-                </a:solidFill>
-                <a:latin typeface="Consolas"/>
-              </a:rPr>
-              <a:t>lnwage</a:t>
-            </a:r>
-            <a:r>
-              <a:rPr lang="en-US" sz="1600">
-                <a:solidFill>
-                  <a:srgbClr val="14C764"/>
-                </a:solidFill>
-                <a:latin typeface="Consolas"/>
-              </a:rPr>
-              <a:t> tenure, title("ln(wages) versus Tenure, </a:t>
-            </a:r>
-            <a:r>
-              <a:rPr lang="en-US" sz="1600" dirty="0">
-                <a:solidFill>
-                  <a:srgbClr val="FFFF00"/>
-                </a:solidFill>
-                <a:latin typeface="Consolas"/>
-              </a:rPr>
-              <a:t>2018</a:t>
-            </a:r>
-            <a:r>
-              <a:rPr lang="en-US" sz="1600" dirty="0">
-                <a:solidFill>
-                  <a:srgbClr val="14C764"/>
-                </a:solidFill>
-                <a:latin typeface="Consolas"/>
-              </a:rPr>
-              <a:t>")</a:t>
-            </a:r>
-          </a:p>
-          <a:p>
-            <a:pPr marL="114300">
-              <a:buSzPts val="1800"/>
-            </a:pPr>
-            <a:endParaRPr lang="en-US" sz="1600" dirty="0">
-              <a:solidFill>
-                <a:srgbClr val="14C764"/>
-              </a:solidFill>
-              <a:latin typeface="Consolas"/>
-            </a:endParaRPr>
-          </a:p>
-          <a:p>
-            <a:pPr marL="114300">
-              <a:buSzPts val="1800"/>
-            </a:pPr>
-            <a:r>
-              <a:rPr lang="en-US" sz="1600" dirty="0">
-                <a:solidFill>
-                  <a:srgbClr val="14C764"/>
-                </a:solidFill>
-                <a:latin typeface="Consolas"/>
-              </a:rPr>
-              <a:t>regress </a:t>
-            </a:r>
-            <a:r>
-              <a:rPr lang="en-US" sz="1600" dirty="0" err="1">
-                <a:solidFill>
-                  <a:srgbClr val="14C764"/>
-                </a:solidFill>
-                <a:latin typeface="Consolas"/>
-              </a:rPr>
-              <a:t>lnwage</a:t>
-            </a:r>
-            <a:r>
-              <a:rPr lang="en-US" sz="1600" dirty="0">
-                <a:solidFill>
-                  <a:srgbClr val="14C764"/>
-                </a:solidFill>
-                <a:latin typeface="Consolas"/>
-              </a:rPr>
-              <a:t> educ gender tenure</a:t>
-            </a:r>
-          </a:p>
-          <a:p>
-            <a:pPr marL="114300">
-              <a:buSzPts val="1800"/>
-            </a:pPr>
-            <a:r>
-              <a:rPr lang="en-US" sz="1600" dirty="0" err="1">
-                <a:solidFill>
-                  <a:srgbClr val="14C764"/>
-                </a:solidFill>
-                <a:latin typeface="Consolas"/>
-              </a:rPr>
-              <a:t>regsave</a:t>
-            </a:r>
-            <a:r>
-              <a:rPr lang="en-US" sz="1600" dirty="0">
-                <a:solidFill>
-                  <a:srgbClr val="14C764"/>
-                </a:solidFill>
-                <a:latin typeface="Consolas"/>
-              </a:rPr>
-              <a:t> educ gender tenure using results, </a:t>
-            </a:r>
-          </a:p>
-          <a:p>
-            <a:pPr marL="114300">
-              <a:buSzPts val="1800"/>
-            </a:pPr>
-            <a:r>
-              <a:rPr lang="en-US" sz="1600" dirty="0">
-                <a:solidFill>
-                  <a:srgbClr val="14C764"/>
-                </a:solidFill>
-                <a:latin typeface="Consolas"/>
-              </a:rPr>
-              <a:t>  table(</a:t>
-            </a:r>
-            <a:r>
-              <a:rPr lang="en-US" sz="1600" dirty="0" err="1">
-                <a:solidFill>
-                  <a:srgbClr val="14C764"/>
-                </a:solidFill>
-                <a:latin typeface="Consolas"/>
-              </a:rPr>
-              <a:t>OLS_stderr</a:t>
-            </a:r>
-            <a:r>
-              <a:rPr lang="en-US" sz="1600" dirty="0">
-                <a:solidFill>
-                  <a:srgbClr val="14C764"/>
-                </a:solidFill>
-                <a:latin typeface="Consolas"/>
-              </a:rPr>
-              <a:t>, order(</a:t>
-            </a:r>
-            <a:r>
-              <a:rPr lang="en-US" sz="1600" dirty="0" err="1">
-                <a:solidFill>
-                  <a:srgbClr val="14C764"/>
-                </a:solidFill>
-                <a:latin typeface="Consolas"/>
-              </a:rPr>
-              <a:t>regvars</a:t>
-            </a:r>
-            <a:r>
-              <a:rPr lang="en-US" sz="1600" dirty="0">
-                <a:solidFill>
-                  <a:srgbClr val="14C764"/>
-                </a:solidFill>
-                <a:latin typeface="Consolas"/>
-              </a:rPr>
-              <a:t> r2))</a:t>
-            </a:r>
-            <a:endParaRPr lang="en-US"/>
-          </a:p>
-          <a:p>
-            <a:pPr marL="114300">
-              <a:buSzPts val="1800"/>
-            </a:pPr>
-            <a:r>
-              <a:rPr lang="en-US" sz="1600" dirty="0">
-                <a:solidFill>
-                  <a:srgbClr val="14C764"/>
-                </a:solidFill>
-                <a:latin typeface="Consolas"/>
-              </a:rPr>
-              <a:t>replace</a:t>
-            </a:r>
-          </a:p>
-          <a:p>
-            <a:pPr marL="114300">
-              <a:buSzPts val="1800"/>
-            </a:pPr>
-            <a:r>
-              <a:rPr lang="en-US" sz="1600" dirty="0">
-                <a:solidFill>
-                  <a:srgbClr val="14C764"/>
-                </a:solidFill>
-                <a:latin typeface="Consolas"/>
-              </a:rPr>
-              <a:t>use results, clear</a:t>
-            </a:r>
-          </a:p>
-          <a:p>
-            <a:pPr marL="114300">
-              <a:buSzPts val="1800"/>
-            </a:pPr>
-            <a:r>
-              <a:rPr lang="en-US" sz="1600" dirty="0" err="1">
-                <a:solidFill>
-                  <a:srgbClr val="14C764"/>
-                </a:solidFill>
-                <a:latin typeface="Consolas"/>
-              </a:rPr>
-              <a:t>outsheet</a:t>
-            </a:r>
-            <a:r>
-              <a:rPr lang="en-US" sz="1600" dirty="0">
-                <a:solidFill>
-                  <a:srgbClr val="14C764"/>
-                </a:solidFill>
-                <a:latin typeface="Consolas"/>
-              </a:rPr>
-              <a:t> using results_</a:t>
-            </a:r>
-            <a:r>
-              <a:rPr lang="en-US" sz="1600" dirty="0">
-                <a:solidFill>
-                  <a:srgbClr val="FFFF00"/>
-                </a:solidFill>
-                <a:latin typeface="Consolas"/>
-              </a:rPr>
-              <a:t>2018</a:t>
-            </a:r>
-            <a:r>
-              <a:rPr lang="en-US" sz="1600" dirty="0">
-                <a:solidFill>
-                  <a:srgbClr val="14C764"/>
-                </a:solidFill>
-                <a:latin typeface="Consolas"/>
-              </a:rPr>
-              <a:t>.txt, replace</a:t>
-            </a:r>
-          </a:p>
-          <a:p>
-            <a:pPr marL="114300">
-              <a:buSzPts val="1800"/>
-            </a:pPr>
-            <a:endParaRPr lang="en-US" sz="1800" dirty="0">
-              <a:solidFill>
-                <a:srgbClr val="14C764"/>
-              </a:solidFill>
-            </a:endParaRPr>
-          </a:p>
-          <a:p>
-            <a:pPr marL="114300">
-              <a:buSzPts val="1800"/>
-            </a:pPr>
-            <a:endParaRPr lang="en-US"/>
+            <a:endParaRPr lang="en-US" sz="1800" dirty="0"/>
+          </a:p>
+          <a:p>
+            <a:pPr marL="457200" lvl="0" algn="l" rtl="0">
+              <a:spcBef>
+                <a:spcPts val="0"/>
+              </a:spcBef>
+              <a:spcAft>
+                <a:spcPts val="0"/>
+              </a:spcAft>
+            </a:pPr>
+            <a:endParaRPr lang="en-US" sz="600" dirty="0"/>
+          </a:p>
+          <a:p>
+            <a:pPr marL="457200" lvl="0" indent="0" algn="l" rtl="0">
+              <a:spcBef>
+                <a:spcPts val="0"/>
+              </a:spcBef>
+              <a:spcAft>
+                <a:spcPts val="0"/>
+              </a:spcAft>
+              <a:buNone/>
+            </a:pPr>
+            <a:endParaRPr sz="1800" dirty="0"/>
           </a:p>
         </p:txBody>
       </p:sp>
@@ -20371,11 +18390,6 @@
         </p:txBody>
       </p:sp>
     </p:spTree>
-    <p:extLst>
-      <p:ext uri="{BB962C8B-B14F-4D97-AF65-F5344CB8AC3E}">
-        <p14:creationId xmlns:p14="http://schemas.microsoft.com/office/powerpoint/2010/main" val="679406833"/>
-      </p:ext>
-    </p:extLst>
   </p:cSld>
   <p:clrMapOvr>
     <a:masterClrMapping/>
@@ -20429,12 +18443,9 @@
           </a:bodyPr>
           <a:lstStyle/>
           <a:p>
-            <a:pPr>
-              <a:buSzPts val="3200"/>
-            </a:pPr>
             <a:r>
               <a:rPr lang="en-US" dirty="0"/>
-              <a:t>Get It Right The First Time</a:t>
+              <a:t>Goals for Each Workshop Session</a:t>
             </a:r>
           </a:p>
         </p:txBody>
@@ -20491,159 +18502,6 @@
       </p:sp>
       <p:sp>
         <p:nvSpPr>
-          <p:cNvPr id="253" name="Google Shape;253;p28"/>
-          <p:cNvSpPr txBox="1"/>
-          <p:nvPr/>
-        </p:nvSpPr>
-        <p:spPr>
-          <a:xfrm>
-            <a:off x="457200" y="1143000"/>
-            <a:ext cx="8229600" cy="4956900"/>
-          </a:xfrm>
-          <a:prstGeom prst="rect">
-            <a:avLst/>
-          </a:prstGeom>
-          <a:noFill/>
-          <a:ln>
-            <a:noFill/>
-          </a:ln>
-        </p:spPr>
-        <p:txBody>
-          <a:bodyPr spcFirstLastPara="1" wrap="square" lIns="91425" tIns="91425" rIns="91425" bIns="91425" anchor="t" anchorCtr="0">
-            <a:noAutofit/>
-          </a:bodyPr>
-          <a:lstStyle/>
-          <a:p>
-            <a:pPr marL="114300" lvl="0" algn="l" rtl="0">
-              <a:spcBef>
-                <a:spcPts val="0"/>
-              </a:spcBef>
-              <a:spcAft>
-                <a:spcPts val="0"/>
-              </a:spcAft>
-              <a:buSzPts val="1800"/>
-            </a:pPr>
-            <a:endParaRPr lang="en-US" sz="1800" dirty="0"/>
-          </a:p>
-          <a:p>
-            <a:pPr marL="114300" lvl="0" algn="l" rtl="0">
-              <a:spcBef>
-                <a:spcPts val="0"/>
-              </a:spcBef>
-              <a:spcAft>
-                <a:spcPts val="0"/>
-              </a:spcAft>
-              <a:buSzPts val="1800"/>
-            </a:pPr>
-            <a:endParaRPr lang="en-US" sz="1800" dirty="0"/>
-          </a:p>
-          <a:p>
-            <a:pPr marL="114300">
-              <a:buSzPts val="1800"/>
-            </a:pPr>
-            <a:r>
-              <a:rPr lang="en-US" sz="1800" dirty="0"/>
-              <a:t>Make sure what you replicate is correct!</a:t>
-            </a:r>
-          </a:p>
-          <a:p>
-            <a:pPr marL="114300">
-              <a:buSzPts val="1800"/>
-            </a:pPr>
-            <a:endParaRPr lang="en-US" sz="1800" dirty="0"/>
-          </a:p>
-          <a:p>
-            <a:pPr marL="742950" indent="-285750">
-              <a:buChar char="•"/>
-            </a:pPr>
-            <a:r>
-              <a:rPr lang="en-US" sz="1800" dirty="0"/>
-              <a:t>Break big problems into discrete pieces</a:t>
-            </a:r>
-          </a:p>
-          <a:p>
-            <a:pPr marL="742950" indent="-285750">
-              <a:buChar char="•"/>
-            </a:pPr>
-            <a:r>
-              <a:rPr lang="en-US" sz="1800" dirty="0"/>
-              <a:t>Don't repeat yourself (abstraction)</a:t>
-            </a:r>
-          </a:p>
-          <a:p>
-            <a:pPr marL="742950" indent="-285750">
-              <a:buChar char="•"/>
-            </a:pPr>
-            <a:r>
-              <a:rPr lang="en-US" sz="1800" dirty="0"/>
-              <a:t>Test liberally</a:t>
-            </a:r>
-          </a:p>
-          <a:p>
-            <a:pPr marL="114300" lvl="0" indent="0" algn="l" rtl="0">
-              <a:spcBef>
-                <a:spcPts val="0"/>
-              </a:spcBef>
-              <a:spcAft>
-                <a:spcPts val="0"/>
-              </a:spcAft>
-              <a:buSzPts val="1800"/>
-              <a:buNone/>
-            </a:pPr>
-            <a:endParaRPr lang="en-US" sz="1800" dirty="0"/>
-          </a:p>
-          <a:p>
-            <a:pPr marL="114300" lvl="0" indent="0" algn="l" rtl="0">
-              <a:spcBef>
-                <a:spcPts val="0"/>
-              </a:spcBef>
-              <a:spcAft>
-                <a:spcPts val="0"/>
-              </a:spcAft>
-              <a:buSzPts val="1800"/>
-              <a:buNone/>
-            </a:pPr>
-            <a:endParaRPr lang="en-US" sz="1800" dirty="0"/>
-          </a:p>
-          <a:p>
-            <a:pPr marL="114300" lvl="0" algn="l" rtl="0">
-              <a:spcBef>
-                <a:spcPts val="0"/>
-              </a:spcBef>
-              <a:spcAft>
-                <a:spcPts val="0"/>
-              </a:spcAft>
-              <a:buSzPts val="1800"/>
-            </a:pPr>
-            <a:endParaRPr lang="en-US" sz="1800" dirty="0"/>
-          </a:p>
-          <a:p>
-            <a:pPr marL="457200" lvl="0" algn="l" rtl="0">
-              <a:spcBef>
-                <a:spcPts val="0"/>
-              </a:spcBef>
-              <a:spcAft>
-                <a:spcPts val="0"/>
-              </a:spcAft>
-            </a:pPr>
-            <a:endParaRPr lang="en-US" sz="600" dirty="0"/>
-          </a:p>
-          <a:p>
-            <a:pPr marL="457200" lvl="0" indent="0" algn="l" rtl="0">
-              <a:spcBef>
-                <a:spcPts val="0"/>
-              </a:spcBef>
-              <a:spcAft>
-                <a:spcPts val="0"/>
-              </a:spcAft>
-              <a:buNone/>
-            </a:pPr>
-            <a:endParaRPr sz="1800" dirty="0"/>
-          </a:p>
-        </p:txBody>
-      </p:sp>
-      <p:sp>
-        <p:nvSpPr>
           <p:cNvPr id="2" name="Slide Number Placeholder 1"/>
           <p:cNvSpPr>
             <a:spLocks noGrp="1"/>
@@ -20674,7 +18532,590 @@
           </a:p>
         </p:txBody>
       </p:sp>
+      <p:sp>
+        <p:nvSpPr>
+          <p:cNvPr id="3" name="Rectangle: Rounded Corners 2">
+            <a:extLst>
+              <a:ext uri="{FF2B5EF4-FFF2-40B4-BE49-F238E27FC236}">
+                <a16:creationId xmlns:a16="http://schemas.microsoft.com/office/drawing/2014/main" id="{52588039-4CD5-A745-394E-9E48A5A8FD86}"/>
+              </a:ext>
+            </a:extLst>
+          </p:cNvPr>
+          <p:cNvSpPr/>
+          <p:nvPr/>
+        </p:nvSpPr>
+        <p:spPr>
+          <a:xfrm>
+            <a:off x="690972" y="1151276"/>
+            <a:ext cx="3113510" cy="1530894"/>
+          </a:xfrm>
+          <a:prstGeom prst="roundRect">
+            <a:avLst/>
+          </a:prstGeom>
+          <a:solidFill>
+            <a:schemeClr val="accent4">
+              <a:lumMod val="20000"/>
+              <a:lumOff val="80000"/>
+            </a:schemeClr>
+          </a:solidFill>
+          <a:ln>
+            <a:solidFill>
+              <a:schemeClr val="accent4"/>
+            </a:solidFill>
+          </a:ln>
+        </p:spPr>
+        <p:style>
+          <a:lnRef idx="2">
+            <a:schemeClr val="accent4"/>
+          </a:lnRef>
+          <a:fillRef idx="1">
+            <a:schemeClr val="lt1"/>
+          </a:fillRef>
+          <a:effectRef idx="0">
+            <a:schemeClr val="accent4"/>
+          </a:effectRef>
+          <a:fontRef idx="minor">
+            <a:schemeClr val="dk1"/>
+          </a:fontRef>
+        </p:style>
+        <p:txBody>
+          <a:bodyPr lIns="91440" tIns="45720" rIns="91440" bIns="45720" rtlCol="0" anchor="ctr"/>
+          <a:lstStyle/>
+          <a:p>
+            <a:pPr algn="ctr"/>
+            <a:r>
+              <a:rPr lang="en-US" sz="1800" dirty="0">
+                <a:cs typeface="Arial"/>
+              </a:rPr>
+              <a:t>#1 – The Basics</a:t>
+            </a:r>
+          </a:p>
+          <a:p>
+            <a:pPr algn="ctr"/>
+            <a:endParaRPr lang="en-US" dirty="0">
+              <a:cs typeface="Arial"/>
+            </a:endParaRPr>
+          </a:p>
+          <a:p>
+            <a:pPr algn="ctr"/>
+            <a:r>
+              <a:rPr lang="en-US">
+                <a:cs typeface="Arial"/>
+              </a:rPr>
+              <a:t> KLC, git, </a:t>
+            </a:r>
+            <a:r>
+              <a:rPr lang="en-US" dirty="0" err="1">
+                <a:cs typeface="Arial"/>
+              </a:rPr>
+              <a:t>Jupyter</a:t>
+            </a:r>
+            <a:r>
+              <a:rPr lang="en-US" dirty="0">
+                <a:cs typeface="Arial"/>
+              </a:rPr>
+              <a:t> notebooks</a:t>
+            </a:r>
+          </a:p>
+          <a:p>
+            <a:pPr algn="ctr"/>
+            <a:r>
+              <a:rPr lang="en-US" dirty="0">
+                <a:cs typeface="Arial"/>
+              </a:rPr>
+              <a:t>Run a program from command line</a:t>
+            </a:r>
+          </a:p>
+          <a:p>
+            <a:pPr algn="ctr"/>
+            <a:r>
+              <a:rPr lang="en-US" dirty="0">
+                <a:cs typeface="Arial"/>
+              </a:rPr>
+              <a:t>Reproducibility Principles</a:t>
+            </a:r>
+          </a:p>
+        </p:txBody>
+      </p:sp>
+      <p:sp>
+        <p:nvSpPr>
+          <p:cNvPr id="9" name="Rectangle: Rounded Corners 8">
+            <a:extLst>
+              <a:ext uri="{FF2B5EF4-FFF2-40B4-BE49-F238E27FC236}">
+                <a16:creationId xmlns:a16="http://schemas.microsoft.com/office/drawing/2014/main" id="{62565879-8A2E-EBF5-A9DD-54B47D47CBC4}"/>
+              </a:ext>
+            </a:extLst>
+          </p:cNvPr>
+          <p:cNvSpPr/>
+          <p:nvPr/>
+        </p:nvSpPr>
+        <p:spPr>
+          <a:xfrm>
+            <a:off x="690972" y="2920079"/>
+            <a:ext cx="3113510" cy="1530894"/>
+          </a:xfrm>
+          <a:prstGeom prst="roundRect">
+            <a:avLst/>
+          </a:prstGeom>
+          <a:solidFill>
+            <a:schemeClr val="accent4">
+              <a:lumMod val="20000"/>
+              <a:lumOff val="80000"/>
+            </a:schemeClr>
+          </a:solidFill>
+          <a:ln>
+            <a:solidFill>
+              <a:schemeClr val="accent4"/>
+            </a:solidFill>
+          </a:ln>
+        </p:spPr>
+        <p:style>
+          <a:lnRef idx="2">
+            <a:schemeClr val="accent4"/>
+          </a:lnRef>
+          <a:fillRef idx="1">
+            <a:schemeClr val="lt1"/>
+          </a:fillRef>
+          <a:effectRef idx="0">
+            <a:schemeClr val="accent4"/>
+          </a:effectRef>
+          <a:fontRef idx="minor">
+            <a:schemeClr val="dk1"/>
+          </a:fontRef>
+        </p:style>
+        <p:txBody>
+          <a:bodyPr lIns="91440" tIns="45720" rIns="91440" bIns="45720" rtlCol="0" anchor="ctr"/>
+          <a:lstStyle/>
+          <a:p>
+            <a:pPr algn="ctr"/>
+            <a:r>
+              <a:rPr lang="en-US" sz="1800" dirty="0">
+                <a:cs typeface="Arial"/>
+              </a:rPr>
+              <a:t>#2 – Data Integrity</a:t>
+            </a:r>
+          </a:p>
+          <a:p>
+            <a:pPr algn="ctr"/>
+            <a:endParaRPr lang="en-US" dirty="0">
+              <a:cs typeface="Arial"/>
+            </a:endParaRPr>
+          </a:p>
+          <a:p>
+            <a:pPr algn="ctr"/>
+            <a:r>
+              <a:rPr lang="en-US" dirty="0">
+                <a:cs typeface="Arial"/>
+              </a:rPr>
+              <a:t>Learn about regular expressions</a:t>
+            </a:r>
+            <a:endParaRPr lang="en-US" dirty="0"/>
+          </a:p>
+          <a:p>
+            <a:pPr algn="ctr"/>
+            <a:r>
+              <a:rPr lang="en-US" dirty="0">
+                <a:cs typeface="Arial"/>
+              </a:rPr>
+              <a:t>Test data assumptions</a:t>
+            </a:r>
+          </a:p>
+          <a:p>
+            <a:pPr algn="ctr"/>
+            <a:r>
+              <a:rPr lang="en-US" dirty="0">
+                <a:cs typeface="Arial"/>
+              </a:rPr>
+              <a:t>Fix data programmatically</a:t>
+            </a:r>
+            <a:endParaRPr lang="en-US" dirty="0"/>
+          </a:p>
+        </p:txBody>
+      </p:sp>
+      <p:sp>
+        <p:nvSpPr>
+          <p:cNvPr id="10" name="Rectangle: Rounded Corners 9">
+            <a:extLst>
+              <a:ext uri="{FF2B5EF4-FFF2-40B4-BE49-F238E27FC236}">
+                <a16:creationId xmlns:a16="http://schemas.microsoft.com/office/drawing/2014/main" id="{296C0996-A7E3-346C-DB01-05F03B03BF90}"/>
+              </a:ext>
+            </a:extLst>
+          </p:cNvPr>
+          <p:cNvSpPr/>
+          <p:nvPr/>
+        </p:nvSpPr>
+        <p:spPr>
+          <a:xfrm>
+            <a:off x="690972" y="4688885"/>
+            <a:ext cx="3113510" cy="1530894"/>
+          </a:xfrm>
+          <a:prstGeom prst="roundRect">
+            <a:avLst/>
+          </a:prstGeom>
+          <a:solidFill>
+            <a:schemeClr val="accent4">
+              <a:lumMod val="20000"/>
+              <a:lumOff val="80000"/>
+            </a:schemeClr>
+          </a:solidFill>
+          <a:ln>
+            <a:solidFill>
+              <a:schemeClr val="accent4"/>
+            </a:solidFill>
+          </a:ln>
+        </p:spPr>
+        <p:style>
+          <a:lnRef idx="2">
+            <a:schemeClr val="accent4"/>
+          </a:lnRef>
+          <a:fillRef idx="1">
+            <a:schemeClr val="lt1"/>
+          </a:fillRef>
+          <a:effectRef idx="0">
+            <a:schemeClr val="accent4"/>
+          </a:effectRef>
+          <a:fontRef idx="minor">
+            <a:schemeClr val="dk1"/>
+          </a:fontRef>
+        </p:style>
+        <p:txBody>
+          <a:bodyPr lIns="91440" tIns="45720" rIns="91440" bIns="45720" rtlCol="0" anchor="ctr"/>
+          <a:lstStyle/>
+          <a:p>
+            <a:pPr algn="ctr"/>
+            <a:r>
+              <a:rPr lang="en-US" sz="1800" dirty="0">
+                <a:cs typeface="Arial"/>
+              </a:rPr>
+              <a:t>#3 – Code Testing</a:t>
+            </a:r>
+          </a:p>
+          <a:p>
+            <a:pPr algn="ctr"/>
+            <a:endParaRPr lang="en-US" dirty="0">
+              <a:cs typeface="Arial"/>
+            </a:endParaRPr>
+          </a:p>
+          <a:p>
+            <a:pPr algn="ctr"/>
+            <a:r>
+              <a:rPr lang="en-US" dirty="0">
+                <a:cs typeface="Arial"/>
+              </a:rPr>
+              <a:t>What could go wrong with code?</a:t>
+            </a:r>
+          </a:p>
+          <a:p>
+            <a:pPr algn="ctr"/>
+            <a:r>
+              <a:rPr lang="en-US" dirty="0">
+                <a:cs typeface="Arial"/>
+              </a:rPr>
+              <a:t>Abstraction</a:t>
+            </a:r>
+          </a:p>
+          <a:p>
+            <a:pPr algn="ctr"/>
+            <a:r>
+              <a:rPr lang="en-US" dirty="0">
+                <a:cs typeface="Arial"/>
+              </a:rPr>
+              <a:t>Unit testing</a:t>
+            </a:r>
+          </a:p>
+          <a:p>
+            <a:pPr algn="ctr"/>
+            <a:endParaRPr lang="en-US" dirty="0">
+              <a:cs typeface="Arial"/>
+            </a:endParaRPr>
+          </a:p>
+        </p:txBody>
+      </p:sp>
+      <p:sp>
+        <p:nvSpPr>
+          <p:cNvPr id="11" name="Rectangle: Rounded Corners 10">
+            <a:extLst>
+              <a:ext uri="{FF2B5EF4-FFF2-40B4-BE49-F238E27FC236}">
+                <a16:creationId xmlns:a16="http://schemas.microsoft.com/office/drawing/2014/main" id="{A1339F41-7577-E7F6-8916-A0D3053CEEEE}"/>
+              </a:ext>
+            </a:extLst>
+          </p:cNvPr>
+          <p:cNvSpPr/>
+          <p:nvPr/>
+        </p:nvSpPr>
+        <p:spPr>
+          <a:xfrm>
+            <a:off x="5072471" y="1141750"/>
+            <a:ext cx="3113510" cy="1530894"/>
+          </a:xfrm>
+          <a:prstGeom prst="roundRect">
+            <a:avLst/>
+          </a:prstGeom>
+          <a:solidFill>
+            <a:schemeClr val="accent4">
+              <a:lumMod val="20000"/>
+              <a:lumOff val="80000"/>
+            </a:schemeClr>
+          </a:solidFill>
+          <a:ln>
+            <a:solidFill>
+              <a:schemeClr val="accent4"/>
+            </a:solidFill>
+          </a:ln>
+        </p:spPr>
+        <p:style>
+          <a:lnRef idx="2">
+            <a:schemeClr val="accent4"/>
+          </a:lnRef>
+          <a:fillRef idx="1">
+            <a:schemeClr val="lt1"/>
+          </a:fillRef>
+          <a:effectRef idx="0">
+            <a:schemeClr val="accent4"/>
+          </a:effectRef>
+          <a:fontRef idx="minor">
+            <a:schemeClr val="dk1"/>
+          </a:fontRef>
+        </p:style>
+        <p:txBody>
+          <a:bodyPr lIns="91440" tIns="45720" rIns="91440" bIns="45720" rtlCol="0" anchor="ctr"/>
+          <a:lstStyle/>
+          <a:p>
+            <a:pPr algn="ctr"/>
+            <a:r>
+              <a:rPr lang="en-US" sz="1800" dirty="0">
+                <a:cs typeface="Arial"/>
+              </a:rPr>
+              <a:t>#4 – Automate </a:t>
+            </a:r>
+          </a:p>
+          <a:p>
+            <a:pPr algn="ctr"/>
+            <a:endParaRPr lang="en-US" dirty="0">
+              <a:cs typeface="Arial"/>
+            </a:endParaRPr>
+          </a:p>
+          <a:p>
+            <a:pPr algn="ctr"/>
+            <a:r>
+              <a:rPr lang="en-US" dirty="0">
+                <a:cs typeface="Arial"/>
+              </a:rPr>
+              <a:t> Shell scripts</a:t>
+            </a:r>
+          </a:p>
+          <a:p>
+            <a:pPr algn="ctr"/>
+            <a:r>
+              <a:rPr lang="en-US" dirty="0">
+                <a:cs typeface="Arial"/>
+              </a:rPr>
+              <a:t>Scheduling</a:t>
+            </a:r>
+          </a:p>
+          <a:p>
+            <a:pPr algn="ctr"/>
+            <a:r>
+              <a:rPr lang="en-US" dirty="0">
+                <a:cs typeface="Arial"/>
+              </a:rPr>
+              <a:t>Leaving audit trails</a:t>
+            </a:r>
+          </a:p>
+        </p:txBody>
+      </p:sp>
+      <p:sp>
+        <p:nvSpPr>
+          <p:cNvPr id="12" name="Rectangle: Rounded Corners 11">
+            <a:extLst>
+              <a:ext uri="{FF2B5EF4-FFF2-40B4-BE49-F238E27FC236}">
+                <a16:creationId xmlns:a16="http://schemas.microsoft.com/office/drawing/2014/main" id="{B195C3E0-8603-751F-CEC4-E67817945A60}"/>
+              </a:ext>
+            </a:extLst>
+          </p:cNvPr>
+          <p:cNvSpPr/>
+          <p:nvPr/>
+        </p:nvSpPr>
+        <p:spPr>
+          <a:xfrm>
+            <a:off x="5072471" y="2913400"/>
+            <a:ext cx="3113510" cy="1530894"/>
+          </a:xfrm>
+          <a:prstGeom prst="roundRect">
+            <a:avLst/>
+          </a:prstGeom>
+          <a:solidFill>
+            <a:schemeClr val="accent4">
+              <a:lumMod val="20000"/>
+              <a:lumOff val="80000"/>
+            </a:schemeClr>
+          </a:solidFill>
+          <a:ln>
+            <a:solidFill>
+              <a:schemeClr val="accent4"/>
+            </a:solidFill>
+          </a:ln>
+        </p:spPr>
+        <p:style>
+          <a:lnRef idx="2">
+            <a:schemeClr val="accent4"/>
+          </a:lnRef>
+          <a:fillRef idx="1">
+            <a:schemeClr val="lt1"/>
+          </a:fillRef>
+          <a:effectRef idx="0">
+            <a:schemeClr val="accent4"/>
+          </a:effectRef>
+          <a:fontRef idx="minor">
+            <a:schemeClr val="dk1"/>
+          </a:fontRef>
+        </p:style>
+        <p:txBody>
+          <a:bodyPr lIns="91440" tIns="45720" rIns="91440" bIns="45720" rtlCol="0" anchor="ctr"/>
+          <a:lstStyle/>
+          <a:p>
+            <a:pPr algn="ctr"/>
+            <a:r>
+              <a:rPr lang="en-US" sz="1800" dirty="0">
+                <a:cs typeface="Arial"/>
+              </a:rPr>
+              <a:t>#5 – Keep Automating </a:t>
+            </a:r>
+          </a:p>
+          <a:p>
+            <a:pPr algn="ctr"/>
+            <a:endParaRPr lang="en-US" dirty="0">
+              <a:cs typeface="Arial"/>
+            </a:endParaRPr>
+          </a:p>
+          <a:p>
+            <a:pPr algn="ctr"/>
+            <a:r>
+              <a:rPr lang="en-US" dirty="0">
+                <a:cs typeface="Arial"/>
+              </a:rPr>
+              <a:t> LaTeX on KLC</a:t>
+            </a:r>
+          </a:p>
+          <a:p>
+            <a:pPr algn="ctr"/>
+            <a:r>
+              <a:rPr lang="en-US" dirty="0">
+                <a:cs typeface="Arial"/>
+              </a:rPr>
+              <a:t>Exporting results automatically</a:t>
+            </a:r>
+          </a:p>
+          <a:p>
+            <a:pPr algn="ctr"/>
+            <a:r>
+              <a:rPr lang="en-US" dirty="0">
+                <a:cs typeface="Arial"/>
+              </a:rPr>
+              <a:t>Testing consistency in papers</a:t>
+            </a:r>
+          </a:p>
+        </p:txBody>
+      </p:sp>
+      <p:sp>
+        <p:nvSpPr>
+          <p:cNvPr id="13" name="Rectangle: Rounded Corners 12">
+            <a:extLst>
+              <a:ext uri="{FF2B5EF4-FFF2-40B4-BE49-F238E27FC236}">
+                <a16:creationId xmlns:a16="http://schemas.microsoft.com/office/drawing/2014/main" id="{4C380D0C-F3C0-6BCB-683A-D06B15F59CA7}"/>
+              </a:ext>
+            </a:extLst>
+          </p:cNvPr>
+          <p:cNvSpPr/>
+          <p:nvPr/>
+        </p:nvSpPr>
+        <p:spPr>
+          <a:xfrm>
+            <a:off x="5072471" y="4685050"/>
+            <a:ext cx="3113510" cy="1530894"/>
+          </a:xfrm>
+          <a:prstGeom prst="roundRect">
+            <a:avLst/>
+          </a:prstGeom>
+          <a:solidFill>
+            <a:schemeClr val="accent4">
+              <a:lumMod val="20000"/>
+              <a:lumOff val="80000"/>
+            </a:schemeClr>
+          </a:solidFill>
+          <a:ln>
+            <a:solidFill>
+              <a:schemeClr val="accent4"/>
+            </a:solidFill>
+          </a:ln>
+        </p:spPr>
+        <p:style>
+          <a:lnRef idx="2">
+            <a:schemeClr val="accent4"/>
+          </a:lnRef>
+          <a:fillRef idx="1">
+            <a:schemeClr val="lt1"/>
+          </a:fillRef>
+          <a:effectRef idx="0">
+            <a:schemeClr val="accent4"/>
+          </a:effectRef>
+          <a:fontRef idx="minor">
+            <a:schemeClr val="dk1"/>
+          </a:fontRef>
+        </p:style>
+        <p:txBody>
+          <a:bodyPr lIns="91440" tIns="45720" rIns="91440" bIns="45720" rtlCol="0" anchor="ctr"/>
+          <a:lstStyle/>
+          <a:p>
+            <a:pPr algn="ctr"/>
+            <a:r>
+              <a:rPr lang="en-US" sz="1800" dirty="0">
+                <a:cs typeface="Arial"/>
+              </a:rPr>
+              <a:t>#6 – Version Control </a:t>
+            </a:r>
+          </a:p>
+          <a:p>
+            <a:pPr algn="ctr"/>
+            <a:endParaRPr lang="en-US" dirty="0">
+              <a:cs typeface="Arial"/>
+            </a:endParaRPr>
+          </a:p>
+          <a:p>
+            <a:pPr algn="ctr"/>
+            <a:r>
+              <a:rPr lang="en-US" dirty="0">
+                <a:cs typeface="Arial"/>
+              </a:rPr>
+              <a:t> Using git smartly</a:t>
+            </a:r>
+          </a:p>
+          <a:p>
+            <a:pPr algn="ctr"/>
+            <a:r>
+              <a:rPr lang="en-US" dirty="0" err="1">
+                <a:cs typeface="Arial"/>
+              </a:rPr>
+              <a:t>conda</a:t>
+            </a:r>
+          </a:p>
+          <a:p>
+            <a:pPr algn="ctr"/>
+            <a:r>
+              <a:rPr lang="en-US" dirty="0">
+                <a:cs typeface="Arial"/>
+              </a:rPr>
+              <a:t>Containers</a:t>
+            </a:r>
+          </a:p>
+        </p:txBody>
+      </p:sp>
     </p:spTree>
+    <p:extLst>
+      <p:ext uri="{BB962C8B-B14F-4D97-AF65-F5344CB8AC3E}">
+        <p14:creationId xmlns:p14="http://schemas.microsoft.com/office/powerpoint/2010/main" val="2491928269"/>
+      </p:ext>
+    </p:extLst>
   </p:cSld>
   <p:clrMapOvr>
     <a:masterClrMapping/>
@@ -20728,9 +19169,12 @@
           </a:bodyPr>
           <a:lstStyle/>
           <a:p>
+            <a:pPr>
+              <a:buSzPts val="3200"/>
+            </a:pPr>
             <a:r>
               <a:rPr lang="en-US" dirty="0"/>
-              <a:t>Goals for Each Workshop Session</a:t>
+              <a:t>Appendix – Text Editors on KLC</a:t>
             </a:r>
           </a:p>
         </p:txBody>
@@ -20787,735 +19231,6 @@
       </p:sp>
       <p:sp>
         <p:nvSpPr>
-          <p:cNvPr id="2" name="Slide Number Placeholder 1"/>
-          <p:cNvSpPr>
-            <a:spLocks noGrp="1"/>
-          </p:cNvSpPr>
-          <p:nvPr>
-            <p:ph type="sldNum" idx="12"/>
-          </p:nvPr>
-        </p:nvSpPr>
-        <p:spPr/>
-        <p:txBody>
-          <a:bodyPr/>
-          <a:lstStyle/>
-          <a:p>
-            <a:pPr marL="0" lvl="0" indent="0" algn="r" rtl="0">
-              <a:spcBef>
-                <a:spcPts val="0"/>
-              </a:spcBef>
-              <a:spcAft>
-                <a:spcPts val="0"/>
-              </a:spcAft>
-              <a:buNone/>
-            </a:pPr>
-            <a:fld id="{00000000-1234-1234-1234-123412341234}" type="slidenum">
-              <a:rPr lang="en-US" smtClean="0"/>
-              <a:t>17</a:t>
-            </a:fld>
-            <a:endParaRPr lang="en-US"/>
-          </a:p>
-        </p:txBody>
-      </p:sp>
-      <p:sp>
-        <p:nvSpPr>
-          <p:cNvPr id="3" name="Rectangle: Rounded Corners 2">
-            <a:extLst>
-              <a:ext uri="{FF2B5EF4-FFF2-40B4-BE49-F238E27FC236}">
-                <a16:creationId xmlns:a16="http://schemas.microsoft.com/office/drawing/2014/main" id="{52588039-4CD5-A745-394E-9E48A5A8FD86}"/>
-              </a:ext>
-            </a:extLst>
-          </p:cNvPr>
-          <p:cNvSpPr/>
-          <p:nvPr/>
-        </p:nvSpPr>
-        <p:spPr>
-          <a:xfrm>
-            <a:off x="690972" y="1151276"/>
-            <a:ext cx="3113510" cy="1530894"/>
-          </a:xfrm>
-          <a:prstGeom prst="roundRect">
-            <a:avLst/>
-          </a:prstGeom>
-          <a:solidFill>
-            <a:schemeClr val="accent4">
-              <a:lumMod val="20000"/>
-              <a:lumOff val="80000"/>
-            </a:schemeClr>
-          </a:solidFill>
-          <a:ln>
-            <a:solidFill>
-              <a:schemeClr val="accent4"/>
-            </a:solidFill>
-          </a:ln>
-        </p:spPr>
-        <p:style>
-          <a:lnRef idx="2">
-            <a:schemeClr val="accent4"/>
-          </a:lnRef>
-          <a:fillRef idx="1">
-            <a:schemeClr val="lt1"/>
-          </a:fillRef>
-          <a:effectRef idx="0">
-            <a:schemeClr val="accent4"/>
-          </a:effectRef>
-          <a:fontRef idx="minor">
-            <a:schemeClr val="dk1"/>
-          </a:fontRef>
-        </p:style>
-        <p:txBody>
-          <a:bodyPr lIns="91440" tIns="45720" rIns="91440" bIns="45720" rtlCol="0" anchor="ctr"/>
-          <a:lstStyle/>
-          <a:p>
-            <a:pPr algn="ctr"/>
-            <a:r>
-              <a:rPr lang="en-US" sz="1800" dirty="0">
-                <a:cs typeface="Arial"/>
-              </a:rPr>
-              <a:t>#1 – The Basics</a:t>
-            </a:r>
-          </a:p>
-          <a:p>
-            <a:pPr algn="ctr"/>
-            <a:endParaRPr lang="en-US" dirty="0">
-              <a:cs typeface="Arial"/>
-            </a:endParaRPr>
-          </a:p>
-          <a:p>
-            <a:pPr algn="ctr"/>
-            <a:r>
-              <a:rPr lang="en-US">
-                <a:cs typeface="Arial"/>
-              </a:rPr>
-              <a:t> KLC, git, </a:t>
-            </a:r>
-            <a:r>
-              <a:rPr lang="en-US" dirty="0" err="1">
-                <a:cs typeface="Arial"/>
-              </a:rPr>
-              <a:t>Jupyter</a:t>
-            </a:r>
-            <a:r>
-              <a:rPr lang="en-US" dirty="0">
-                <a:cs typeface="Arial"/>
-              </a:rPr>
-              <a:t> notebooks</a:t>
-            </a:r>
-          </a:p>
-          <a:p>
-            <a:pPr algn="ctr"/>
-            <a:r>
-              <a:rPr lang="en-US" dirty="0">
-                <a:cs typeface="Arial"/>
-              </a:rPr>
-              <a:t>Run a program from command line</a:t>
-            </a:r>
-          </a:p>
-          <a:p>
-            <a:pPr algn="ctr"/>
-            <a:r>
-              <a:rPr lang="en-US" dirty="0">
-                <a:cs typeface="Arial"/>
-              </a:rPr>
-              <a:t>Reproducibility Principles</a:t>
-            </a:r>
-          </a:p>
-        </p:txBody>
-      </p:sp>
-      <p:sp>
-        <p:nvSpPr>
-          <p:cNvPr id="9" name="Rectangle: Rounded Corners 8">
-            <a:extLst>
-              <a:ext uri="{FF2B5EF4-FFF2-40B4-BE49-F238E27FC236}">
-                <a16:creationId xmlns:a16="http://schemas.microsoft.com/office/drawing/2014/main" id="{62565879-8A2E-EBF5-A9DD-54B47D47CBC4}"/>
-              </a:ext>
-            </a:extLst>
-          </p:cNvPr>
-          <p:cNvSpPr/>
-          <p:nvPr/>
-        </p:nvSpPr>
-        <p:spPr>
-          <a:xfrm>
-            <a:off x="690972" y="2920079"/>
-            <a:ext cx="3113510" cy="1530894"/>
-          </a:xfrm>
-          <a:prstGeom prst="roundRect">
-            <a:avLst/>
-          </a:prstGeom>
-          <a:solidFill>
-            <a:schemeClr val="accent4">
-              <a:lumMod val="20000"/>
-              <a:lumOff val="80000"/>
-            </a:schemeClr>
-          </a:solidFill>
-          <a:ln>
-            <a:solidFill>
-              <a:schemeClr val="accent4"/>
-            </a:solidFill>
-          </a:ln>
-        </p:spPr>
-        <p:style>
-          <a:lnRef idx="2">
-            <a:schemeClr val="accent4"/>
-          </a:lnRef>
-          <a:fillRef idx="1">
-            <a:schemeClr val="lt1"/>
-          </a:fillRef>
-          <a:effectRef idx="0">
-            <a:schemeClr val="accent4"/>
-          </a:effectRef>
-          <a:fontRef idx="minor">
-            <a:schemeClr val="dk1"/>
-          </a:fontRef>
-        </p:style>
-        <p:txBody>
-          <a:bodyPr lIns="91440" tIns="45720" rIns="91440" bIns="45720" rtlCol="0" anchor="ctr"/>
-          <a:lstStyle/>
-          <a:p>
-            <a:pPr algn="ctr"/>
-            <a:r>
-              <a:rPr lang="en-US" sz="1800" dirty="0">
-                <a:cs typeface="Arial"/>
-              </a:rPr>
-              <a:t>#2 – Data Integrity</a:t>
-            </a:r>
-          </a:p>
-          <a:p>
-            <a:pPr algn="ctr"/>
-            <a:endParaRPr lang="en-US" dirty="0">
-              <a:cs typeface="Arial"/>
-            </a:endParaRPr>
-          </a:p>
-          <a:p>
-            <a:pPr algn="ctr"/>
-            <a:r>
-              <a:rPr lang="en-US" dirty="0">
-                <a:cs typeface="Arial"/>
-              </a:rPr>
-              <a:t>Learn about regular expressions</a:t>
-            </a:r>
-            <a:endParaRPr lang="en-US" dirty="0"/>
-          </a:p>
-          <a:p>
-            <a:pPr algn="ctr"/>
-            <a:r>
-              <a:rPr lang="en-US" dirty="0">
-                <a:cs typeface="Arial"/>
-              </a:rPr>
-              <a:t>Test data assumptions</a:t>
-            </a:r>
-          </a:p>
-          <a:p>
-            <a:pPr algn="ctr"/>
-            <a:r>
-              <a:rPr lang="en-US" dirty="0">
-                <a:cs typeface="Arial"/>
-              </a:rPr>
-              <a:t>Fix data programmatically</a:t>
-            </a:r>
-            <a:endParaRPr lang="en-US" dirty="0"/>
-          </a:p>
-        </p:txBody>
-      </p:sp>
-      <p:sp>
-        <p:nvSpPr>
-          <p:cNvPr id="10" name="Rectangle: Rounded Corners 9">
-            <a:extLst>
-              <a:ext uri="{FF2B5EF4-FFF2-40B4-BE49-F238E27FC236}">
-                <a16:creationId xmlns:a16="http://schemas.microsoft.com/office/drawing/2014/main" id="{296C0996-A7E3-346C-DB01-05F03B03BF90}"/>
-              </a:ext>
-            </a:extLst>
-          </p:cNvPr>
-          <p:cNvSpPr/>
-          <p:nvPr/>
-        </p:nvSpPr>
-        <p:spPr>
-          <a:xfrm>
-            <a:off x="690972" y="4688885"/>
-            <a:ext cx="3113510" cy="1530894"/>
-          </a:xfrm>
-          <a:prstGeom prst="roundRect">
-            <a:avLst/>
-          </a:prstGeom>
-          <a:solidFill>
-            <a:schemeClr val="accent4">
-              <a:lumMod val="20000"/>
-              <a:lumOff val="80000"/>
-            </a:schemeClr>
-          </a:solidFill>
-          <a:ln>
-            <a:solidFill>
-              <a:schemeClr val="accent4"/>
-            </a:solidFill>
-          </a:ln>
-        </p:spPr>
-        <p:style>
-          <a:lnRef idx="2">
-            <a:schemeClr val="accent4"/>
-          </a:lnRef>
-          <a:fillRef idx="1">
-            <a:schemeClr val="lt1"/>
-          </a:fillRef>
-          <a:effectRef idx="0">
-            <a:schemeClr val="accent4"/>
-          </a:effectRef>
-          <a:fontRef idx="minor">
-            <a:schemeClr val="dk1"/>
-          </a:fontRef>
-        </p:style>
-        <p:txBody>
-          <a:bodyPr lIns="91440" tIns="45720" rIns="91440" bIns="45720" rtlCol="0" anchor="ctr"/>
-          <a:lstStyle/>
-          <a:p>
-            <a:pPr algn="ctr"/>
-            <a:r>
-              <a:rPr lang="en-US" sz="1800" dirty="0">
-                <a:cs typeface="Arial"/>
-              </a:rPr>
-              <a:t>#3 – Code Testing</a:t>
-            </a:r>
-          </a:p>
-          <a:p>
-            <a:pPr algn="ctr"/>
-            <a:endParaRPr lang="en-US" dirty="0">
-              <a:cs typeface="Arial"/>
-            </a:endParaRPr>
-          </a:p>
-          <a:p>
-            <a:pPr algn="ctr"/>
-            <a:r>
-              <a:rPr lang="en-US" dirty="0">
-                <a:cs typeface="Arial"/>
-              </a:rPr>
-              <a:t>What could go wrong with code?</a:t>
-            </a:r>
-          </a:p>
-          <a:p>
-            <a:pPr algn="ctr"/>
-            <a:r>
-              <a:rPr lang="en-US" dirty="0">
-                <a:cs typeface="Arial"/>
-              </a:rPr>
-              <a:t>Abstraction</a:t>
-            </a:r>
-          </a:p>
-          <a:p>
-            <a:pPr algn="ctr"/>
-            <a:r>
-              <a:rPr lang="en-US" dirty="0">
-                <a:cs typeface="Arial"/>
-              </a:rPr>
-              <a:t>Unit testing</a:t>
-            </a:r>
-          </a:p>
-          <a:p>
-            <a:pPr algn="ctr"/>
-            <a:endParaRPr lang="en-US" dirty="0">
-              <a:cs typeface="Arial"/>
-            </a:endParaRPr>
-          </a:p>
-        </p:txBody>
-      </p:sp>
-      <p:sp>
-        <p:nvSpPr>
-          <p:cNvPr id="11" name="Rectangle: Rounded Corners 10">
-            <a:extLst>
-              <a:ext uri="{FF2B5EF4-FFF2-40B4-BE49-F238E27FC236}">
-                <a16:creationId xmlns:a16="http://schemas.microsoft.com/office/drawing/2014/main" id="{A1339F41-7577-E7F6-8916-A0D3053CEEEE}"/>
-              </a:ext>
-            </a:extLst>
-          </p:cNvPr>
-          <p:cNvSpPr/>
-          <p:nvPr/>
-        </p:nvSpPr>
-        <p:spPr>
-          <a:xfrm>
-            <a:off x="5072471" y="1141750"/>
-            <a:ext cx="3113510" cy="1530894"/>
-          </a:xfrm>
-          <a:prstGeom prst="roundRect">
-            <a:avLst/>
-          </a:prstGeom>
-          <a:solidFill>
-            <a:schemeClr val="accent4">
-              <a:lumMod val="20000"/>
-              <a:lumOff val="80000"/>
-            </a:schemeClr>
-          </a:solidFill>
-          <a:ln>
-            <a:solidFill>
-              <a:schemeClr val="accent4"/>
-            </a:solidFill>
-          </a:ln>
-        </p:spPr>
-        <p:style>
-          <a:lnRef idx="2">
-            <a:schemeClr val="accent4"/>
-          </a:lnRef>
-          <a:fillRef idx="1">
-            <a:schemeClr val="lt1"/>
-          </a:fillRef>
-          <a:effectRef idx="0">
-            <a:schemeClr val="accent4"/>
-          </a:effectRef>
-          <a:fontRef idx="minor">
-            <a:schemeClr val="dk1"/>
-          </a:fontRef>
-        </p:style>
-        <p:txBody>
-          <a:bodyPr lIns="91440" tIns="45720" rIns="91440" bIns="45720" rtlCol="0" anchor="ctr"/>
-          <a:lstStyle/>
-          <a:p>
-            <a:pPr algn="ctr"/>
-            <a:r>
-              <a:rPr lang="en-US" sz="1800" dirty="0">
-                <a:cs typeface="Arial"/>
-              </a:rPr>
-              <a:t>#4 – Automate </a:t>
-            </a:r>
-          </a:p>
-          <a:p>
-            <a:pPr algn="ctr"/>
-            <a:endParaRPr lang="en-US" dirty="0">
-              <a:cs typeface="Arial"/>
-            </a:endParaRPr>
-          </a:p>
-          <a:p>
-            <a:pPr algn="ctr"/>
-            <a:r>
-              <a:rPr lang="en-US" dirty="0">
-                <a:cs typeface="Arial"/>
-              </a:rPr>
-              <a:t> Shell scripts</a:t>
-            </a:r>
-          </a:p>
-          <a:p>
-            <a:pPr algn="ctr"/>
-            <a:r>
-              <a:rPr lang="en-US" dirty="0">
-                <a:cs typeface="Arial"/>
-              </a:rPr>
-              <a:t>Scheduling</a:t>
-            </a:r>
-          </a:p>
-          <a:p>
-            <a:pPr algn="ctr"/>
-            <a:r>
-              <a:rPr lang="en-US" dirty="0">
-                <a:cs typeface="Arial"/>
-              </a:rPr>
-              <a:t>Leaving audit trails</a:t>
-            </a:r>
-          </a:p>
-        </p:txBody>
-      </p:sp>
-      <p:sp>
-        <p:nvSpPr>
-          <p:cNvPr id="12" name="Rectangle: Rounded Corners 11">
-            <a:extLst>
-              <a:ext uri="{FF2B5EF4-FFF2-40B4-BE49-F238E27FC236}">
-                <a16:creationId xmlns:a16="http://schemas.microsoft.com/office/drawing/2014/main" id="{B195C3E0-8603-751F-CEC4-E67817945A60}"/>
-              </a:ext>
-            </a:extLst>
-          </p:cNvPr>
-          <p:cNvSpPr/>
-          <p:nvPr/>
-        </p:nvSpPr>
-        <p:spPr>
-          <a:xfrm>
-            <a:off x="5072471" y="2913400"/>
-            <a:ext cx="3113510" cy="1530894"/>
-          </a:xfrm>
-          <a:prstGeom prst="roundRect">
-            <a:avLst/>
-          </a:prstGeom>
-          <a:solidFill>
-            <a:schemeClr val="accent4">
-              <a:lumMod val="20000"/>
-              <a:lumOff val="80000"/>
-            </a:schemeClr>
-          </a:solidFill>
-          <a:ln>
-            <a:solidFill>
-              <a:schemeClr val="accent4"/>
-            </a:solidFill>
-          </a:ln>
-        </p:spPr>
-        <p:style>
-          <a:lnRef idx="2">
-            <a:schemeClr val="accent4"/>
-          </a:lnRef>
-          <a:fillRef idx="1">
-            <a:schemeClr val="lt1"/>
-          </a:fillRef>
-          <a:effectRef idx="0">
-            <a:schemeClr val="accent4"/>
-          </a:effectRef>
-          <a:fontRef idx="minor">
-            <a:schemeClr val="dk1"/>
-          </a:fontRef>
-        </p:style>
-        <p:txBody>
-          <a:bodyPr lIns="91440" tIns="45720" rIns="91440" bIns="45720" rtlCol="0" anchor="ctr"/>
-          <a:lstStyle/>
-          <a:p>
-            <a:pPr algn="ctr"/>
-            <a:r>
-              <a:rPr lang="en-US" sz="1800" dirty="0">
-                <a:cs typeface="Arial"/>
-              </a:rPr>
-              <a:t>#5 – Keep Automating </a:t>
-            </a:r>
-          </a:p>
-          <a:p>
-            <a:pPr algn="ctr"/>
-            <a:endParaRPr lang="en-US" dirty="0">
-              <a:cs typeface="Arial"/>
-            </a:endParaRPr>
-          </a:p>
-          <a:p>
-            <a:pPr algn="ctr"/>
-            <a:r>
-              <a:rPr lang="en-US" dirty="0">
-                <a:cs typeface="Arial"/>
-              </a:rPr>
-              <a:t> LaTeX on KLC</a:t>
-            </a:r>
-          </a:p>
-          <a:p>
-            <a:pPr algn="ctr"/>
-            <a:r>
-              <a:rPr lang="en-US" dirty="0">
-                <a:cs typeface="Arial"/>
-              </a:rPr>
-              <a:t>Exporting results automatically</a:t>
-            </a:r>
-          </a:p>
-          <a:p>
-            <a:pPr algn="ctr"/>
-            <a:r>
-              <a:rPr lang="en-US" dirty="0">
-                <a:cs typeface="Arial"/>
-              </a:rPr>
-              <a:t>Testing consistency in papers</a:t>
-            </a:r>
-          </a:p>
-        </p:txBody>
-      </p:sp>
-      <p:sp>
-        <p:nvSpPr>
-          <p:cNvPr id="13" name="Rectangle: Rounded Corners 12">
-            <a:extLst>
-              <a:ext uri="{FF2B5EF4-FFF2-40B4-BE49-F238E27FC236}">
-                <a16:creationId xmlns:a16="http://schemas.microsoft.com/office/drawing/2014/main" id="{4C380D0C-F3C0-6BCB-683A-D06B15F59CA7}"/>
-              </a:ext>
-            </a:extLst>
-          </p:cNvPr>
-          <p:cNvSpPr/>
-          <p:nvPr/>
-        </p:nvSpPr>
-        <p:spPr>
-          <a:xfrm>
-            <a:off x="5072471" y="4685050"/>
-            <a:ext cx="3113510" cy="1530894"/>
-          </a:xfrm>
-          <a:prstGeom prst="roundRect">
-            <a:avLst/>
-          </a:prstGeom>
-          <a:solidFill>
-            <a:schemeClr val="accent4">
-              <a:lumMod val="20000"/>
-              <a:lumOff val="80000"/>
-            </a:schemeClr>
-          </a:solidFill>
-          <a:ln>
-            <a:solidFill>
-              <a:schemeClr val="accent4"/>
-            </a:solidFill>
-          </a:ln>
-        </p:spPr>
-        <p:style>
-          <a:lnRef idx="2">
-            <a:schemeClr val="accent4"/>
-          </a:lnRef>
-          <a:fillRef idx="1">
-            <a:schemeClr val="lt1"/>
-          </a:fillRef>
-          <a:effectRef idx="0">
-            <a:schemeClr val="accent4"/>
-          </a:effectRef>
-          <a:fontRef idx="minor">
-            <a:schemeClr val="dk1"/>
-          </a:fontRef>
-        </p:style>
-        <p:txBody>
-          <a:bodyPr lIns="91440" tIns="45720" rIns="91440" bIns="45720" rtlCol="0" anchor="ctr"/>
-          <a:lstStyle/>
-          <a:p>
-            <a:pPr algn="ctr"/>
-            <a:r>
-              <a:rPr lang="en-US" sz="1800" dirty="0">
-                <a:cs typeface="Arial"/>
-              </a:rPr>
-              <a:t>#6 – Version Control </a:t>
-            </a:r>
-          </a:p>
-          <a:p>
-            <a:pPr algn="ctr"/>
-            <a:endParaRPr lang="en-US" dirty="0">
-              <a:cs typeface="Arial"/>
-            </a:endParaRPr>
-          </a:p>
-          <a:p>
-            <a:pPr algn="ctr"/>
-            <a:r>
-              <a:rPr lang="en-US" dirty="0">
-                <a:cs typeface="Arial"/>
-              </a:rPr>
-              <a:t> Using git smartly</a:t>
-            </a:r>
-          </a:p>
-          <a:p>
-            <a:pPr algn="ctr"/>
-            <a:r>
-              <a:rPr lang="en-US" dirty="0" err="1">
-                <a:cs typeface="Arial"/>
-              </a:rPr>
-              <a:t>conda</a:t>
-            </a:r>
-          </a:p>
-          <a:p>
-            <a:pPr algn="ctr"/>
-            <a:r>
-              <a:rPr lang="en-US" dirty="0">
-                <a:cs typeface="Arial"/>
-              </a:rPr>
-              <a:t>Containers</a:t>
-            </a:r>
-          </a:p>
-        </p:txBody>
-      </p:sp>
-    </p:spTree>
-    <p:extLst>
-      <p:ext uri="{BB962C8B-B14F-4D97-AF65-F5344CB8AC3E}">
-        <p14:creationId xmlns:p14="http://schemas.microsoft.com/office/powerpoint/2010/main" val="2491928269"/>
-      </p:ext>
-    </p:extLst>
-  </p:cSld>
-  <p:clrMapOvr>
-    <a:masterClrMapping/>
-  </p:clrMapOvr>
-</p:sld>
-</file>
-
-<file path=ppt/slides/slide18.xml><?xml version="1.0" encoding="utf-8"?>
-<p:sld xmlns:a="http://schemas.openxmlformats.org/drawingml/2006/main" xmlns:r="http://schemas.openxmlformats.org/officeDocument/2006/relationships" xmlns:p="http://schemas.openxmlformats.org/presentationml/2006/main">
-  <p:cSld>
-    <p:spTree>
-      <p:nvGrpSpPr>
-        <p:cNvPr id="1" name="Shape 249"/>
-        <p:cNvGrpSpPr/>
-        <p:nvPr/>
-      </p:nvGrpSpPr>
-      <p:grpSpPr>
-        <a:xfrm>
-          <a:off x="0" y="0"/>
-          <a:ext cx="0" cy="0"/>
-          <a:chOff x="0" y="0"/>
-          <a:chExt cx="0" cy="0"/>
-        </a:xfrm>
-      </p:grpSpPr>
-      <p:sp>
-        <p:nvSpPr>
-          <p:cNvPr id="250" name="Google Shape;250;p28"/>
-          <p:cNvSpPr txBox="1">
-            <a:spLocks noGrp="1"/>
-          </p:cNvSpPr>
-          <p:nvPr>
-            <p:ph type="title"/>
-          </p:nvPr>
-        </p:nvSpPr>
-        <p:spPr>
-          <a:xfrm>
-            <a:off x="457200" y="0"/>
-            <a:ext cx="8645844" cy="1143000"/>
-          </a:xfrm>
-          <a:prstGeom prst="rect">
-            <a:avLst/>
-          </a:prstGeom>
-          <a:noFill/>
-          <a:ln>
-            <a:noFill/>
-          </a:ln>
-        </p:spPr>
-        <p:txBody>
-          <a:bodyPr spcFirstLastPara="1" wrap="square" lIns="91425" tIns="45700" rIns="91425" bIns="45700" anchor="ctr" anchorCtr="0">
-            <a:noAutofit/>
-          </a:bodyPr>
-          <a:lstStyle/>
-          <a:p>
-            <a:pPr>
-              <a:buSzPts val="3200"/>
-            </a:pPr>
-            <a:r>
-              <a:rPr lang="en-US" dirty="0"/>
-              <a:t>Appendix – Text Editors on KLC</a:t>
-            </a:r>
-          </a:p>
-        </p:txBody>
-      </p:sp>
-      <p:sp>
-        <p:nvSpPr>
-          <p:cNvPr id="251" name="Google Shape;251;p28"/>
-          <p:cNvSpPr txBox="1">
-            <a:spLocks noGrp="1"/>
-          </p:cNvSpPr>
-          <p:nvPr>
-            <p:ph type="ftr" idx="11"/>
-          </p:nvPr>
-        </p:nvSpPr>
-        <p:spPr>
-          <a:xfrm>
-            <a:off x="4572000" y="6506896"/>
-            <a:ext cx="4114800" cy="365100"/>
-          </a:xfrm>
-          <a:prstGeom prst="rect">
-            <a:avLst/>
-          </a:prstGeom>
-          <a:noFill/>
-          <a:ln>
-            <a:noFill/>
-          </a:ln>
-        </p:spPr>
-        <p:txBody>
-          <a:bodyPr spcFirstLastPara="1" wrap="square" lIns="91425" tIns="45700" rIns="91425" bIns="45700" anchor="ctr" anchorCtr="0">
-            <a:noAutofit/>
-          </a:bodyPr>
-          <a:lstStyle/>
-          <a:p>
-            <a:pPr marL="0" lvl="0" indent="0" algn="r" rtl="0">
-              <a:lnSpc>
-                <a:spcPct val="100000"/>
-              </a:lnSpc>
-              <a:spcBef>
-                <a:spcPts val="0"/>
-              </a:spcBef>
-              <a:spcAft>
-                <a:spcPts val="0"/>
-              </a:spcAft>
-              <a:buSzPts val="1400"/>
-              <a:buNone/>
-            </a:pPr>
-            <a:r>
-              <a:rPr lang="en-US"/>
-              <a:t>Reproducibility Principles</a:t>
-            </a:r>
-            <a:endParaRPr/>
-          </a:p>
-        </p:txBody>
-      </p:sp>
-      <p:sp>
-        <p:nvSpPr>
           <p:cNvPr id="253" name="Google Shape;253;p28"/>
           <p:cNvSpPr txBox="1"/>
           <p:nvPr/>
@@ -21831,7 +19546,7 @@
             </a:pPr>
             <a:fld id="{00000000-1234-1234-1234-123412341234}" type="slidenum">
               <a:rPr lang="en-US" smtClean="0"/>
-              <a:t>18</a:t>
+              <a:t>17</a:t>
             </a:fld>
             <a:endParaRPr lang="en-US"/>
           </a:p>
@@ -21851,349 +19566,6 @@
 </file>
 
 <file path=ppt/slides/slide2.xml><?xml version="1.0" encoding="utf-8"?>
-<p:sld xmlns:a="http://schemas.openxmlformats.org/drawingml/2006/main" xmlns:r="http://schemas.openxmlformats.org/officeDocument/2006/relationships" xmlns:p="http://schemas.openxmlformats.org/presentationml/2006/main">
-  <p:cSld>
-    <p:spTree>
-      <p:nvGrpSpPr>
-        <p:cNvPr id="1" name="Shape 249"/>
-        <p:cNvGrpSpPr/>
-        <p:nvPr/>
-      </p:nvGrpSpPr>
-      <p:grpSpPr>
-        <a:xfrm>
-          <a:off x="0" y="0"/>
-          <a:ext cx="0" cy="0"/>
-          <a:chOff x="0" y="0"/>
-          <a:chExt cx="0" cy="0"/>
-        </a:xfrm>
-      </p:grpSpPr>
-      <p:sp>
-        <p:nvSpPr>
-          <p:cNvPr id="250" name="Google Shape;250;p28"/>
-          <p:cNvSpPr txBox="1">
-            <a:spLocks noGrp="1"/>
-          </p:cNvSpPr>
-          <p:nvPr>
-            <p:ph type="title"/>
-          </p:nvPr>
-        </p:nvSpPr>
-        <p:spPr>
-          <a:xfrm>
-            <a:off x="457200" y="0"/>
-            <a:ext cx="8645844" cy="1143000"/>
-          </a:xfrm>
-          <a:prstGeom prst="rect">
-            <a:avLst/>
-          </a:prstGeom>
-          <a:noFill/>
-          <a:ln>
-            <a:noFill/>
-          </a:ln>
-        </p:spPr>
-        <p:txBody>
-          <a:bodyPr spcFirstLastPara="1" wrap="square" lIns="91425" tIns="45700" rIns="91425" bIns="45700" anchor="ctr" anchorCtr="0">
-            <a:noAutofit/>
-          </a:bodyPr>
-          <a:lstStyle/>
-          <a:p>
-            <a:r>
-              <a:rPr lang="en-US" dirty="0"/>
-              <a:t>Goals for This Session</a:t>
-            </a:r>
-          </a:p>
-        </p:txBody>
-      </p:sp>
-      <p:sp>
-        <p:nvSpPr>
-          <p:cNvPr id="251" name="Google Shape;251;p28"/>
-          <p:cNvSpPr txBox="1">
-            <a:spLocks noGrp="1"/>
-          </p:cNvSpPr>
-          <p:nvPr>
-            <p:ph type="ftr" idx="11"/>
-          </p:nvPr>
-        </p:nvSpPr>
-        <p:spPr>
-          <a:xfrm>
-            <a:off x="4572000" y="6506896"/>
-            <a:ext cx="4114800" cy="365100"/>
-          </a:xfrm>
-          <a:prstGeom prst="rect">
-            <a:avLst/>
-          </a:prstGeom>
-          <a:noFill/>
-          <a:ln>
-            <a:noFill/>
-          </a:ln>
-        </p:spPr>
-        <p:txBody>
-          <a:bodyPr spcFirstLastPara="1" wrap="square" lIns="91425" tIns="45700" rIns="91425" bIns="45700" anchor="ctr" anchorCtr="0">
-            <a:noAutofit/>
-          </a:bodyPr>
-          <a:lstStyle/>
-          <a:p>
-            <a:pPr marL="0" lvl="0" indent="0" algn="r" rtl="0">
-              <a:lnSpc>
-                <a:spcPct val="100000"/>
-              </a:lnSpc>
-              <a:spcBef>
-                <a:spcPts val="0"/>
-              </a:spcBef>
-              <a:spcAft>
-                <a:spcPts val="0"/>
-              </a:spcAft>
-              <a:buSzPts val="1400"/>
-              <a:buNone/>
-            </a:pPr>
-            <a:r>
-              <a:rPr lang="en-US"/>
-              <a:t>Reproducibility Principles</a:t>
-            </a:r>
-            <a:endParaRPr/>
-          </a:p>
-        </p:txBody>
-      </p:sp>
-      <p:sp>
-        <p:nvSpPr>
-          <p:cNvPr id="2" name="Slide Number Placeholder 1"/>
-          <p:cNvSpPr>
-            <a:spLocks noGrp="1"/>
-          </p:cNvSpPr>
-          <p:nvPr>
-            <p:ph type="sldNum" idx="12"/>
-          </p:nvPr>
-        </p:nvSpPr>
-        <p:spPr/>
-        <p:txBody>
-          <a:bodyPr/>
-          <a:lstStyle/>
-          <a:p>
-            <a:pPr marL="0" lvl="0" indent="0" algn="r" rtl="0">
-              <a:spcBef>
-                <a:spcPts val="0"/>
-              </a:spcBef>
-              <a:spcAft>
-                <a:spcPts val="0"/>
-              </a:spcAft>
-              <a:buNone/>
-            </a:pPr>
-            <a:fld id="{00000000-1234-1234-1234-123412341234}" type="slidenum">
-              <a:rPr lang="en-US" smtClean="0"/>
-              <a:t>2</a:t>
-            </a:fld>
-            <a:endParaRPr lang="en-US"/>
-          </a:p>
-        </p:txBody>
-      </p:sp>
-      <p:sp>
-        <p:nvSpPr>
-          <p:cNvPr id="3" name="Rectangle: Rounded Corners 2">
-            <a:extLst>
-              <a:ext uri="{FF2B5EF4-FFF2-40B4-BE49-F238E27FC236}">
-                <a16:creationId xmlns:a16="http://schemas.microsoft.com/office/drawing/2014/main" id="{52588039-4CD5-A745-394E-9E48A5A8FD86}"/>
-              </a:ext>
-            </a:extLst>
-          </p:cNvPr>
-          <p:cNvSpPr/>
-          <p:nvPr/>
-        </p:nvSpPr>
-        <p:spPr>
-          <a:xfrm>
-            <a:off x="1148172" y="5123201"/>
-            <a:ext cx="2313410" cy="1140369"/>
-          </a:xfrm>
-          <a:prstGeom prst="roundRect">
-            <a:avLst/>
-          </a:prstGeom>
-          <a:solidFill>
-            <a:schemeClr val="accent4">
-              <a:lumMod val="20000"/>
-              <a:lumOff val="80000"/>
-            </a:schemeClr>
-          </a:solidFill>
-          <a:ln>
-            <a:solidFill>
-              <a:schemeClr val="accent4"/>
-            </a:solidFill>
-          </a:ln>
-        </p:spPr>
-        <p:style>
-          <a:lnRef idx="2">
-            <a:schemeClr val="accent4"/>
-          </a:lnRef>
-          <a:fillRef idx="1">
-            <a:schemeClr val="lt1"/>
-          </a:fillRef>
-          <a:effectRef idx="0">
-            <a:schemeClr val="accent4"/>
-          </a:effectRef>
-          <a:fontRef idx="minor">
-            <a:schemeClr val="dk1"/>
-          </a:fontRef>
-        </p:style>
-        <p:txBody>
-          <a:bodyPr lIns="91440" tIns="45720" rIns="91440" bIns="45720" rtlCol="0" anchor="ctr"/>
-          <a:lstStyle/>
-          <a:p>
-            <a:pPr algn="ctr"/>
-            <a:r>
-              <a:rPr lang="en-US" sz="1800" dirty="0">
-                <a:cs typeface="Arial"/>
-              </a:rPr>
-              <a:t>Learn Principles for Replicability</a:t>
-            </a:r>
-            <a:endParaRPr lang="en-US" dirty="0"/>
-          </a:p>
-        </p:txBody>
-      </p:sp>
-      <p:sp>
-        <p:nvSpPr>
-          <p:cNvPr id="9" name="Rectangle: Rounded Corners 8">
-            <a:extLst>
-              <a:ext uri="{FF2B5EF4-FFF2-40B4-BE49-F238E27FC236}">
-                <a16:creationId xmlns:a16="http://schemas.microsoft.com/office/drawing/2014/main" id="{62565879-8A2E-EBF5-A9DD-54B47D47CBC4}"/>
-              </a:ext>
-            </a:extLst>
-          </p:cNvPr>
-          <p:cNvSpPr/>
-          <p:nvPr/>
-        </p:nvSpPr>
-        <p:spPr>
-          <a:xfrm>
-            <a:off x="3538947" y="5120354"/>
-            <a:ext cx="2313410" cy="1149894"/>
-          </a:xfrm>
-          <a:prstGeom prst="roundRect">
-            <a:avLst/>
-          </a:prstGeom>
-          <a:solidFill>
-            <a:schemeClr val="accent4">
-              <a:lumMod val="20000"/>
-              <a:lumOff val="80000"/>
-            </a:schemeClr>
-          </a:solidFill>
-          <a:ln>
-            <a:solidFill>
-              <a:schemeClr val="accent4"/>
-            </a:solidFill>
-          </a:ln>
-        </p:spPr>
-        <p:style>
-          <a:lnRef idx="2">
-            <a:schemeClr val="accent4"/>
-          </a:lnRef>
-          <a:fillRef idx="1">
-            <a:schemeClr val="lt1"/>
-          </a:fillRef>
-          <a:effectRef idx="0">
-            <a:schemeClr val="accent4"/>
-          </a:effectRef>
-          <a:fontRef idx="minor">
-            <a:schemeClr val="dk1"/>
-          </a:fontRef>
-        </p:style>
-        <p:txBody>
-          <a:bodyPr lIns="91440" tIns="45720" rIns="91440" bIns="45720" rtlCol="0" anchor="ctr"/>
-          <a:lstStyle/>
-          <a:p>
-            <a:pPr algn="ctr"/>
-            <a:r>
-              <a:rPr lang="en-US" sz="1800" dirty="0">
-                <a:cs typeface="Arial"/>
-              </a:rPr>
-              <a:t>Get Acquainted w/ Kellogg Linux Cluster</a:t>
-            </a:r>
-            <a:endParaRPr lang="en-US" dirty="0"/>
-          </a:p>
-        </p:txBody>
-      </p:sp>
-      <p:sp>
-        <p:nvSpPr>
-          <p:cNvPr id="10" name="Rectangle: Rounded Corners 9">
-            <a:extLst>
-              <a:ext uri="{FF2B5EF4-FFF2-40B4-BE49-F238E27FC236}">
-                <a16:creationId xmlns:a16="http://schemas.microsoft.com/office/drawing/2014/main" id="{296C0996-A7E3-346C-DB01-05F03B03BF90}"/>
-              </a:ext>
-            </a:extLst>
-          </p:cNvPr>
-          <p:cNvSpPr/>
-          <p:nvPr/>
-        </p:nvSpPr>
-        <p:spPr>
-          <a:xfrm>
-            <a:off x="5901147" y="5117510"/>
-            <a:ext cx="2313410" cy="1140369"/>
-          </a:xfrm>
-          <a:prstGeom prst="roundRect">
-            <a:avLst/>
-          </a:prstGeom>
-          <a:solidFill>
-            <a:schemeClr val="accent4">
-              <a:lumMod val="20000"/>
-              <a:lumOff val="80000"/>
-            </a:schemeClr>
-          </a:solidFill>
-          <a:ln>
-            <a:solidFill>
-              <a:schemeClr val="accent4"/>
-            </a:solidFill>
-          </a:ln>
-        </p:spPr>
-        <p:style>
-          <a:lnRef idx="2">
-            <a:schemeClr val="accent4"/>
-          </a:lnRef>
-          <a:fillRef idx="1">
-            <a:schemeClr val="lt1"/>
-          </a:fillRef>
-          <a:effectRef idx="0">
-            <a:schemeClr val="accent4"/>
-          </a:effectRef>
-          <a:fontRef idx="minor">
-            <a:schemeClr val="dk1"/>
-          </a:fontRef>
-        </p:style>
-        <p:txBody>
-          <a:bodyPr lIns="91440" tIns="45720" rIns="91440" bIns="45720" rtlCol="0" anchor="ctr"/>
-          <a:lstStyle/>
-          <a:p>
-            <a:pPr algn="ctr"/>
-            <a:r>
-              <a:rPr lang="en-US" sz="1800" dirty="0">
-                <a:cs typeface="Arial"/>
-              </a:rPr>
-              <a:t>Practice Using git &amp; </a:t>
-            </a:r>
-            <a:r>
-              <a:rPr lang="en-US" sz="1800" dirty="0" err="1">
-                <a:cs typeface="Arial"/>
-              </a:rPr>
-              <a:t>Jupyter</a:t>
-            </a:r>
-            <a:r>
-              <a:rPr lang="en-US" sz="1800" dirty="0">
-                <a:cs typeface="Arial"/>
-              </a:rPr>
-              <a:t> Notebook</a:t>
-            </a:r>
-            <a:endParaRPr lang="en-US" dirty="0"/>
-          </a:p>
-        </p:txBody>
-      </p:sp>
-    </p:spTree>
-    <p:extLst>
-      <p:ext uri="{BB962C8B-B14F-4D97-AF65-F5344CB8AC3E}">
-        <p14:creationId xmlns:p14="http://schemas.microsoft.com/office/powerpoint/2010/main" val="837207602"/>
-      </p:ext>
-    </p:extLst>
-  </p:cSld>
-  <p:clrMapOvr>
-    <a:masterClrMapping/>
-  </p:clrMapOvr>
-</p:sld>
-</file>
-
-<file path=ppt/slides/slide3.xml><?xml version="1.0" encoding="utf-8"?>
 <p:sld xmlns:a="http://schemas.openxmlformats.org/drawingml/2006/main" xmlns:r="http://schemas.openxmlformats.org/officeDocument/2006/relationships" xmlns:p="http://schemas.openxmlformats.org/presentationml/2006/main">
   <p:cSld>
     <p:spTree>
@@ -22911,7 +20283,7 @@
             </a:pPr>
             <a:fld id="{00000000-1234-1234-1234-123412341234}" type="slidenum">
               <a:rPr lang="en-US" smtClean="0"/>
-              <a:t>3</a:t>
+              <a:t>2</a:t>
             </a:fld>
             <a:endParaRPr lang="en-US"/>
           </a:p>
@@ -23113,7 +20485,7 @@
 </p:sld>
 </file>
 
-<file path=ppt/slides/slide4.xml><?xml version="1.0" encoding="utf-8"?>
+<file path=ppt/slides/slide3.xml><?xml version="1.0" encoding="utf-8"?>
 <p:sld xmlns:a="http://schemas.openxmlformats.org/drawingml/2006/main" xmlns:r="http://schemas.openxmlformats.org/officeDocument/2006/relationships" xmlns:p="http://schemas.openxmlformats.org/presentationml/2006/main">
   <p:cSld>
     <p:spTree>
@@ -23789,7 +21161,7 @@
             </a:pPr>
             <a:fld id="{00000000-1234-1234-1234-123412341234}" type="slidenum">
               <a:rPr lang="en-US" smtClean="0"/>
-              <a:t>4</a:t>
+              <a:t>3</a:t>
             </a:fld>
             <a:endParaRPr lang="en-US"/>
           </a:p>
@@ -23803,7 +21175,7 @@
 </p:sld>
 </file>
 
-<file path=ppt/slides/slide5.xml><?xml version="1.0" encoding="utf-8"?>
+<file path=ppt/slides/slide4.xml><?xml version="1.0" encoding="utf-8"?>
 <p:sld xmlns:a="http://schemas.openxmlformats.org/drawingml/2006/main" xmlns:r="http://schemas.openxmlformats.org/officeDocument/2006/relationships" xmlns:p="http://schemas.openxmlformats.org/presentationml/2006/main">
   <p:cSld>
     <p:spTree>
@@ -24348,7 +21720,7 @@
             </a:pPr>
             <a:fld id="{00000000-1234-1234-1234-123412341234}" type="slidenum">
               <a:rPr lang="en-US" smtClean="0"/>
-              <a:t>5</a:t>
+              <a:t>4</a:t>
             </a:fld>
             <a:endParaRPr lang="en-US"/>
           </a:p>
@@ -24392,7 +21764,7 @@
 </p:sld>
 </file>
 
-<file path=ppt/slides/slide6.xml><?xml version="1.0" encoding="utf-8"?>
+<file path=ppt/slides/slide5.xml><?xml version="1.0" encoding="utf-8"?>
 <p:sld xmlns:a="http://schemas.openxmlformats.org/drawingml/2006/main" xmlns:r="http://schemas.openxmlformats.org/officeDocument/2006/relationships" xmlns:p="http://schemas.openxmlformats.org/presentationml/2006/main">
   <p:cSld>
     <p:spTree>
@@ -24963,7 +22335,7 @@
             </a:pPr>
             <a:fld id="{00000000-1234-1234-1234-123412341234}" type="slidenum">
               <a:rPr lang="en-US" smtClean="0"/>
-              <a:t>6</a:t>
+              <a:t>5</a:t>
             </a:fld>
             <a:endParaRPr lang="en-US"/>
           </a:p>
@@ -24977,7 +22349,7 @@
 </p:sld>
 </file>
 
-<file path=ppt/slides/slide7.xml><?xml version="1.0" encoding="utf-8"?>
+<file path=ppt/slides/slide6.xml><?xml version="1.0" encoding="utf-8"?>
 <p:sld xmlns:a="http://schemas.openxmlformats.org/drawingml/2006/main" xmlns:r="http://schemas.openxmlformats.org/officeDocument/2006/relationships" xmlns:p="http://schemas.openxmlformats.org/presentationml/2006/main">
   <p:cSld>
     <p:spTree>
@@ -25110,7 +22482,7 @@
             </a:pPr>
             <a:fld id="{00000000-1234-1234-1234-123412341234}" type="slidenum">
               <a:rPr lang="en-US" smtClean="0"/>
-              <a:t>7</a:t>
+              <a:t>6</a:t>
             </a:fld>
             <a:endParaRPr lang="en-US"/>
           </a:p>
@@ -25225,7 +22597,7 @@
 </p:sld>
 </file>
 
-<file path=ppt/slides/slide8.xml><?xml version="1.0" encoding="utf-8"?>
+<file path=ppt/slides/slide7.xml><?xml version="1.0" encoding="utf-8"?>
 <p:sld xmlns:a="http://schemas.openxmlformats.org/drawingml/2006/main" xmlns:r="http://schemas.openxmlformats.org/officeDocument/2006/relationships" xmlns:p="http://schemas.openxmlformats.org/presentationml/2006/main">
   <p:cSld>
     <p:spTree>
@@ -25372,7 +22744,7 @@
             </a:pPr>
             <a:fld id="{00000000-1234-1234-1234-123412341234}" type="slidenum">
               <a:rPr lang="en-US" smtClean="0"/>
-              <a:t>8</a:t>
+              <a:t>7</a:t>
             </a:fld>
             <a:endParaRPr lang="en-US"/>
           </a:p>
@@ -25670,7 +23042,7 @@
 </p:sld>
 </file>
 
-<file path=ppt/slides/slide9.xml><?xml version="1.0" encoding="utf-8"?>
+<file path=ppt/slides/slide8.xml><?xml version="1.0" encoding="utf-8"?>
 <p:sld xmlns:a="http://schemas.openxmlformats.org/drawingml/2006/main" xmlns:r="http://schemas.openxmlformats.org/officeDocument/2006/relationships" xmlns:p="http://schemas.openxmlformats.org/presentationml/2006/main">
   <p:cSld>
     <p:spTree>
@@ -25929,6 +23301,2028 @@
           </a:ln>
         </p:spPr>
       </p:pic>
+      <p:sp>
+        <p:nvSpPr>
+          <p:cNvPr id="2" name="Slide Number Placeholder 1"/>
+          <p:cNvSpPr>
+            <a:spLocks noGrp="1"/>
+          </p:cNvSpPr>
+          <p:nvPr>
+            <p:ph type="sldNum" idx="12"/>
+          </p:nvPr>
+        </p:nvSpPr>
+        <p:spPr/>
+        <p:txBody>
+          <a:bodyPr/>
+          <a:lstStyle/>
+          <a:p>
+            <a:pPr marL="0" lvl="0" indent="0" algn="r" rtl="0">
+              <a:spcBef>
+                <a:spcPts val="0"/>
+              </a:spcBef>
+              <a:spcAft>
+                <a:spcPts val="0"/>
+              </a:spcAft>
+              <a:buNone/>
+            </a:pPr>
+            <a:fld id="{00000000-1234-1234-1234-123412341234}" type="slidenum">
+              <a:rPr lang="en-US" smtClean="0"/>
+              <a:t>8</a:t>
+            </a:fld>
+            <a:endParaRPr lang="en-US"/>
+          </a:p>
+        </p:txBody>
+      </p:sp>
+    </p:spTree>
+  </p:cSld>
+  <p:clrMapOvr>
+    <a:masterClrMapping/>
+  </p:clrMapOvr>
+</p:sld>
+</file>
+
+<file path=ppt/slides/slide9.xml><?xml version="1.0" encoding="utf-8"?>
+<p:sld xmlns:a="http://schemas.openxmlformats.org/drawingml/2006/main" xmlns:r="http://schemas.openxmlformats.org/officeDocument/2006/relationships" xmlns:p="http://schemas.openxmlformats.org/presentationml/2006/main">
+  <p:cSld>
+    <p:spTree>
+      <p:nvGrpSpPr>
+        <p:cNvPr id="1" name="Shape 112"/>
+        <p:cNvGrpSpPr/>
+        <p:nvPr/>
+      </p:nvGrpSpPr>
+      <p:grpSpPr>
+        <a:xfrm>
+          <a:off x="0" y="0"/>
+          <a:ext cx="0" cy="0"/>
+          <a:chOff x="0" y="0"/>
+          <a:chExt cx="0" cy="0"/>
+        </a:xfrm>
+      </p:grpSpPr>
+      <p:sp>
+        <p:nvSpPr>
+          <p:cNvPr id="113" name="Google Shape;113;p15"/>
+          <p:cNvSpPr txBox="1">
+            <a:spLocks noGrp="1"/>
+          </p:cNvSpPr>
+          <p:nvPr>
+            <p:ph type="title"/>
+          </p:nvPr>
+        </p:nvSpPr>
+        <p:spPr>
+          <a:xfrm>
+            <a:off x="457200" y="0"/>
+            <a:ext cx="8686800" cy="1143000"/>
+          </a:xfrm>
+          <a:prstGeom prst="rect">
+            <a:avLst/>
+          </a:prstGeom>
+          <a:noFill/>
+          <a:ln>
+            <a:noFill/>
+          </a:ln>
+        </p:spPr>
+        <p:txBody>
+          <a:bodyPr spcFirstLastPara="1" wrap="square" lIns="91425" tIns="45700" rIns="91425" bIns="45700" anchor="ctr" anchorCtr="0">
+            <a:noAutofit/>
+          </a:bodyPr>
+          <a:lstStyle/>
+          <a:p>
+            <a:pPr marL="0" lvl="0" indent="0" algn="l" rtl="0">
+              <a:lnSpc>
+                <a:spcPct val="100000"/>
+              </a:lnSpc>
+              <a:spcBef>
+                <a:spcPts val="0"/>
+              </a:spcBef>
+              <a:spcAft>
+                <a:spcPts val="0"/>
+              </a:spcAft>
+              <a:buClr>
+                <a:srgbClr val="3D146F"/>
+              </a:buClr>
+              <a:buSzPts val="3200"/>
+              <a:buFont typeface="Arial"/>
+              <a:buNone/>
+            </a:pPr>
+            <a:r>
+              <a:rPr lang="en-US" dirty="0"/>
+              <a:t>Organize Directories</a:t>
+            </a:r>
+          </a:p>
+        </p:txBody>
+      </p:sp>
+      <p:sp>
+        <p:nvSpPr>
+          <p:cNvPr id="114" name="Google Shape;114;p15"/>
+          <p:cNvSpPr txBox="1">
+            <a:spLocks noGrp="1"/>
+          </p:cNvSpPr>
+          <p:nvPr>
+            <p:ph type="ftr" idx="11"/>
+          </p:nvPr>
+        </p:nvSpPr>
+        <p:spPr>
+          <a:xfrm>
+            <a:off x="4572000" y="6506896"/>
+            <a:ext cx="4114800" cy="365100"/>
+          </a:xfrm>
+          <a:prstGeom prst="rect">
+            <a:avLst/>
+          </a:prstGeom>
+          <a:noFill/>
+          <a:ln>
+            <a:noFill/>
+          </a:ln>
+        </p:spPr>
+        <p:txBody>
+          <a:bodyPr spcFirstLastPara="1" wrap="square" lIns="91425" tIns="45700" rIns="91425" bIns="45700" anchor="ctr" anchorCtr="0">
+            <a:noAutofit/>
+          </a:bodyPr>
+          <a:lstStyle/>
+          <a:p>
+            <a:pPr marL="0" lvl="0" indent="0" algn="r" rtl="0">
+              <a:lnSpc>
+                <a:spcPct val="100000"/>
+              </a:lnSpc>
+              <a:spcBef>
+                <a:spcPts val="0"/>
+              </a:spcBef>
+              <a:spcAft>
+                <a:spcPts val="0"/>
+              </a:spcAft>
+              <a:buSzPts val="1400"/>
+              <a:buNone/>
+            </a:pPr>
+            <a:r>
+              <a:rPr lang="en-US"/>
+              <a:t>Reproducibility Principles</a:t>
+            </a:r>
+            <a:endParaRPr/>
+          </a:p>
+        </p:txBody>
+      </p:sp>
+      <p:sp>
+        <p:nvSpPr>
+          <p:cNvPr id="116" name="Google Shape;116;p15"/>
+          <p:cNvSpPr txBox="1"/>
+          <p:nvPr/>
+        </p:nvSpPr>
+        <p:spPr>
+          <a:xfrm>
+            <a:off x="457200" y="1220752"/>
+            <a:ext cx="8299800" cy="561000"/>
+          </a:xfrm>
+          <a:prstGeom prst="rect">
+            <a:avLst/>
+          </a:prstGeom>
+          <a:noFill/>
+          <a:ln>
+            <a:noFill/>
+          </a:ln>
+        </p:spPr>
+        <p:txBody>
+          <a:bodyPr spcFirstLastPara="1" wrap="square" lIns="91425" tIns="45700" rIns="91425" bIns="45700" anchor="t" anchorCtr="0">
+            <a:noAutofit/>
+          </a:bodyPr>
+          <a:lstStyle/>
+          <a:p>
+            <a:pPr marL="0" marR="0" lvl="0" indent="0" algn="l" rtl="0">
+              <a:lnSpc>
+                <a:spcPct val="100000"/>
+              </a:lnSpc>
+              <a:spcBef>
+                <a:spcPts val="0"/>
+              </a:spcBef>
+              <a:spcAft>
+                <a:spcPts val="0"/>
+              </a:spcAft>
+              <a:buClr>
+                <a:srgbClr val="000000"/>
+              </a:buClr>
+              <a:buSzPts val="1800"/>
+              <a:buFont typeface="Arial"/>
+              <a:buNone/>
+            </a:pPr>
+            <a:r>
+              <a:rPr lang="en-US" sz="1800" dirty="0">
+                <a:solidFill>
+                  <a:schemeClr val="dk1"/>
+                </a:solidFill>
+              </a:rPr>
+              <a:t>This is a real directory with code &amp; data that monitors load on KLC.</a:t>
+            </a:r>
+            <a:endParaRPr sz="1800" dirty="0">
+              <a:solidFill>
+                <a:schemeClr val="dk1"/>
+              </a:solidFill>
+            </a:endParaRPr>
+          </a:p>
+          <a:p>
+            <a:pPr marL="0" marR="0" lvl="0" indent="0" algn="l" rtl="0">
+              <a:lnSpc>
+                <a:spcPct val="100000"/>
+              </a:lnSpc>
+              <a:spcBef>
+                <a:spcPts val="0"/>
+              </a:spcBef>
+              <a:spcAft>
+                <a:spcPts val="0"/>
+              </a:spcAft>
+              <a:buClr>
+                <a:srgbClr val="000000"/>
+              </a:buClr>
+              <a:buSzPts val="1800"/>
+              <a:buFont typeface="Arial"/>
+              <a:buNone/>
+            </a:pPr>
+            <a:endParaRPr sz="1800" dirty="0">
+              <a:solidFill>
+                <a:schemeClr val="dk1"/>
+              </a:solidFill>
+            </a:endParaRPr>
+          </a:p>
+          <a:p>
+            <a:pPr marL="0" marR="0" lvl="0" indent="0" algn="l" rtl="0">
+              <a:lnSpc>
+                <a:spcPct val="100000"/>
+              </a:lnSpc>
+              <a:spcBef>
+                <a:spcPts val="0"/>
+              </a:spcBef>
+              <a:spcAft>
+                <a:spcPts val="0"/>
+              </a:spcAft>
+              <a:buClr>
+                <a:srgbClr val="000000"/>
+              </a:buClr>
+              <a:buSzPts val="1800"/>
+              <a:buFont typeface="Arial"/>
+              <a:buNone/>
+            </a:pPr>
+            <a:endParaRPr sz="1800" dirty="0">
+              <a:solidFill>
+                <a:schemeClr val="dk1"/>
+              </a:solidFill>
+            </a:endParaRPr>
+          </a:p>
+          <a:p>
+            <a:pPr marL="0" marR="0" lvl="0" indent="0" algn="l" rtl="0">
+              <a:lnSpc>
+                <a:spcPct val="100000"/>
+              </a:lnSpc>
+              <a:spcBef>
+                <a:spcPts val="0"/>
+              </a:spcBef>
+              <a:spcAft>
+                <a:spcPts val="0"/>
+              </a:spcAft>
+              <a:buClr>
+                <a:srgbClr val="000000"/>
+              </a:buClr>
+              <a:buSzPts val="1800"/>
+              <a:buFont typeface="Arial"/>
+              <a:buNone/>
+            </a:pPr>
+            <a:endParaRPr sz="1800" dirty="0">
+              <a:solidFill>
+                <a:schemeClr val="dk1"/>
+              </a:solidFill>
+            </a:endParaRPr>
+          </a:p>
+          <a:p>
+            <a:pPr marL="0" marR="0" lvl="0" indent="0" algn="l" rtl="0">
+              <a:lnSpc>
+                <a:spcPct val="100000"/>
+              </a:lnSpc>
+              <a:spcBef>
+                <a:spcPts val="0"/>
+              </a:spcBef>
+              <a:spcAft>
+                <a:spcPts val="0"/>
+              </a:spcAft>
+              <a:buClr>
+                <a:srgbClr val="000000"/>
+              </a:buClr>
+              <a:buSzPts val="1800"/>
+              <a:buFont typeface="Arial"/>
+              <a:buNone/>
+            </a:pPr>
+            <a:endParaRPr sz="1800" dirty="0">
+              <a:solidFill>
+                <a:schemeClr val="dk1"/>
+              </a:solidFill>
+            </a:endParaRPr>
+          </a:p>
+          <a:p>
+            <a:pPr marL="0" marR="0" lvl="0" indent="0" algn="l" rtl="0">
+              <a:lnSpc>
+                <a:spcPct val="100000"/>
+              </a:lnSpc>
+              <a:spcBef>
+                <a:spcPts val="0"/>
+              </a:spcBef>
+              <a:spcAft>
+                <a:spcPts val="0"/>
+              </a:spcAft>
+              <a:buClr>
+                <a:srgbClr val="000000"/>
+              </a:buClr>
+              <a:buSzPts val="1800"/>
+              <a:buFont typeface="Arial"/>
+              <a:buNone/>
+            </a:pPr>
+            <a:endParaRPr sz="1800" dirty="0">
+              <a:solidFill>
+                <a:schemeClr val="dk1"/>
+              </a:solidFill>
+            </a:endParaRPr>
+          </a:p>
+          <a:p>
+            <a:pPr marL="0" marR="0" lvl="0" indent="0" algn="l" rtl="0">
+              <a:lnSpc>
+                <a:spcPct val="100000"/>
+              </a:lnSpc>
+              <a:spcBef>
+                <a:spcPts val="0"/>
+              </a:spcBef>
+              <a:spcAft>
+                <a:spcPts val="0"/>
+              </a:spcAft>
+              <a:buClr>
+                <a:srgbClr val="000000"/>
+              </a:buClr>
+              <a:buSzPts val="1800"/>
+              <a:buFont typeface="Arial"/>
+              <a:buNone/>
+            </a:pPr>
+            <a:endParaRPr sz="1800" dirty="0">
+              <a:solidFill>
+                <a:schemeClr val="dk1"/>
+              </a:solidFill>
+            </a:endParaRPr>
+          </a:p>
+          <a:p>
+            <a:pPr marL="0" marR="0" lvl="0" indent="0" algn="l" rtl="0">
+              <a:lnSpc>
+                <a:spcPct val="100000"/>
+              </a:lnSpc>
+              <a:spcBef>
+                <a:spcPts val="0"/>
+              </a:spcBef>
+              <a:spcAft>
+                <a:spcPts val="0"/>
+              </a:spcAft>
+              <a:buClr>
+                <a:srgbClr val="000000"/>
+              </a:buClr>
+              <a:buSzPts val="1800"/>
+              <a:buFont typeface="Arial"/>
+              <a:buNone/>
+            </a:pPr>
+            <a:endParaRPr sz="1800" dirty="0">
+              <a:solidFill>
+                <a:schemeClr val="dk1"/>
+              </a:solidFill>
+            </a:endParaRPr>
+          </a:p>
+          <a:p>
+            <a:pPr marL="0" marR="0" lvl="0" indent="0" algn="l" rtl="0">
+              <a:lnSpc>
+                <a:spcPct val="100000"/>
+              </a:lnSpc>
+              <a:spcBef>
+                <a:spcPts val="0"/>
+              </a:spcBef>
+              <a:spcAft>
+                <a:spcPts val="0"/>
+              </a:spcAft>
+              <a:buClr>
+                <a:srgbClr val="000000"/>
+              </a:buClr>
+              <a:buSzPts val="1800"/>
+              <a:buFont typeface="Arial"/>
+              <a:buNone/>
+            </a:pPr>
+            <a:endParaRPr sz="1800" dirty="0">
+              <a:solidFill>
+                <a:schemeClr val="dk1"/>
+              </a:solidFill>
+            </a:endParaRPr>
+          </a:p>
+          <a:p>
+            <a:pPr marL="0" marR="0" lvl="0" indent="0" algn="l" rtl="0">
+              <a:lnSpc>
+                <a:spcPct val="100000"/>
+              </a:lnSpc>
+              <a:spcBef>
+                <a:spcPts val="0"/>
+              </a:spcBef>
+              <a:spcAft>
+                <a:spcPts val="0"/>
+              </a:spcAft>
+              <a:buClr>
+                <a:srgbClr val="000000"/>
+              </a:buClr>
+              <a:buSzPts val="1800"/>
+              <a:buFont typeface="Arial"/>
+              <a:buNone/>
+            </a:pPr>
+            <a:endParaRPr sz="1800" dirty="0">
+              <a:solidFill>
+                <a:schemeClr val="dk1"/>
+              </a:solidFill>
+            </a:endParaRPr>
+          </a:p>
+          <a:p>
+            <a:pPr marL="0" marR="0" lvl="0" indent="0" algn="l" rtl="0">
+              <a:lnSpc>
+                <a:spcPct val="100000"/>
+              </a:lnSpc>
+              <a:spcBef>
+                <a:spcPts val="0"/>
+              </a:spcBef>
+              <a:spcAft>
+                <a:spcPts val="0"/>
+              </a:spcAft>
+              <a:buClr>
+                <a:srgbClr val="000000"/>
+              </a:buClr>
+              <a:buSzPts val="1800"/>
+              <a:buFont typeface="Arial"/>
+              <a:buNone/>
+            </a:pPr>
+            <a:endParaRPr sz="1800" dirty="0">
+              <a:solidFill>
+                <a:schemeClr val="dk1"/>
+              </a:solidFill>
+            </a:endParaRPr>
+          </a:p>
+          <a:p>
+            <a:pPr marL="0" marR="0" lvl="0" indent="0" algn="l" rtl="0">
+              <a:lnSpc>
+                <a:spcPct val="100000"/>
+              </a:lnSpc>
+              <a:spcBef>
+                <a:spcPts val="0"/>
+              </a:spcBef>
+              <a:spcAft>
+                <a:spcPts val="0"/>
+              </a:spcAft>
+              <a:buClr>
+                <a:srgbClr val="000000"/>
+              </a:buClr>
+              <a:buSzPts val="1800"/>
+              <a:buFont typeface="Arial"/>
+              <a:buNone/>
+            </a:pPr>
+            <a:endParaRPr sz="1800" dirty="0">
+              <a:solidFill>
+                <a:schemeClr val="dk1"/>
+              </a:solidFill>
+            </a:endParaRPr>
+          </a:p>
+          <a:p>
+            <a:pPr marL="0" marR="0" lvl="0" indent="0" algn="l" rtl="0">
+              <a:lnSpc>
+                <a:spcPct val="100000"/>
+              </a:lnSpc>
+              <a:spcBef>
+                <a:spcPts val="0"/>
+              </a:spcBef>
+              <a:spcAft>
+                <a:spcPts val="0"/>
+              </a:spcAft>
+              <a:buClr>
+                <a:srgbClr val="000000"/>
+              </a:buClr>
+              <a:buSzPts val="1800"/>
+              <a:buFont typeface="Arial"/>
+              <a:buNone/>
+            </a:pPr>
+            <a:endParaRPr sz="1800" dirty="0">
+              <a:solidFill>
+                <a:schemeClr val="dk1"/>
+              </a:solidFill>
+            </a:endParaRPr>
+          </a:p>
+          <a:p>
+            <a:pPr marL="0" marR="0" lvl="0" indent="0" algn="l" rtl="0">
+              <a:lnSpc>
+                <a:spcPct val="100000"/>
+              </a:lnSpc>
+              <a:spcBef>
+                <a:spcPts val="0"/>
+              </a:spcBef>
+              <a:spcAft>
+                <a:spcPts val="0"/>
+              </a:spcAft>
+              <a:buClr>
+                <a:srgbClr val="000000"/>
+              </a:buClr>
+              <a:buSzPts val="1800"/>
+              <a:buFont typeface="Arial"/>
+              <a:buNone/>
+            </a:pPr>
+            <a:endParaRPr sz="1800" dirty="0">
+              <a:solidFill>
+                <a:schemeClr val="dk1"/>
+              </a:solidFill>
+            </a:endParaRPr>
+          </a:p>
+          <a:p>
+            <a:pPr>
+              <a:buSzPts val="1800"/>
+            </a:pPr>
+            <a:r>
+              <a:rPr lang="en-US" sz="1800" dirty="0">
+                <a:solidFill>
+                  <a:schemeClr val="dk1"/>
+                </a:solidFill>
+              </a:rPr>
+              <a:t>Is it clear where you would go to find load by user on a given date?</a:t>
+            </a:r>
+            <a:endParaRPr sz="1800" dirty="0">
+              <a:solidFill>
+                <a:schemeClr val="dk1"/>
+              </a:solidFill>
+            </a:endParaRPr>
+          </a:p>
+          <a:p>
+            <a:pPr marL="0" marR="0" lvl="0" indent="0" algn="l" rtl="0">
+              <a:lnSpc>
+                <a:spcPct val="100000"/>
+              </a:lnSpc>
+              <a:spcBef>
+                <a:spcPts val="0"/>
+              </a:spcBef>
+              <a:spcAft>
+                <a:spcPts val="0"/>
+              </a:spcAft>
+              <a:buClr>
+                <a:srgbClr val="000000"/>
+              </a:buClr>
+              <a:buSzPts val="1800"/>
+              <a:buFont typeface="Arial"/>
+              <a:buNone/>
+            </a:pPr>
+            <a:endParaRPr sz="1800" dirty="0">
+              <a:solidFill>
+                <a:schemeClr val="dk1"/>
+              </a:solidFill>
+            </a:endParaRPr>
+          </a:p>
+          <a:p>
+            <a:pPr marL="0" marR="0" lvl="0" indent="0" algn="l" rtl="0">
+              <a:lnSpc>
+                <a:spcPct val="100000"/>
+              </a:lnSpc>
+              <a:spcBef>
+                <a:spcPts val="0"/>
+              </a:spcBef>
+              <a:spcAft>
+                <a:spcPts val="0"/>
+              </a:spcAft>
+              <a:buNone/>
+            </a:pPr>
+            <a:endParaRPr sz="1400" b="0" i="0" u="none" strike="noStrike" cap="none" dirty="0">
+              <a:solidFill>
+                <a:srgbClr val="000000"/>
+              </a:solidFill>
+              <a:latin typeface="Arial"/>
+              <a:ea typeface="Arial"/>
+              <a:cs typeface="Arial"/>
+              <a:sym typeface="Arial"/>
+            </a:endParaRPr>
+          </a:p>
+          <a:p>
+            <a:pPr marL="457200" marR="0" lvl="1" indent="0" algn="l" rtl="0">
+              <a:lnSpc>
+                <a:spcPct val="100000"/>
+              </a:lnSpc>
+              <a:spcBef>
+                <a:spcPts val="0"/>
+              </a:spcBef>
+              <a:spcAft>
+                <a:spcPts val="0"/>
+              </a:spcAft>
+              <a:buClr>
+                <a:srgbClr val="000000"/>
+              </a:buClr>
+              <a:buSzPts val="1800"/>
+              <a:buFont typeface="Arial"/>
+              <a:buNone/>
+            </a:pPr>
+            <a:endParaRPr sz="1800" b="0" i="0" u="none" strike="noStrike" cap="none" dirty="0">
+              <a:solidFill>
+                <a:schemeClr val="dk1"/>
+              </a:solidFill>
+              <a:latin typeface="Arial"/>
+              <a:ea typeface="Arial"/>
+              <a:cs typeface="Arial"/>
+              <a:sym typeface="Arial"/>
+            </a:endParaRPr>
+          </a:p>
+          <a:p>
+            <a:pPr marL="0" marR="0" lvl="0" indent="0" algn="l" rtl="0">
+              <a:lnSpc>
+                <a:spcPct val="100000"/>
+              </a:lnSpc>
+              <a:spcBef>
+                <a:spcPts val="0"/>
+              </a:spcBef>
+              <a:spcAft>
+                <a:spcPts val="0"/>
+              </a:spcAft>
+              <a:buClr>
+                <a:srgbClr val="000000"/>
+              </a:buClr>
+              <a:buSzPts val="1800"/>
+              <a:buFont typeface="Arial"/>
+              <a:buNone/>
+            </a:pPr>
+            <a:endParaRPr sz="1800" b="0" i="0" u="none" strike="noStrike" cap="none" dirty="0">
+              <a:solidFill>
+                <a:schemeClr val="dk1"/>
+              </a:solidFill>
+              <a:latin typeface="Arial"/>
+              <a:ea typeface="Arial"/>
+              <a:cs typeface="Arial"/>
+              <a:sym typeface="Arial"/>
+            </a:endParaRPr>
+          </a:p>
+          <a:p>
+            <a:pPr marL="0" marR="0" lvl="0" indent="0" algn="l" rtl="0">
+              <a:lnSpc>
+                <a:spcPct val="100000"/>
+              </a:lnSpc>
+              <a:spcBef>
+                <a:spcPts val="0"/>
+              </a:spcBef>
+              <a:spcAft>
+                <a:spcPts val="0"/>
+              </a:spcAft>
+              <a:buClr>
+                <a:srgbClr val="000000"/>
+              </a:buClr>
+              <a:buSzPts val="1800"/>
+              <a:buFont typeface="Arial"/>
+              <a:buNone/>
+            </a:pPr>
+            <a:endParaRPr sz="1800" b="0" i="0" u="none" strike="noStrike" cap="none" dirty="0">
+              <a:solidFill>
+                <a:schemeClr val="dk1"/>
+              </a:solidFill>
+              <a:latin typeface="Arial"/>
+              <a:ea typeface="Arial"/>
+              <a:cs typeface="Arial"/>
+              <a:sym typeface="Arial"/>
+            </a:endParaRPr>
+          </a:p>
+          <a:p>
+            <a:pPr marL="0" marR="0" lvl="0" indent="0" algn="l" rtl="0">
+              <a:lnSpc>
+                <a:spcPct val="100000"/>
+              </a:lnSpc>
+              <a:spcBef>
+                <a:spcPts val="0"/>
+              </a:spcBef>
+              <a:spcAft>
+                <a:spcPts val="0"/>
+              </a:spcAft>
+              <a:buClr>
+                <a:srgbClr val="000000"/>
+              </a:buClr>
+              <a:buSzPts val="1800"/>
+              <a:buFont typeface="Arial"/>
+              <a:buNone/>
+            </a:pPr>
+            <a:endParaRPr sz="1800" b="0" i="0" u="none" strike="noStrike" cap="none" dirty="0">
+              <a:solidFill>
+                <a:schemeClr val="dk1"/>
+              </a:solidFill>
+              <a:latin typeface="Arial"/>
+              <a:ea typeface="Arial"/>
+              <a:cs typeface="Arial"/>
+              <a:sym typeface="Arial"/>
+            </a:endParaRPr>
+          </a:p>
+          <a:p>
+            <a:pPr marL="0" marR="0" lvl="0" indent="0" algn="l" rtl="0">
+              <a:lnSpc>
+                <a:spcPct val="100000"/>
+              </a:lnSpc>
+              <a:spcBef>
+                <a:spcPts val="0"/>
+              </a:spcBef>
+              <a:spcAft>
+                <a:spcPts val="0"/>
+              </a:spcAft>
+              <a:buClr>
+                <a:srgbClr val="000000"/>
+              </a:buClr>
+              <a:buSzPts val="1800"/>
+              <a:buFont typeface="Arial"/>
+              <a:buNone/>
+            </a:pPr>
+            <a:endParaRPr sz="1800" b="0" i="0" u="none" strike="noStrike" cap="none" dirty="0">
+              <a:solidFill>
+                <a:schemeClr val="dk1"/>
+              </a:solidFill>
+              <a:latin typeface="Arial"/>
+              <a:ea typeface="Arial"/>
+              <a:cs typeface="Arial"/>
+              <a:sym typeface="Arial"/>
+            </a:endParaRPr>
+          </a:p>
+          <a:p>
+            <a:pPr marL="0" marR="0" lvl="0" indent="0" algn="l" rtl="0">
+              <a:lnSpc>
+                <a:spcPct val="100000"/>
+              </a:lnSpc>
+              <a:spcBef>
+                <a:spcPts val="0"/>
+              </a:spcBef>
+              <a:spcAft>
+                <a:spcPts val="0"/>
+              </a:spcAft>
+              <a:buClr>
+                <a:srgbClr val="000000"/>
+              </a:buClr>
+              <a:buSzPts val="1800"/>
+              <a:buFont typeface="Arial"/>
+              <a:buNone/>
+            </a:pPr>
+            <a:endParaRPr sz="1800" b="0" i="0" u="none" strike="noStrike" cap="none" dirty="0">
+              <a:solidFill>
+                <a:schemeClr val="dk1"/>
+              </a:solidFill>
+              <a:latin typeface="Arial"/>
+              <a:ea typeface="Arial"/>
+              <a:cs typeface="Arial"/>
+              <a:sym typeface="Arial"/>
+            </a:endParaRPr>
+          </a:p>
+          <a:p>
+            <a:pPr marL="0" marR="0" lvl="0" indent="0" algn="l" rtl="0">
+              <a:lnSpc>
+                <a:spcPct val="100000"/>
+              </a:lnSpc>
+              <a:spcBef>
+                <a:spcPts val="0"/>
+              </a:spcBef>
+              <a:spcAft>
+                <a:spcPts val="0"/>
+              </a:spcAft>
+              <a:buClr>
+                <a:srgbClr val="000000"/>
+              </a:buClr>
+              <a:buSzPts val="1800"/>
+              <a:buFont typeface="Arial"/>
+              <a:buNone/>
+            </a:pPr>
+            <a:endParaRPr sz="1800" b="0" i="0" u="none" strike="noStrike" cap="none" dirty="0">
+              <a:solidFill>
+                <a:schemeClr val="dk1"/>
+              </a:solidFill>
+              <a:latin typeface="Arial"/>
+              <a:ea typeface="Arial"/>
+              <a:cs typeface="Arial"/>
+              <a:sym typeface="Arial"/>
+            </a:endParaRPr>
+          </a:p>
+          <a:p>
+            <a:pPr marL="0" marR="0" lvl="0" indent="0" algn="l" rtl="0">
+              <a:lnSpc>
+                <a:spcPct val="100000"/>
+              </a:lnSpc>
+              <a:spcBef>
+                <a:spcPts val="0"/>
+              </a:spcBef>
+              <a:spcAft>
+                <a:spcPts val="0"/>
+              </a:spcAft>
+              <a:buClr>
+                <a:srgbClr val="000000"/>
+              </a:buClr>
+              <a:buSzPts val="1800"/>
+              <a:buFont typeface="Arial"/>
+              <a:buNone/>
+            </a:pPr>
+            <a:endParaRPr sz="1800" b="0" i="0" u="none" strike="noStrike" cap="none" dirty="0">
+              <a:solidFill>
+                <a:schemeClr val="dk1"/>
+              </a:solidFill>
+              <a:latin typeface="Arial"/>
+              <a:ea typeface="Arial"/>
+              <a:cs typeface="Arial"/>
+              <a:sym typeface="Arial"/>
+            </a:endParaRPr>
+          </a:p>
+          <a:p>
+            <a:pPr marL="0" marR="0" lvl="0" indent="0" algn="l" rtl="0">
+              <a:lnSpc>
+                <a:spcPct val="100000"/>
+              </a:lnSpc>
+              <a:spcBef>
+                <a:spcPts val="0"/>
+              </a:spcBef>
+              <a:spcAft>
+                <a:spcPts val="0"/>
+              </a:spcAft>
+              <a:buClr>
+                <a:srgbClr val="000000"/>
+              </a:buClr>
+              <a:buSzPts val="1800"/>
+              <a:buFont typeface="Arial"/>
+              <a:buNone/>
+            </a:pPr>
+            <a:endParaRPr sz="1800" b="0" i="0" u="none" strike="noStrike" cap="none" dirty="0">
+              <a:solidFill>
+                <a:schemeClr val="dk1"/>
+              </a:solidFill>
+              <a:latin typeface="Arial"/>
+              <a:ea typeface="Arial"/>
+              <a:cs typeface="Arial"/>
+              <a:sym typeface="Arial"/>
+            </a:endParaRPr>
+          </a:p>
+        </p:txBody>
+      </p:sp>
+      <p:sp>
+        <p:nvSpPr>
+          <p:cNvPr id="117" name="Google Shape;117;p15"/>
+          <p:cNvSpPr txBox="1"/>
+          <p:nvPr/>
+        </p:nvSpPr>
+        <p:spPr>
+          <a:xfrm>
+            <a:off x="328775" y="2193525"/>
+            <a:ext cx="2899500" cy="2239500"/>
+          </a:xfrm>
+          <a:prstGeom prst="rect">
+            <a:avLst/>
+          </a:prstGeom>
+          <a:solidFill>
+            <a:srgbClr val="000000"/>
+          </a:solidFill>
+          <a:ln>
+            <a:noFill/>
+          </a:ln>
+        </p:spPr>
+        <p:txBody>
+          <a:bodyPr spcFirstLastPara="1" wrap="square" lIns="91425" tIns="91425" rIns="91425" bIns="91425" anchor="t" anchorCtr="0">
+            <a:noAutofit/>
+          </a:bodyPr>
+          <a:lstStyle/>
+          <a:p>
+            <a:pPr marL="0" lvl="0" indent="0" algn="l" rtl="0">
+              <a:spcBef>
+                <a:spcPts val="0"/>
+              </a:spcBef>
+              <a:spcAft>
+                <a:spcPts val="0"/>
+              </a:spcAft>
+              <a:buClr>
+                <a:schemeClr val="dk1"/>
+              </a:buClr>
+              <a:buSzPts val="1100"/>
+              <a:buFont typeface="Arial"/>
+              <a:buNone/>
+            </a:pPr>
+            <a:r>
+              <a:rPr lang="en-US">
+                <a:solidFill>
+                  <a:srgbClr val="00FF00"/>
+                </a:solidFill>
+                <a:highlight>
+                  <a:srgbClr val="000000"/>
+                </a:highlight>
+                <a:latin typeface="Courier New"/>
+                <a:ea typeface="Courier New"/>
+                <a:cs typeface="Courier New"/>
+                <a:sym typeface="Courier New"/>
+              </a:rPr>
+              <a:t>active_netids.txt</a:t>
+            </a:r>
+            <a:endParaRPr>
+              <a:solidFill>
+                <a:srgbClr val="00FF00"/>
+              </a:solidFill>
+              <a:highlight>
+                <a:srgbClr val="000000"/>
+              </a:highlight>
+              <a:latin typeface="Courier New"/>
+              <a:ea typeface="Courier New"/>
+              <a:cs typeface="Courier New"/>
+              <a:sym typeface="Courier New"/>
+            </a:endParaRPr>
+          </a:p>
+          <a:p>
+            <a:pPr marL="0" lvl="0" indent="0" algn="l" rtl="0">
+              <a:spcBef>
+                <a:spcPts val="0"/>
+              </a:spcBef>
+              <a:spcAft>
+                <a:spcPts val="0"/>
+              </a:spcAft>
+              <a:buClr>
+                <a:schemeClr val="dk1"/>
+              </a:buClr>
+              <a:buSzPts val="1100"/>
+              <a:buFont typeface="Arial"/>
+              <a:buNone/>
+            </a:pPr>
+            <a:r>
+              <a:rPr lang="en-US">
+                <a:solidFill>
+                  <a:srgbClr val="00FF00"/>
+                </a:solidFill>
+                <a:highlight>
+                  <a:srgbClr val="000000"/>
+                </a:highlight>
+                <a:latin typeface="Courier New"/>
+                <a:ea typeface="Courier New"/>
+                <a:cs typeface="Courier New"/>
+                <a:sym typeface="Courier New"/>
+              </a:rPr>
+              <a:t>active_usernames.txt</a:t>
+            </a:r>
+            <a:endParaRPr>
+              <a:solidFill>
+                <a:srgbClr val="00FF00"/>
+              </a:solidFill>
+              <a:highlight>
+                <a:srgbClr val="000000"/>
+              </a:highlight>
+              <a:latin typeface="Courier New"/>
+              <a:ea typeface="Courier New"/>
+              <a:cs typeface="Courier New"/>
+              <a:sym typeface="Courier New"/>
+            </a:endParaRPr>
+          </a:p>
+          <a:p>
+            <a:pPr marL="0" lvl="0" indent="0" algn="l" rtl="0">
+              <a:spcBef>
+                <a:spcPts val="0"/>
+              </a:spcBef>
+              <a:spcAft>
+                <a:spcPts val="0"/>
+              </a:spcAft>
+              <a:buClr>
+                <a:schemeClr val="dk1"/>
+              </a:buClr>
+              <a:buSzPts val="1100"/>
+              <a:buFont typeface="Arial"/>
+              <a:buNone/>
+            </a:pPr>
+            <a:r>
+              <a:rPr lang="en-US">
+                <a:solidFill>
+                  <a:srgbClr val="00FF00"/>
+                </a:solidFill>
+                <a:highlight>
+                  <a:srgbClr val="000000"/>
+                </a:highlight>
+                <a:latin typeface="Courier New"/>
+                <a:ea typeface="Courier New"/>
+                <a:cs typeface="Courier New"/>
+                <a:sym typeface="Courier New"/>
+              </a:rPr>
+              <a:t>daily_email.sh</a:t>
+            </a:r>
+            <a:endParaRPr>
+              <a:solidFill>
+                <a:srgbClr val="00FF00"/>
+              </a:solidFill>
+              <a:highlight>
+                <a:srgbClr val="000000"/>
+              </a:highlight>
+              <a:latin typeface="Courier New"/>
+              <a:ea typeface="Courier New"/>
+              <a:cs typeface="Courier New"/>
+              <a:sym typeface="Courier New"/>
+            </a:endParaRPr>
+          </a:p>
+          <a:p>
+            <a:pPr marL="0" lvl="0" indent="0" algn="l" rtl="0">
+              <a:spcBef>
+                <a:spcPts val="0"/>
+              </a:spcBef>
+              <a:spcAft>
+                <a:spcPts val="0"/>
+              </a:spcAft>
+              <a:buClr>
+                <a:schemeClr val="dk1"/>
+              </a:buClr>
+              <a:buSzPts val="1100"/>
+              <a:buFont typeface="Arial"/>
+              <a:buNone/>
+            </a:pPr>
+            <a:r>
+              <a:rPr lang="en-US">
+                <a:solidFill>
+                  <a:srgbClr val="00FF00"/>
+                </a:solidFill>
+                <a:highlight>
+                  <a:srgbClr val="000000"/>
+                </a:highlight>
+                <a:latin typeface="Courier New"/>
+                <a:ea typeface="Courier New"/>
+                <a:cs typeface="Courier New"/>
+                <a:sym typeface="Courier New"/>
+              </a:rPr>
+              <a:t>email_lookup.py</a:t>
+            </a:r>
+            <a:endParaRPr>
+              <a:solidFill>
+                <a:srgbClr val="00FF00"/>
+              </a:solidFill>
+              <a:highlight>
+                <a:srgbClr val="000000"/>
+              </a:highlight>
+              <a:latin typeface="Courier New"/>
+              <a:ea typeface="Courier New"/>
+              <a:cs typeface="Courier New"/>
+              <a:sym typeface="Courier New"/>
+            </a:endParaRPr>
+          </a:p>
+          <a:p>
+            <a:pPr marL="0" lvl="0" indent="0" algn="l" rtl="0">
+              <a:spcBef>
+                <a:spcPts val="0"/>
+              </a:spcBef>
+              <a:spcAft>
+                <a:spcPts val="0"/>
+              </a:spcAft>
+              <a:buClr>
+                <a:schemeClr val="dk1"/>
+              </a:buClr>
+              <a:buSzPts val="1100"/>
+              <a:buFont typeface="Arial"/>
+              <a:buNone/>
+            </a:pPr>
+            <a:r>
+              <a:rPr lang="en-US">
+                <a:solidFill>
+                  <a:srgbClr val="00FF00"/>
+                </a:solidFill>
+                <a:highlight>
+                  <a:srgbClr val="000000"/>
+                </a:highlight>
+                <a:latin typeface="Courier New"/>
+                <a:ea typeface="Courier New"/>
+                <a:cs typeface="Courier New"/>
+                <a:sym typeface="Courier New"/>
+              </a:rPr>
+              <a:t>emails_of_active_users.sh</a:t>
+            </a:r>
+            <a:endParaRPr>
+              <a:solidFill>
+                <a:srgbClr val="00FF00"/>
+              </a:solidFill>
+              <a:highlight>
+                <a:srgbClr val="000000"/>
+              </a:highlight>
+              <a:latin typeface="Courier New"/>
+              <a:ea typeface="Courier New"/>
+              <a:cs typeface="Courier New"/>
+              <a:sym typeface="Courier New"/>
+            </a:endParaRPr>
+          </a:p>
+          <a:p>
+            <a:pPr marL="0" lvl="0" indent="0" algn="l" rtl="0">
+              <a:spcBef>
+                <a:spcPts val="0"/>
+              </a:spcBef>
+              <a:spcAft>
+                <a:spcPts val="0"/>
+              </a:spcAft>
+              <a:buClr>
+                <a:schemeClr val="dk1"/>
+              </a:buClr>
+              <a:buSzPts val="1100"/>
+              <a:buFont typeface="Arial"/>
+              <a:buNone/>
+            </a:pPr>
+            <a:r>
+              <a:rPr lang="en-US">
+                <a:solidFill>
+                  <a:srgbClr val="00FF00"/>
+                </a:solidFill>
+                <a:highlight>
+                  <a:srgbClr val="000000"/>
+                </a:highlight>
+                <a:latin typeface="Courier New"/>
+                <a:ea typeface="Courier New"/>
+                <a:cs typeface="Courier New"/>
+                <a:sym typeface="Courier New"/>
+              </a:rPr>
+              <a:t>loadavg.gnuplot</a:t>
+            </a:r>
+            <a:endParaRPr>
+              <a:solidFill>
+                <a:srgbClr val="00FF00"/>
+              </a:solidFill>
+              <a:highlight>
+                <a:srgbClr val="000000"/>
+              </a:highlight>
+              <a:latin typeface="Courier New"/>
+              <a:ea typeface="Courier New"/>
+              <a:cs typeface="Courier New"/>
+              <a:sym typeface="Courier New"/>
+            </a:endParaRPr>
+          </a:p>
+          <a:p>
+            <a:pPr marL="0" lvl="0" indent="0" algn="l" rtl="0">
+              <a:spcBef>
+                <a:spcPts val="0"/>
+              </a:spcBef>
+              <a:spcAft>
+                <a:spcPts val="0"/>
+              </a:spcAft>
+              <a:buClr>
+                <a:schemeClr val="dk1"/>
+              </a:buClr>
+              <a:buSzPts val="1100"/>
+              <a:buFont typeface="Arial"/>
+              <a:buNone/>
+            </a:pPr>
+            <a:r>
+              <a:rPr lang="en-US">
+                <a:solidFill>
+                  <a:srgbClr val="00FF00"/>
+                </a:solidFill>
+                <a:highlight>
+                  <a:srgbClr val="000000"/>
+                </a:highlight>
+                <a:latin typeface="Courier New"/>
+                <a:ea typeface="Courier New"/>
+                <a:cs typeface="Courier New"/>
+                <a:sym typeface="Courier New"/>
+              </a:rPr>
+              <a:t>loadavg_history.klc01.txt</a:t>
+            </a:r>
+            <a:endParaRPr>
+              <a:solidFill>
+                <a:srgbClr val="00FF00"/>
+              </a:solidFill>
+              <a:highlight>
+                <a:srgbClr val="000000"/>
+              </a:highlight>
+              <a:latin typeface="Courier New"/>
+              <a:ea typeface="Courier New"/>
+              <a:cs typeface="Courier New"/>
+              <a:sym typeface="Courier New"/>
+            </a:endParaRPr>
+          </a:p>
+          <a:p>
+            <a:pPr marL="0" lvl="0" indent="0" algn="l" rtl="0">
+              <a:spcBef>
+                <a:spcPts val="0"/>
+              </a:spcBef>
+              <a:spcAft>
+                <a:spcPts val="0"/>
+              </a:spcAft>
+              <a:buClr>
+                <a:schemeClr val="dk1"/>
+              </a:buClr>
+              <a:buSzPts val="1100"/>
+              <a:buFont typeface="Arial"/>
+              <a:buNone/>
+            </a:pPr>
+            <a:r>
+              <a:rPr lang="en-US">
+                <a:solidFill>
+                  <a:srgbClr val="00FF00"/>
+                </a:solidFill>
+                <a:highlight>
+                  <a:srgbClr val="000000"/>
+                </a:highlight>
+                <a:latin typeface="Courier New"/>
+                <a:ea typeface="Courier New"/>
+                <a:cs typeface="Courier New"/>
+                <a:sym typeface="Courier New"/>
+              </a:rPr>
+              <a:t>loadavg_history.klc02.txt</a:t>
+            </a:r>
+            <a:endParaRPr>
+              <a:solidFill>
+                <a:srgbClr val="00FF00"/>
+              </a:solidFill>
+              <a:highlight>
+                <a:srgbClr val="000000"/>
+              </a:highlight>
+              <a:latin typeface="Courier New"/>
+              <a:ea typeface="Courier New"/>
+              <a:cs typeface="Courier New"/>
+              <a:sym typeface="Courier New"/>
+            </a:endParaRPr>
+          </a:p>
+          <a:p>
+            <a:pPr marL="0" lvl="0" indent="0" algn="l" rtl="0">
+              <a:spcBef>
+                <a:spcPts val="0"/>
+              </a:spcBef>
+              <a:spcAft>
+                <a:spcPts val="0"/>
+              </a:spcAft>
+              <a:buClr>
+                <a:schemeClr val="dk1"/>
+              </a:buClr>
+              <a:buSzPts val="1100"/>
+              <a:buFont typeface="Arial"/>
+              <a:buNone/>
+            </a:pPr>
+            <a:r>
+              <a:rPr lang="en-US">
+                <a:solidFill>
+                  <a:srgbClr val="00FF00"/>
+                </a:solidFill>
+                <a:highlight>
+                  <a:srgbClr val="000000"/>
+                </a:highlight>
+                <a:latin typeface="Courier New"/>
+                <a:ea typeface="Courier New"/>
+                <a:cs typeface="Courier New"/>
+                <a:sym typeface="Courier New"/>
+              </a:rPr>
+              <a:t>loadavg_history.klc03.txt</a:t>
+            </a:r>
+            <a:endParaRPr>
+              <a:solidFill>
+                <a:srgbClr val="00FF00"/>
+              </a:solidFill>
+              <a:highlight>
+                <a:srgbClr val="000000"/>
+              </a:highlight>
+              <a:latin typeface="Courier New"/>
+              <a:ea typeface="Courier New"/>
+              <a:cs typeface="Courier New"/>
+              <a:sym typeface="Courier New"/>
+            </a:endParaRPr>
+          </a:p>
+          <a:p>
+            <a:pPr marL="0" lvl="0" indent="0" algn="l" rtl="0">
+              <a:spcBef>
+                <a:spcPts val="0"/>
+              </a:spcBef>
+              <a:spcAft>
+                <a:spcPts val="0"/>
+              </a:spcAft>
+              <a:buClr>
+                <a:schemeClr val="dk1"/>
+              </a:buClr>
+              <a:buSzPts val="1100"/>
+              <a:buFont typeface="Arial"/>
+              <a:buNone/>
+            </a:pPr>
+            <a:endParaRPr>
+              <a:solidFill>
+                <a:srgbClr val="00FF00"/>
+              </a:solidFill>
+              <a:highlight>
+                <a:srgbClr val="000000"/>
+              </a:highlight>
+              <a:latin typeface="Courier New"/>
+              <a:ea typeface="Courier New"/>
+              <a:cs typeface="Courier New"/>
+              <a:sym typeface="Courier New"/>
+            </a:endParaRPr>
+          </a:p>
+          <a:p>
+            <a:pPr marL="0" lvl="0" indent="0" algn="l" rtl="0">
+              <a:spcBef>
+                <a:spcPts val="0"/>
+              </a:spcBef>
+              <a:spcAft>
+                <a:spcPts val="0"/>
+              </a:spcAft>
+              <a:buClr>
+                <a:schemeClr val="dk1"/>
+              </a:buClr>
+              <a:buSzPts val="1100"/>
+              <a:buFont typeface="Arial"/>
+              <a:buNone/>
+            </a:pPr>
+            <a:endParaRPr>
+              <a:latin typeface="Courier New"/>
+              <a:ea typeface="Courier New"/>
+              <a:cs typeface="Courier New"/>
+              <a:sym typeface="Courier New"/>
+            </a:endParaRPr>
+          </a:p>
+          <a:p>
+            <a:pPr marL="0" lvl="0" indent="0" algn="l" rtl="0">
+              <a:spcBef>
+                <a:spcPts val="0"/>
+              </a:spcBef>
+              <a:spcAft>
+                <a:spcPts val="0"/>
+              </a:spcAft>
+              <a:buNone/>
+            </a:pPr>
+            <a:endParaRPr>
+              <a:latin typeface="Courier New"/>
+              <a:ea typeface="Courier New"/>
+              <a:cs typeface="Courier New"/>
+              <a:sym typeface="Courier New"/>
+            </a:endParaRPr>
+          </a:p>
+        </p:txBody>
+      </p:sp>
+      <p:sp>
+        <p:nvSpPr>
+          <p:cNvPr id="118" name="Google Shape;118;p15"/>
+          <p:cNvSpPr txBox="1"/>
+          <p:nvPr/>
+        </p:nvSpPr>
+        <p:spPr>
+          <a:xfrm>
+            <a:off x="3168750" y="2193525"/>
+            <a:ext cx="2899500" cy="2239500"/>
+          </a:xfrm>
+          <a:prstGeom prst="rect">
+            <a:avLst/>
+          </a:prstGeom>
+          <a:solidFill>
+            <a:srgbClr val="000000"/>
+          </a:solidFill>
+          <a:ln>
+            <a:noFill/>
+          </a:ln>
+        </p:spPr>
+        <p:txBody>
+          <a:bodyPr spcFirstLastPara="1" wrap="square" lIns="91425" tIns="91425" rIns="91425" bIns="91425" anchor="t" anchorCtr="0">
+            <a:noAutofit/>
+          </a:bodyPr>
+          <a:lstStyle/>
+          <a:p>
+            <a:pPr marL="0" lvl="0" indent="0" algn="l" rtl="0">
+              <a:spcBef>
+                <a:spcPts val="0"/>
+              </a:spcBef>
+              <a:spcAft>
+                <a:spcPts val="0"/>
+              </a:spcAft>
+              <a:buClr>
+                <a:schemeClr val="dk1"/>
+              </a:buClr>
+              <a:buSzPts val="1100"/>
+              <a:buFont typeface="Arial"/>
+              <a:buNone/>
+            </a:pPr>
+            <a:r>
+              <a:rPr lang="en-US">
+                <a:solidFill>
+                  <a:srgbClr val="00FF00"/>
+                </a:solidFill>
+                <a:latin typeface="Courier New"/>
+                <a:ea typeface="Courier New"/>
+                <a:cs typeface="Courier New"/>
+                <a:sym typeface="Courier New"/>
+              </a:rPr>
+              <a:t>loadavg_history.klc04.txt</a:t>
+            </a:r>
+            <a:endParaRPr>
+              <a:solidFill>
+                <a:srgbClr val="00FF00"/>
+              </a:solidFill>
+              <a:latin typeface="Courier New"/>
+              <a:ea typeface="Courier New"/>
+              <a:cs typeface="Courier New"/>
+              <a:sym typeface="Courier New"/>
+            </a:endParaRPr>
+          </a:p>
+          <a:p>
+            <a:pPr marL="0" lvl="0" indent="0" algn="l" rtl="0">
+              <a:spcBef>
+                <a:spcPts val="0"/>
+              </a:spcBef>
+              <a:spcAft>
+                <a:spcPts val="0"/>
+              </a:spcAft>
+              <a:buClr>
+                <a:schemeClr val="dk1"/>
+              </a:buClr>
+              <a:buSzPts val="1100"/>
+              <a:buFont typeface="Arial"/>
+              <a:buNone/>
+            </a:pPr>
+            <a:r>
+              <a:rPr lang="en-US">
+                <a:solidFill>
+                  <a:srgbClr val="00FF00"/>
+                </a:solidFill>
+                <a:latin typeface="Courier New"/>
+                <a:ea typeface="Courier New"/>
+                <a:cs typeface="Courier New"/>
+                <a:sym typeface="Courier New"/>
+              </a:rPr>
+              <a:t>loadavg_history.klc05.txt</a:t>
+            </a:r>
+            <a:endParaRPr>
+              <a:solidFill>
+                <a:srgbClr val="00FF00"/>
+              </a:solidFill>
+              <a:latin typeface="Courier New"/>
+              <a:ea typeface="Courier New"/>
+              <a:cs typeface="Courier New"/>
+              <a:sym typeface="Courier New"/>
+            </a:endParaRPr>
+          </a:p>
+          <a:p>
+            <a:pPr marL="0" lvl="0" indent="0" algn="l" rtl="0">
+              <a:spcBef>
+                <a:spcPts val="0"/>
+              </a:spcBef>
+              <a:spcAft>
+                <a:spcPts val="0"/>
+              </a:spcAft>
+              <a:buClr>
+                <a:schemeClr val="dk1"/>
+              </a:buClr>
+              <a:buSzPts val="1100"/>
+              <a:buFont typeface="Arial"/>
+              <a:buNone/>
+            </a:pPr>
+            <a:r>
+              <a:rPr lang="en-US">
+                <a:solidFill>
+                  <a:srgbClr val="00FF00"/>
+                </a:solidFill>
+                <a:latin typeface="Courier New"/>
+                <a:ea typeface="Courier New"/>
+                <a:cs typeface="Courier New"/>
+                <a:sym typeface="Courier New"/>
+              </a:rPr>
+              <a:t>loadavg.png</a:t>
+            </a:r>
+            <a:endParaRPr>
+              <a:solidFill>
+                <a:srgbClr val="00FF00"/>
+              </a:solidFill>
+              <a:latin typeface="Courier New"/>
+              <a:ea typeface="Courier New"/>
+              <a:cs typeface="Courier New"/>
+              <a:sym typeface="Courier New"/>
+            </a:endParaRPr>
+          </a:p>
+          <a:p>
+            <a:pPr marL="0" lvl="0" indent="0" algn="l" rtl="0">
+              <a:spcBef>
+                <a:spcPts val="0"/>
+              </a:spcBef>
+              <a:spcAft>
+                <a:spcPts val="0"/>
+              </a:spcAft>
+              <a:buClr>
+                <a:schemeClr val="dk1"/>
+              </a:buClr>
+              <a:buSzPts val="1100"/>
+              <a:buFont typeface="Arial"/>
+              <a:buNone/>
+            </a:pPr>
+            <a:r>
+              <a:rPr lang="en-US">
+                <a:solidFill>
+                  <a:srgbClr val="00FF00"/>
+                </a:solidFill>
+                <a:latin typeface="Courier New"/>
+                <a:ea typeface="Courier New"/>
+                <a:cs typeface="Courier New"/>
+                <a:sym typeface="Courier New"/>
+              </a:rPr>
+              <a:t>monitor_load.sh</a:t>
+            </a:r>
+            <a:endParaRPr>
+              <a:solidFill>
+                <a:srgbClr val="00FF00"/>
+              </a:solidFill>
+              <a:latin typeface="Courier New"/>
+              <a:ea typeface="Courier New"/>
+              <a:cs typeface="Courier New"/>
+              <a:sym typeface="Courier New"/>
+            </a:endParaRPr>
+          </a:p>
+          <a:p>
+            <a:pPr marL="0" lvl="0" indent="0" algn="l" rtl="0">
+              <a:spcBef>
+                <a:spcPts val="0"/>
+              </a:spcBef>
+              <a:spcAft>
+                <a:spcPts val="0"/>
+              </a:spcAft>
+              <a:buClr>
+                <a:schemeClr val="dk1"/>
+              </a:buClr>
+              <a:buSzPts val="1100"/>
+              <a:buFont typeface="Arial"/>
+              <a:buNone/>
+            </a:pPr>
+            <a:r>
+              <a:rPr lang="en-US">
+                <a:solidFill>
+                  <a:srgbClr val="00FF00"/>
+                </a:solidFill>
+                <a:latin typeface="Courier New"/>
+                <a:ea typeface="Courier New"/>
+                <a:cs typeface="Courier New"/>
+                <a:sym typeface="Courier New"/>
+              </a:rPr>
+              <a:t>netids_of_active_users.sh</a:t>
+            </a:r>
+            <a:endParaRPr>
+              <a:solidFill>
+                <a:srgbClr val="00FF00"/>
+              </a:solidFill>
+              <a:latin typeface="Courier New"/>
+              <a:ea typeface="Courier New"/>
+              <a:cs typeface="Courier New"/>
+              <a:sym typeface="Courier New"/>
+            </a:endParaRPr>
+          </a:p>
+          <a:p>
+            <a:pPr marL="0" lvl="0" indent="0" algn="l" rtl="0">
+              <a:spcBef>
+                <a:spcPts val="0"/>
+              </a:spcBef>
+              <a:spcAft>
+                <a:spcPts val="0"/>
+              </a:spcAft>
+              <a:buClr>
+                <a:schemeClr val="dk1"/>
+              </a:buClr>
+              <a:buSzPts val="1100"/>
+              <a:buFont typeface="Arial"/>
+              <a:buNone/>
+            </a:pPr>
+            <a:r>
+              <a:rPr lang="en-US">
+                <a:solidFill>
+                  <a:srgbClr val="00FF00"/>
+                </a:solidFill>
+                <a:latin typeface="Courier New"/>
+                <a:ea typeface="Courier New"/>
+                <a:cs typeface="Courier New"/>
+                <a:sym typeface="Courier New"/>
+              </a:rPr>
+              <a:t>renice/</a:t>
+            </a:r>
+            <a:endParaRPr>
+              <a:solidFill>
+                <a:srgbClr val="00FF00"/>
+              </a:solidFill>
+              <a:latin typeface="Courier New"/>
+              <a:ea typeface="Courier New"/>
+              <a:cs typeface="Courier New"/>
+              <a:sym typeface="Courier New"/>
+            </a:endParaRPr>
+          </a:p>
+          <a:p>
+            <a:pPr marL="0" lvl="0" indent="0" algn="l" rtl="0">
+              <a:spcBef>
+                <a:spcPts val="0"/>
+              </a:spcBef>
+              <a:spcAft>
+                <a:spcPts val="0"/>
+              </a:spcAft>
+              <a:buClr>
+                <a:schemeClr val="dk1"/>
+              </a:buClr>
+              <a:buSzPts val="1100"/>
+              <a:buFont typeface="Arial"/>
+              <a:buNone/>
+            </a:pPr>
+            <a:r>
+              <a:rPr lang="en-US">
+                <a:solidFill>
+                  <a:srgbClr val="00FF00"/>
+                </a:solidFill>
+                <a:latin typeface="Courier New"/>
+                <a:ea typeface="Courier New"/>
+                <a:cs typeface="Courier New"/>
+                <a:sym typeface="Courier New"/>
+              </a:rPr>
+              <a:t>users_history.klc01.txt</a:t>
+            </a:r>
+            <a:endParaRPr>
+              <a:solidFill>
+                <a:srgbClr val="00FF00"/>
+              </a:solidFill>
+              <a:latin typeface="Courier New"/>
+              <a:ea typeface="Courier New"/>
+              <a:cs typeface="Courier New"/>
+              <a:sym typeface="Courier New"/>
+            </a:endParaRPr>
+          </a:p>
+          <a:p>
+            <a:pPr marL="0" lvl="0" indent="0" algn="l" rtl="0">
+              <a:spcBef>
+                <a:spcPts val="0"/>
+              </a:spcBef>
+              <a:spcAft>
+                <a:spcPts val="0"/>
+              </a:spcAft>
+              <a:buClr>
+                <a:schemeClr val="dk1"/>
+              </a:buClr>
+              <a:buSzPts val="1100"/>
+              <a:buFont typeface="Arial"/>
+              <a:buNone/>
+            </a:pPr>
+            <a:r>
+              <a:rPr lang="en-US">
+                <a:solidFill>
+                  <a:srgbClr val="00FF00"/>
+                </a:solidFill>
+                <a:latin typeface="Courier New"/>
+                <a:ea typeface="Courier New"/>
+                <a:cs typeface="Courier New"/>
+                <a:sym typeface="Courier New"/>
+              </a:rPr>
+              <a:t>users_history.klc02.txt</a:t>
+            </a:r>
+            <a:endParaRPr>
+              <a:solidFill>
+                <a:srgbClr val="00FF00"/>
+              </a:solidFill>
+              <a:latin typeface="Courier New"/>
+              <a:ea typeface="Courier New"/>
+              <a:cs typeface="Courier New"/>
+              <a:sym typeface="Courier New"/>
+            </a:endParaRPr>
+          </a:p>
+          <a:p>
+            <a:pPr marL="0" lvl="0" indent="0" algn="l" rtl="0">
+              <a:spcBef>
+                <a:spcPts val="0"/>
+              </a:spcBef>
+              <a:spcAft>
+                <a:spcPts val="0"/>
+              </a:spcAft>
+              <a:buClr>
+                <a:schemeClr val="dk1"/>
+              </a:buClr>
+              <a:buSzPts val="1100"/>
+              <a:buFont typeface="Arial"/>
+              <a:buNone/>
+            </a:pPr>
+            <a:r>
+              <a:rPr lang="en-US">
+                <a:solidFill>
+                  <a:srgbClr val="00FF00"/>
+                </a:solidFill>
+                <a:latin typeface="Courier New"/>
+                <a:ea typeface="Courier New"/>
+                <a:cs typeface="Courier New"/>
+                <a:sym typeface="Courier New"/>
+              </a:rPr>
+              <a:t>users_history.klc03.txt</a:t>
+            </a:r>
+            <a:endParaRPr>
+              <a:solidFill>
+                <a:srgbClr val="00FF00"/>
+              </a:solidFill>
+            </a:endParaRPr>
+          </a:p>
+        </p:txBody>
+      </p:sp>
+      <p:sp>
+        <p:nvSpPr>
+          <p:cNvPr id="119" name="Google Shape;119;p15"/>
+          <p:cNvSpPr txBox="1"/>
+          <p:nvPr/>
+        </p:nvSpPr>
+        <p:spPr>
+          <a:xfrm>
+            <a:off x="6003325" y="2193525"/>
+            <a:ext cx="2811900" cy="2239500"/>
+          </a:xfrm>
+          <a:prstGeom prst="rect">
+            <a:avLst/>
+          </a:prstGeom>
+          <a:solidFill>
+            <a:srgbClr val="000000"/>
+          </a:solidFill>
+          <a:ln>
+            <a:noFill/>
+          </a:ln>
+        </p:spPr>
+        <p:txBody>
+          <a:bodyPr spcFirstLastPara="1" wrap="square" lIns="91425" tIns="91425" rIns="91425" bIns="91425" anchor="t" anchorCtr="0">
+            <a:noAutofit/>
+          </a:bodyPr>
+          <a:lstStyle/>
+          <a:p>
+            <a:pPr marL="0" lvl="0" indent="0" algn="l" rtl="0">
+              <a:spcBef>
+                <a:spcPts val="0"/>
+              </a:spcBef>
+              <a:spcAft>
+                <a:spcPts val="0"/>
+              </a:spcAft>
+              <a:buNone/>
+            </a:pPr>
+            <a:r>
+              <a:rPr lang="en-US">
+                <a:solidFill>
+                  <a:srgbClr val="00FF00"/>
+                </a:solidFill>
+                <a:latin typeface="Courier New"/>
+                <a:ea typeface="Courier New"/>
+                <a:cs typeface="Courier New"/>
+                <a:sym typeface="Courier New"/>
+              </a:rPr>
+              <a:t>users_history.klc04.txt</a:t>
+            </a:r>
+            <a:endParaRPr>
+              <a:solidFill>
+                <a:srgbClr val="00FF00"/>
+              </a:solidFill>
+              <a:latin typeface="Courier New"/>
+              <a:ea typeface="Courier New"/>
+              <a:cs typeface="Courier New"/>
+              <a:sym typeface="Courier New"/>
+            </a:endParaRPr>
+          </a:p>
+          <a:p>
+            <a:pPr marL="0" lvl="0" indent="0" algn="l" rtl="0">
+              <a:spcBef>
+                <a:spcPts val="0"/>
+              </a:spcBef>
+              <a:spcAft>
+                <a:spcPts val="0"/>
+              </a:spcAft>
+              <a:buNone/>
+            </a:pPr>
+            <a:r>
+              <a:rPr lang="en-US">
+                <a:solidFill>
+                  <a:srgbClr val="00FF00"/>
+                </a:solidFill>
+                <a:latin typeface="Courier New"/>
+                <a:ea typeface="Courier New"/>
+                <a:cs typeface="Courier New"/>
+                <a:sym typeface="Courier New"/>
+              </a:rPr>
+              <a:t>users_history.klc05.txt</a:t>
+            </a:r>
+            <a:endParaRPr>
+              <a:solidFill>
+                <a:srgbClr val="00FF00"/>
+              </a:solidFill>
+              <a:latin typeface="Courier New"/>
+              <a:ea typeface="Courier New"/>
+              <a:cs typeface="Courier New"/>
+              <a:sym typeface="Courier New"/>
+            </a:endParaRPr>
+          </a:p>
+          <a:p>
+            <a:pPr marL="0" lvl="0" indent="0" algn="l" rtl="0">
+              <a:spcBef>
+                <a:spcPts val="0"/>
+              </a:spcBef>
+              <a:spcAft>
+                <a:spcPts val="0"/>
+              </a:spcAft>
+              <a:buNone/>
+            </a:pPr>
+            <a:r>
+              <a:rPr lang="en-US">
+                <a:solidFill>
+                  <a:srgbClr val="00FF00"/>
+                </a:solidFill>
+                <a:latin typeface="Courier New"/>
+                <a:ea typeface="Courier New"/>
+                <a:cs typeface="Courier New"/>
+                <a:sym typeface="Courier New"/>
+              </a:rPr>
+              <a:t>vmstat.gnuplot</a:t>
+            </a:r>
+            <a:endParaRPr>
+              <a:solidFill>
+                <a:srgbClr val="00FF00"/>
+              </a:solidFill>
+              <a:latin typeface="Courier New"/>
+              <a:ea typeface="Courier New"/>
+              <a:cs typeface="Courier New"/>
+              <a:sym typeface="Courier New"/>
+            </a:endParaRPr>
+          </a:p>
+          <a:p>
+            <a:pPr marL="0" lvl="0" indent="0" algn="l" rtl="0">
+              <a:spcBef>
+                <a:spcPts val="0"/>
+              </a:spcBef>
+              <a:spcAft>
+                <a:spcPts val="0"/>
+              </a:spcAft>
+              <a:buNone/>
+            </a:pPr>
+            <a:r>
+              <a:rPr lang="en-US">
+                <a:solidFill>
+                  <a:srgbClr val="00FF00"/>
+                </a:solidFill>
+                <a:latin typeface="Courier New"/>
+                <a:ea typeface="Courier New"/>
+                <a:cs typeface="Courier New"/>
+                <a:sym typeface="Courier New"/>
+              </a:rPr>
+              <a:t>vmstat_history.klc01.txt</a:t>
+            </a:r>
+            <a:endParaRPr>
+              <a:solidFill>
+                <a:srgbClr val="00FF00"/>
+              </a:solidFill>
+              <a:latin typeface="Courier New"/>
+              <a:ea typeface="Courier New"/>
+              <a:cs typeface="Courier New"/>
+              <a:sym typeface="Courier New"/>
+            </a:endParaRPr>
+          </a:p>
+          <a:p>
+            <a:pPr marL="0" lvl="0" indent="0" algn="l" rtl="0">
+              <a:spcBef>
+                <a:spcPts val="0"/>
+              </a:spcBef>
+              <a:spcAft>
+                <a:spcPts val="0"/>
+              </a:spcAft>
+              <a:buNone/>
+            </a:pPr>
+            <a:r>
+              <a:rPr lang="en-US">
+                <a:solidFill>
+                  <a:srgbClr val="00FF00"/>
+                </a:solidFill>
+                <a:latin typeface="Courier New"/>
+                <a:ea typeface="Courier New"/>
+                <a:cs typeface="Courier New"/>
+                <a:sym typeface="Courier New"/>
+              </a:rPr>
+              <a:t>vmstat_history.klc02.txt</a:t>
+            </a:r>
+            <a:endParaRPr>
+              <a:solidFill>
+                <a:srgbClr val="00FF00"/>
+              </a:solidFill>
+              <a:latin typeface="Courier New"/>
+              <a:ea typeface="Courier New"/>
+              <a:cs typeface="Courier New"/>
+              <a:sym typeface="Courier New"/>
+            </a:endParaRPr>
+          </a:p>
+          <a:p>
+            <a:pPr marL="0" lvl="0" indent="0" algn="l" rtl="0">
+              <a:spcBef>
+                <a:spcPts val="0"/>
+              </a:spcBef>
+              <a:spcAft>
+                <a:spcPts val="0"/>
+              </a:spcAft>
+              <a:buNone/>
+            </a:pPr>
+            <a:r>
+              <a:rPr lang="en-US">
+                <a:solidFill>
+                  <a:srgbClr val="00FF00"/>
+                </a:solidFill>
+                <a:latin typeface="Courier New"/>
+                <a:ea typeface="Courier New"/>
+                <a:cs typeface="Courier New"/>
+                <a:sym typeface="Courier New"/>
+              </a:rPr>
+              <a:t>vmstat_history.klc03.txt</a:t>
+            </a:r>
+            <a:endParaRPr>
+              <a:solidFill>
+                <a:srgbClr val="00FF00"/>
+              </a:solidFill>
+              <a:latin typeface="Courier New"/>
+              <a:ea typeface="Courier New"/>
+              <a:cs typeface="Courier New"/>
+              <a:sym typeface="Courier New"/>
+            </a:endParaRPr>
+          </a:p>
+          <a:p>
+            <a:pPr marL="0" lvl="0" indent="0" algn="l" rtl="0">
+              <a:spcBef>
+                <a:spcPts val="0"/>
+              </a:spcBef>
+              <a:spcAft>
+                <a:spcPts val="0"/>
+              </a:spcAft>
+              <a:buNone/>
+            </a:pPr>
+            <a:r>
+              <a:rPr lang="en-US">
+                <a:solidFill>
+                  <a:srgbClr val="00FF00"/>
+                </a:solidFill>
+                <a:latin typeface="Courier New"/>
+                <a:ea typeface="Courier New"/>
+                <a:cs typeface="Courier New"/>
+                <a:sym typeface="Courier New"/>
+              </a:rPr>
+              <a:t>vmstat_history.klc04.txt</a:t>
+            </a:r>
+            <a:endParaRPr>
+              <a:solidFill>
+                <a:srgbClr val="00FF00"/>
+              </a:solidFill>
+              <a:latin typeface="Courier New"/>
+              <a:ea typeface="Courier New"/>
+              <a:cs typeface="Courier New"/>
+              <a:sym typeface="Courier New"/>
+            </a:endParaRPr>
+          </a:p>
+          <a:p>
+            <a:pPr marL="0" lvl="0" indent="0" algn="l" rtl="0">
+              <a:spcBef>
+                <a:spcPts val="0"/>
+              </a:spcBef>
+              <a:spcAft>
+                <a:spcPts val="0"/>
+              </a:spcAft>
+              <a:buNone/>
+            </a:pPr>
+            <a:r>
+              <a:rPr lang="en-US">
+                <a:solidFill>
+                  <a:srgbClr val="00FF00"/>
+                </a:solidFill>
+                <a:latin typeface="Courier New"/>
+                <a:ea typeface="Courier New"/>
+                <a:cs typeface="Courier New"/>
+                <a:sym typeface="Courier New"/>
+              </a:rPr>
+              <a:t>vmstat_history.klc05.txt</a:t>
+            </a:r>
+            <a:endParaRPr>
+              <a:solidFill>
+                <a:srgbClr val="00FF00"/>
+              </a:solidFill>
+              <a:latin typeface="Courier New"/>
+              <a:ea typeface="Courier New"/>
+              <a:cs typeface="Courier New"/>
+              <a:sym typeface="Courier New"/>
+            </a:endParaRPr>
+          </a:p>
+          <a:p>
+            <a:pPr marL="0" lvl="0" indent="0" algn="l" rtl="0">
+              <a:spcBef>
+                <a:spcPts val="0"/>
+              </a:spcBef>
+              <a:spcAft>
+                <a:spcPts val="0"/>
+              </a:spcAft>
+              <a:buNone/>
+            </a:pPr>
+            <a:r>
+              <a:rPr lang="en-US">
+                <a:solidFill>
+                  <a:srgbClr val="00FF00"/>
+                </a:solidFill>
+                <a:latin typeface="Courier New"/>
+                <a:ea typeface="Courier New"/>
+                <a:cs typeface="Courier New"/>
+                <a:sym typeface="Courier New"/>
+              </a:rPr>
+              <a:t>vmstat.png</a:t>
+            </a:r>
+            <a:endParaRPr>
+              <a:solidFill>
+                <a:srgbClr val="00FF00"/>
+              </a:solidFill>
+              <a:latin typeface="Courier New"/>
+              <a:ea typeface="Courier New"/>
+              <a:cs typeface="Courier New"/>
+              <a:sym typeface="Courier New"/>
+            </a:endParaRPr>
+          </a:p>
+          <a:p>
+            <a:pPr marL="0" lvl="0" indent="0" algn="l" rtl="0">
+              <a:spcBef>
+                <a:spcPts val="0"/>
+              </a:spcBef>
+              <a:spcAft>
+                <a:spcPts val="0"/>
+              </a:spcAft>
+              <a:buNone/>
+            </a:pPr>
+            <a:endParaRPr>
+              <a:solidFill>
+                <a:schemeClr val="dk1"/>
+              </a:solidFill>
+              <a:latin typeface="Courier New"/>
+              <a:ea typeface="Courier New"/>
+              <a:cs typeface="Courier New"/>
+              <a:sym typeface="Courier New"/>
+            </a:endParaRPr>
+          </a:p>
+        </p:txBody>
+      </p:sp>
       <p:sp>
         <p:nvSpPr>
           <p:cNvPr id="2" name="Slide Number Placeholder 1"/>
